--- a/translations/en-us/intermediate/Infrared.pptx
+++ b/translations/en-us/intermediate/Infrared.pptx
@@ -3,26 +3,27 @@
 <p:presentation xmlns:a="http://schemas.openxmlformats.org/drawingml/2006/main" xmlns:r="http://schemas.openxmlformats.org/officeDocument/2006/relationships" xmlns:p="http://schemas.openxmlformats.org/presentationml/2006/main" showSpecialPlsOnTitleSld="0" saveSubsetFonts="1">
   <p:sldMasterIdLst>
     <p:sldMasterId id="2147483835" r:id="rId1"/>
+    <p:sldMasterId id="2147483847" r:id="rId2"/>
   </p:sldMasterIdLst>
   <p:notesMasterIdLst>
-    <p:notesMasterId r:id="rId14"/>
+    <p:notesMasterId r:id="rId15"/>
   </p:notesMasterIdLst>
   <p:handoutMasterIdLst>
-    <p:handoutMasterId r:id="rId15"/>
+    <p:handoutMasterId r:id="rId16"/>
   </p:handoutMasterIdLst>
   <p:sldIdLst>
-    <p:sldId id="289" r:id="rId2"/>
-    <p:sldId id="283" r:id="rId3"/>
-    <p:sldId id="275" r:id="rId4"/>
-    <p:sldId id="285" r:id="rId5"/>
-    <p:sldId id="277" r:id="rId6"/>
-    <p:sldId id="278" r:id="rId7"/>
-    <p:sldId id="279" r:id="rId8"/>
-    <p:sldId id="280" r:id="rId9"/>
-    <p:sldId id="288" r:id="rId10"/>
-    <p:sldId id="284" r:id="rId11"/>
-    <p:sldId id="287" r:id="rId12"/>
-    <p:sldId id="274" r:id="rId13"/>
+    <p:sldId id="289" r:id="rId3"/>
+    <p:sldId id="283" r:id="rId4"/>
+    <p:sldId id="275" r:id="rId5"/>
+    <p:sldId id="285" r:id="rId6"/>
+    <p:sldId id="277" r:id="rId7"/>
+    <p:sldId id="278" r:id="rId8"/>
+    <p:sldId id="279" r:id="rId9"/>
+    <p:sldId id="280" r:id="rId10"/>
+    <p:sldId id="288" r:id="rId11"/>
+    <p:sldId id="284" r:id="rId12"/>
+    <p:sldId id="287" r:id="rId13"/>
+    <p:sldId id="274" r:id="rId14"/>
   </p:sldIdLst>
   <p:sldSz cx="9144000" cy="6858000" type="screen4x3"/>
   <p:notesSz cx="6858000" cy="9144000"/>
@@ -222,7 +223,7 @@
           <a:p>
             <a:fld id="{E354B44E-40A3-0E46-B16A-9BF1250A248B}" type="datetimeFigureOut">
               <a:rPr lang="en-US" smtClean="0"/>
-              <a:t>11/13/15</a:t>
+              <a:t>7/7/2016</a:t>
             </a:fld>
             <a:endParaRPr lang="en-US"/>
           </a:p>
@@ -388,7 +389,7 @@
           <a:p>
             <a:fld id="{C86AD16C-2DB4-6642-BAD4-9ED973A087A0}" type="datetimeFigureOut">
               <a:rPr lang="en-US" smtClean="0"/>
-              <a:t>11/13/15</a:t>
+              <a:t>7/7/2016</a:t>
             </a:fld>
             <a:endParaRPr lang="en-US"/>
           </a:p>
@@ -452,38 +453,37 @@
           <a:p>
             <a:pPr lvl="0"/>
             <a:r>
-              <a:rPr lang="en-US" smtClean="0"/>
+              <a:rPr lang="en-US"/>
               <a:t>Click to edit Master text styles</a:t>
             </a:r>
           </a:p>
           <a:p>
             <a:pPr lvl="1"/>
             <a:r>
-              <a:rPr lang="en-US" smtClean="0"/>
+              <a:rPr lang="en-US"/>
               <a:t>Second level</a:t>
             </a:r>
           </a:p>
           <a:p>
             <a:pPr lvl="2"/>
             <a:r>
-              <a:rPr lang="en-US" smtClean="0"/>
+              <a:rPr lang="en-US"/>
               <a:t>Third level</a:t>
             </a:r>
           </a:p>
           <a:p>
             <a:pPr lvl="3"/>
             <a:r>
-              <a:rPr lang="en-US" smtClean="0"/>
+              <a:rPr lang="en-US"/>
               <a:t>Fourth level</a:t>
             </a:r>
           </a:p>
           <a:p>
             <a:pPr lvl="4"/>
             <a:r>
-              <a:rPr lang="en-US" smtClean="0"/>
+              <a:rPr lang="en-US"/>
               <a:t>Fifth level</a:t>
             </a:r>
-            <a:endParaRPr lang="en-US"/>
           </a:p>
         </p:txBody>
       </p:sp>
@@ -836,10 +836,9 @@
           </a:lstStyle>
           <a:p>
             <a:r>
-              <a:rPr lang="en-US" dirty="0" smtClean="0"/>
+              <a:rPr lang="en-US" dirty="0"/>
               <a:t>INTERMEDIATE PROGRAMMING LESSON</a:t>
             </a:r>
-            <a:endParaRPr lang="en-US" dirty="0"/>
           </a:p>
         </p:txBody>
       </p:sp>
@@ -908,10 +907,9 @@
           </a:lstStyle>
           <a:p>
             <a:r>
-              <a:rPr lang="en-US" dirty="0" smtClean="0"/>
+              <a:rPr lang="en-US" dirty="0"/>
               <a:t>Click to edit Master subtitle style</a:t>
             </a:r>
-            <a:endParaRPr lang="en-US" dirty="0"/>
           </a:p>
         </p:txBody>
       </p:sp>
@@ -930,9 +928,9 @@
           <a:bodyPr/>
           <a:lstStyle/>
           <a:p>
-            <a:fld id="{6B13CFBD-0392-DF42-9C65-6D1DE0580181}" type="datetime1">
+            <a:fld id="{B75482BB-5DD5-4583-B6E6-E6A6B4E57171}" type="datetime1">
               <a:rPr lang="en-US" smtClean="0"/>
-              <a:t>11/13/15</a:t>
+              <a:t>7/7/2016</a:t>
             </a:fld>
             <a:endParaRPr lang="en-US"/>
           </a:p>
@@ -954,10 +952,9 @@
           <a:lstStyle/>
           <a:p>
             <a:r>
-              <a:rPr lang="sk-SK" smtClean="0"/>
-              <a:t>© 2015 EV3Lessons.com, Last edit 11/13/2015</a:t>
-            </a:r>
-            <a:endParaRPr lang="en-US"/>
+              <a:rPr lang="en-US"/>
+              <a:t>© 2016 EV3Lessons.com, Last edit 7/06/2016</a:t>
+            </a:r>
           </a:p>
         </p:txBody>
       </p:sp>
@@ -1121,14 +1118,13 @@
           <a:lstStyle/>
           <a:p>
             <a:r>
-              <a:rPr lang="en-US" dirty="0" smtClean="0"/>
+              <a:rPr lang="en-US" dirty="0"/>
               <a:t>By </a:t>
             </a:r>
             <a:r>
-              <a:rPr lang="en-US" smtClean="0"/>
+              <a:rPr lang="en-US"/>
               <a:t>Droids Robotics</a:t>
             </a:r>
-            <a:endParaRPr lang="en-US"/>
           </a:p>
         </p:txBody>
       </p:sp>
@@ -1141,7 +1137,7 @@
           <p:nvPr userDrawn="1"/>
         </p:nvPicPr>
         <p:blipFill>
-          <a:blip r:embed="rId2">
+          <a:blip r:embed="rId2" cstate="email">
             <a:extLst>
               <a:ext uri="{28A0092B-C50C-407E-A947-70E740481C1C}">
                 <a14:useLocalDpi xmlns:a14="http://schemas.microsoft.com/office/drawing/2010/main" val="0"/>
@@ -1194,7 +1190,7 @@
           <a:noFill/>
           <a:extLst>
             <a:ext uri="{909E8E84-426E-40dd-AFC4-6F175D3DCCD1}">
-              <a14:hiddenFill xmlns:a14="http://schemas.microsoft.com/office/drawing/2010/main" xmlns="">
+              <a14:hiddenFill xmlns="" xmlns:a14="http://schemas.microsoft.com/office/drawing/2010/main">
                 <a:solidFill>
                   <a:srgbClr val="FFFFFF"/>
                 </a:solidFill>
@@ -1249,83 +1245,83 @@
           <a:lstStyle/>
           <a:p>
             <a:r>
+              <a:rPr lang="en-US"/>
+              <a:t>Click to edit Master title style</a:t>
+            </a:r>
+            <a:endParaRPr lang="en-US" dirty="0"/>
+          </a:p>
+        </p:txBody>
+      </p:sp>
+      <p:sp>
+        <p:nvSpPr>
+          <p:cNvPr id="3" name="Vertical Text Placeholder 2"/>
+          <p:cNvSpPr>
+            <a:spLocks noGrp="1"/>
+          </p:cNvSpPr>
+          <p:nvPr>
+            <p:ph type="body" orient="vert" idx="1"/>
+          </p:nvPr>
+        </p:nvSpPr>
+        <p:spPr/>
+        <p:txBody>
+          <a:bodyPr vert="eaVert" lIns="45720" tIns="0" rIns="45720" bIns="0"/>
+          <a:lstStyle/>
+          <a:p>
+            <a:pPr lvl="0"/>
+            <a:r>
+              <a:rPr lang="en-US"/>
+              <a:t>Click to edit Master text styles</a:t>
+            </a:r>
+          </a:p>
+          <a:p>
+            <a:pPr lvl="1"/>
+            <a:r>
+              <a:rPr lang="en-US"/>
+              <a:t>Second level</a:t>
+            </a:r>
+          </a:p>
+          <a:p>
+            <a:pPr lvl="2"/>
+            <a:r>
+              <a:rPr lang="en-US"/>
+              <a:t>Third level</a:t>
+            </a:r>
+          </a:p>
+          <a:p>
+            <a:pPr lvl="3"/>
+            <a:r>
+              <a:rPr lang="en-US"/>
+              <a:t>Fourth level</a:t>
+            </a:r>
+          </a:p>
+          <a:p>
+            <a:pPr lvl="4"/>
+            <a:r>
+              <a:rPr lang="en-US"/>
+              <a:t>Fifth level</a:t>
+            </a:r>
+            <a:endParaRPr lang="en-US" dirty="0"/>
+          </a:p>
+        </p:txBody>
+      </p:sp>
+      <p:sp>
+        <p:nvSpPr>
+          <p:cNvPr id="4" name="Date Placeholder 3"/>
+          <p:cNvSpPr>
+            <a:spLocks noGrp="1"/>
+          </p:cNvSpPr>
+          <p:nvPr>
+            <p:ph type="dt" sz="half" idx="10"/>
+          </p:nvPr>
+        </p:nvSpPr>
+        <p:spPr/>
+        <p:txBody>
+          <a:bodyPr/>
+          <a:lstStyle/>
+          <a:p>
+            <a:fld id="{0353B462-E1FD-4457-88A6-D53574D24FE6}" type="datetime1">
               <a:rPr lang="en-US" smtClean="0"/>
-              <a:t>Click to edit Master title style</a:t>
-            </a:r>
-            <a:endParaRPr lang="en-US" dirty="0"/>
-          </a:p>
-        </p:txBody>
-      </p:sp>
-      <p:sp>
-        <p:nvSpPr>
-          <p:cNvPr id="3" name="Vertical Text Placeholder 2"/>
-          <p:cNvSpPr>
-            <a:spLocks noGrp="1"/>
-          </p:cNvSpPr>
-          <p:nvPr>
-            <p:ph type="body" orient="vert" idx="1"/>
-          </p:nvPr>
-        </p:nvSpPr>
-        <p:spPr/>
-        <p:txBody>
-          <a:bodyPr vert="eaVert" lIns="45720" tIns="0" rIns="45720" bIns="0"/>
-          <a:lstStyle/>
-          <a:p>
-            <a:pPr lvl="0"/>
-            <a:r>
-              <a:rPr lang="en-US" smtClean="0"/>
-              <a:t>Click to edit Master text styles</a:t>
-            </a:r>
-          </a:p>
-          <a:p>
-            <a:pPr lvl="1"/>
-            <a:r>
-              <a:rPr lang="en-US" smtClean="0"/>
-              <a:t>Second level</a:t>
-            </a:r>
-          </a:p>
-          <a:p>
-            <a:pPr lvl="2"/>
-            <a:r>
-              <a:rPr lang="en-US" smtClean="0"/>
-              <a:t>Third level</a:t>
-            </a:r>
-          </a:p>
-          <a:p>
-            <a:pPr lvl="3"/>
-            <a:r>
-              <a:rPr lang="en-US" smtClean="0"/>
-              <a:t>Fourth level</a:t>
-            </a:r>
-          </a:p>
-          <a:p>
-            <a:pPr lvl="4"/>
-            <a:r>
-              <a:rPr lang="en-US" smtClean="0"/>
-              <a:t>Fifth level</a:t>
-            </a:r>
-            <a:endParaRPr lang="en-US" dirty="0"/>
-          </a:p>
-        </p:txBody>
-      </p:sp>
-      <p:sp>
-        <p:nvSpPr>
-          <p:cNvPr id="4" name="Date Placeholder 3"/>
-          <p:cNvSpPr>
-            <a:spLocks noGrp="1"/>
-          </p:cNvSpPr>
-          <p:nvPr>
-            <p:ph type="dt" sz="half" idx="10"/>
-          </p:nvPr>
-        </p:nvSpPr>
-        <p:spPr/>
-        <p:txBody>
-          <a:bodyPr/>
-          <a:lstStyle/>
-          <a:p>
-            <a:fld id="{BF0F175E-9EAC-E14B-B7AC-8C8F25EC1DAA}" type="datetime1">
-              <a:rPr lang="en-US" smtClean="0"/>
-              <a:t>11/13/15</a:t>
+              <a:t>7/7/2016</a:t>
             </a:fld>
             <a:endParaRPr lang="en-US"/>
           </a:p>
@@ -1347,10 +1343,9 @@
           <a:lstStyle/>
           <a:p>
             <a:r>
-              <a:rPr lang="sk-SK" smtClean="0"/>
-              <a:t>© 2015 EV3Lessons.com, Last edit 11/13/2015</a:t>
-            </a:r>
-            <a:endParaRPr lang="en-US"/>
+              <a:rPr lang="en-US"/>
+              <a:t>© 2016 EV3Lessons.com, Last edit 7/06/2016</a:t>
+            </a:r>
           </a:p>
         </p:txBody>
       </p:sp>
@@ -1504,7 +1499,7 @@
           <a:lstStyle/>
           <a:p>
             <a:r>
-              <a:rPr lang="en-US" smtClean="0"/>
+              <a:rPr lang="en-US"/>
               <a:t>Click to edit Master title style</a:t>
             </a:r>
             <a:endParaRPr lang="en-US" dirty="0"/>
@@ -1533,59 +1528,59 @@
           <a:p>
             <a:pPr lvl="0"/>
             <a:r>
+              <a:rPr lang="en-US"/>
+              <a:t>Click to edit Master text styles</a:t>
+            </a:r>
+          </a:p>
+          <a:p>
+            <a:pPr lvl="1"/>
+            <a:r>
+              <a:rPr lang="en-US"/>
+              <a:t>Second level</a:t>
+            </a:r>
+          </a:p>
+          <a:p>
+            <a:pPr lvl="2"/>
+            <a:r>
+              <a:rPr lang="en-US"/>
+              <a:t>Third level</a:t>
+            </a:r>
+          </a:p>
+          <a:p>
+            <a:pPr lvl="3"/>
+            <a:r>
+              <a:rPr lang="en-US"/>
+              <a:t>Fourth level</a:t>
+            </a:r>
+          </a:p>
+          <a:p>
+            <a:pPr lvl="4"/>
+            <a:r>
+              <a:rPr lang="en-US"/>
+              <a:t>Fifth level</a:t>
+            </a:r>
+            <a:endParaRPr lang="en-US" dirty="0"/>
+          </a:p>
+        </p:txBody>
+      </p:sp>
+      <p:sp>
+        <p:nvSpPr>
+          <p:cNvPr id="4" name="Date Placeholder 3"/>
+          <p:cNvSpPr>
+            <a:spLocks noGrp="1"/>
+          </p:cNvSpPr>
+          <p:nvPr>
+            <p:ph type="dt" sz="half" idx="10"/>
+          </p:nvPr>
+        </p:nvSpPr>
+        <p:spPr/>
+        <p:txBody>
+          <a:bodyPr/>
+          <a:lstStyle/>
+          <a:p>
+            <a:fld id="{394CCA3E-C529-404A-A264-934F947D4EFE}" type="datetime1">
               <a:rPr lang="en-US" smtClean="0"/>
-              <a:t>Click to edit Master text styles</a:t>
-            </a:r>
-          </a:p>
-          <a:p>
-            <a:pPr lvl="1"/>
-            <a:r>
-              <a:rPr lang="en-US" smtClean="0"/>
-              <a:t>Second level</a:t>
-            </a:r>
-          </a:p>
-          <a:p>
-            <a:pPr lvl="2"/>
-            <a:r>
-              <a:rPr lang="en-US" smtClean="0"/>
-              <a:t>Third level</a:t>
-            </a:r>
-          </a:p>
-          <a:p>
-            <a:pPr lvl="3"/>
-            <a:r>
-              <a:rPr lang="en-US" smtClean="0"/>
-              <a:t>Fourth level</a:t>
-            </a:r>
-          </a:p>
-          <a:p>
-            <a:pPr lvl="4"/>
-            <a:r>
-              <a:rPr lang="en-US" smtClean="0"/>
-              <a:t>Fifth level</a:t>
-            </a:r>
-            <a:endParaRPr lang="en-US" dirty="0"/>
-          </a:p>
-        </p:txBody>
-      </p:sp>
-      <p:sp>
-        <p:nvSpPr>
-          <p:cNvPr id="4" name="Date Placeholder 3"/>
-          <p:cNvSpPr>
-            <a:spLocks noGrp="1"/>
-          </p:cNvSpPr>
-          <p:nvPr>
-            <p:ph type="dt" sz="half" idx="10"/>
-          </p:nvPr>
-        </p:nvSpPr>
-        <p:spPr/>
-        <p:txBody>
-          <a:bodyPr/>
-          <a:lstStyle/>
-          <a:p>
-            <a:fld id="{ABE2FCFC-C57A-2442-884C-F5C58B3A2465}" type="datetime1">
-              <a:rPr lang="en-US" smtClean="0"/>
-              <a:t>11/13/15</a:t>
+              <a:t>7/7/2016</a:t>
             </a:fld>
             <a:endParaRPr lang="en-US"/>
           </a:p>
@@ -1607,10 +1602,9 @@
           <a:lstStyle/>
           <a:p>
             <a:r>
-              <a:rPr lang="sk-SK" smtClean="0"/>
-              <a:t>© 2015 EV3Lessons.com, Last edit 11/13/2015</a:t>
-            </a:r>
-            <a:endParaRPr lang="en-US"/>
+              <a:rPr lang="en-US"/>
+              <a:t>© 2016 EV3Lessons.com, Last edit 7/06/2016</a:t>
+            </a:r>
           </a:p>
         </p:txBody>
       </p:sp>
@@ -1641,6 +1635,2385 @@
     <p:extLst>
       <p:ext uri="{BB962C8B-B14F-4D97-AF65-F5344CB8AC3E}">
         <p14:creationId xmlns:p14="http://schemas.microsoft.com/office/powerpoint/2010/main" val="1734391354"/>
+      </p:ext>
+    </p:extLst>
+  </p:cSld>
+  <p:clrMapOvr>
+    <a:masterClrMapping/>
+  </p:clrMapOvr>
+</p:sldLayout>
+</file>
+
+<file path=ppt/slideLayouts/slideLayout12.xml><?xml version="1.0" encoding="utf-8"?>
+<p:sldLayout xmlns:a="http://schemas.openxmlformats.org/drawingml/2006/main" xmlns:r="http://schemas.openxmlformats.org/officeDocument/2006/relationships" xmlns:p="http://schemas.openxmlformats.org/presentationml/2006/main" showMasterSp="0" type="title" preserve="1">
+  <p:cSld name="Title Slide">
+    <p:spTree>
+      <p:nvGrpSpPr>
+        <p:cNvPr id="1" name=""/>
+        <p:cNvGrpSpPr/>
+        <p:nvPr/>
+      </p:nvGrpSpPr>
+      <p:grpSpPr>
+        <a:xfrm>
+          <a:off x="0" y="0"/>
+          <a:ext cx="0" cy="0"/>
+          <a:chOff x="0" y="0"/>
+          <a:chExt cx="0" cy="0"/>
+        </a:xfrm>
+      </p:grpSpPr>
+      <p:sp>
+        <p:nvSpPr>
+          <p:cNvPr id="7" name="Rectangle 6"/>
+          <p:cNvSpPr/>
+          <p:nvPr/>
+        </p:nvSpPr>
+        <p:spPr>
+          <a:xfrm>
+            <a:off x="2382" y="6400800"/>
+            <a:ext cx="9141619" cy="457200"/>
+          </a:xfrm>
+          <a:prstGeom prst="rect">
+            <a:avLst/>
+          </a:prstGeom>
+          <a:solidFill>
+            <a:srgbClr val="0070C0"/>
+          </a:solidFill>
+          <a:ln>
+            <a:noFill/>
+          </a:ln>
+        </p:spPr>
+        <p:style>
+          <a:lnRef idx="2">
+            <a:schemeClr val="accent1">
+              <a:shade val="50000"/>
+            </a:schemeClr>
+          </a:lnRef>
+          <a:fillRef idx="1">
+            <a:schemeClr val="accent1"/>
+          </a:fillRef>
+          <a:effectRef idx="0">
+            <a:schemeClr val="accent1"/>
+          </a:effectRef>
+          <a:fontRef idx="minor">
+            <a:schemeClr val="lt1"/>
+          </a:fontRef>
+        </p:style>
+      </p:sp>
+      <p:sp>
+        <p:nvSpPr>
+          <p:cNvPr id="2" name="Title 1"/>
+          <p:cNvSpPr>
+            <a:spLocks noGrp="1"/>
+          </p:cNvSpPr>
+          <p:nvPr>
+            <p:ph type="ctrTitle" hasCustomPrompt="1"/>
+          </p:nvPr>
+        </p:nvSpPr>
+        <p:spPr>
+          <a:xfrm>
+            <a:off x="196279" y="154094"/>
+            <a:ext cx="3853207" cy="1870649"/>
+          </a:xfrm>
+          <a:ln>
+            <a:noFill/>
+          </a:ln>
+        </p:spPr>
+        <p:txBody>
+          <a:bodyPr anchor="ctr">
+            <a:normAutofit/>
+          </a:bodyPr>
+          <a:lstStyle>
+            <a:lvl1pPr algn="l">
+              <a:lnSpc>
+                <a:spcPct val="85000"/>
+              </a:lnSpc>
+              <a:defRPr sz="4000" spc="-50" baseline="0">
+                <a:solidFill>
+                  <a:schemeClr val="tx1">
+                    <a:lumMod val="85000"/>
+                    <a:lumOff val="15000"/>
+                  </a:schemeClr>
+                </a:solidFill>
+              </a:defRPr>
+            </a:lvl1pPr>
+          </a:lstStyle>
+          <a:p>
+            <a:r>
+              <a:rPr lang="en-US" dirty="0"/>
+              <a:t>INTERMEDIATE PROGRAMMING LESSON</a:t>
+            </a:r>
+          </a:p>
+        </p:txBody>
+      </p:sp>
+      <p:sp>
+        <p:nvSpPr>
+          <p:cNvPr id="3" name="Subtitle 2"/>
+          <p:cNvSpPr>
+            <a:spLocks noGrp="1"/>
+          </p:cNvSpPr>
+          <p:nvPr>
+            <p:ph type="subTitle" idx="1"/>
+          </p:nvPr>
+        </p:nvSpPr>
+        <p:spPr>
+          <a:xfrm>
+            <a:off x="1548051" y="3452894"/>
+            <a:ext cx="6004883" cy="401411"/>
+          </a:xfrm>
+        </p:spPr>
+        <p:txBody>
+          <a:bodyPr lIns="91440" rIns="91440">
+            <a:normAutofit/>
+          </a:bodyPr>
+          <a:lstStyle>
+            <a:lvl1pPr marL="0" indent="0" algn="ctr">
+              <a:buNone/>
+              <a:defRPr sz="2400" cap="all" spc="200" baseline="0">
+                <a:solidFill>
+                  <a:schemeClr val="tx2"/>
+                </a:solidFill>
+                <a:latin typeface="+mj-lt"/>
+              </a:defRPr>
+            </a:lvl1pPr>
+            <a:lvl2pPr marL="457200" indent="0" algn="ctr">
+              <a:buNone/>
+              <a:defRPr sz="2400"/>
+            </a:lvl2pPr>
+            <a:lvl3pPr marL="914400" indent="0" algn="ctr">
+              <a:buNone/>
+              <a:defRPr sz="2400"/>
+            </a:lvl3pPr>
+            <a:lvl4pPr marL="1371600" indent="0" algn="ctr">
+              <a:buNone/>
+              <a:defRPr sz="2000"/>
+            </a:lvl4pPr>
+            <a:lvl5pPr marL="1828800" indent="0" algn="ctr">
+              <a:buNone/>
+              <a:defRPr sz="2000"/>
+            </a:lvl5pPr>
+            <a:lvl6pPr marL="2286000" indent="0" algn="ctr">
+              <a:buNone/>
+              <a:defRPr sz="2000"/>
+            </a:lvl6pPr>
+            <a:lvl7pPr marL="2743200" indent="0" algn="ctr">
+              <a:buNone/>
+              <a:defRPr sz="2000"/>
+            </a:lvl7pPr>
+            <a:lvl8pPr marL="3200400" indent="0" algn="ctr">
+              <a:buNone/>
+              <a:defRPr sz="2000"/>
+            </a:lvl8pPr>
+            <a:lvl9pPr marL="3657600" indent="0" algn="ctr">
+              <a:buNone/>
+              <a:defRPr sz="2000"/>
+            </a:lvl9pPr>
+          </a:lstStyle>
+          <a:p>
+            <a:r>
+              <a:rPr lang="en-US"/>
+              <a:t>Click to edit Master subtitle style</a:t>
+            </a:r>
+            <a:endParaRPr lang="en-US" dirty="0"/>
+          </a:p>
+        </p:txBody>
+      </p:sp>
+      <p:sp>
+        <p:nvSpPr>
+          <p:cNvPr id="4" name="Date Placeholder 3"/>
+          <p:cNvSpPr>
+            <a:spLocks noGrp="1"/>
+          </p:cNvSpPr>
+          <p:nvPr>
+            <p:ph type="dt" sz="half" idx="10"/>
+          </p:nvPr>
+        </p:nvSpPr>
+        <p:spPr/>
+        <p:txBody>
+          <a:bodyPr/>
+          <a:lstStyle/>
+          <a:p>
+            <a:fld id="{B05995BE-EEA9-460F-A854-64565FAAB871}" type="datetime1">
+              <a:rPr lang="en-US" smtClean="0"/>
+              <a:t>7/7/2016</a:t>
+            </a:fld>
+            <a:endParaRPr lang="en-US"/>
+          </a:p>
+        </p:txBody>
+      </p:sp>
+      <p:sp>
+        <p:nvSpPr>
+          <p:cNvPr id="5" name="Footer Placeholder 4"/>
+          <p:cNvSpPr>
+            <a:spLocks noGrp="1"/>
+          </p:cNvSpPr>
+          <p:nvPr>
+            <p:ph type="ftr" sz="quarter" idx="11"/>
+          </p:nvPr>
+        </p:nvSpPr>
+        <p:spPr/>
+        <p:txBody>
+          <a:bodyPr/>
+          <a:lstStyle/>
+          <a:p>
+            <a:r>
+              <a:rPr lang="en-US"/>
+              <a:t>© 2016 EV3Lessons.com, Last edit 7/06/2016</a:t>
+            </a:r>
+          </a:p>
+        </p:txBody>
+      </p:sp>
+      <p:sp>
+        <p:nvSpPr>
+          <p:cNvPr id="6" name="Slide Number Placeholder 5"/>
+          <p:cNvSpPr>
+            <a:spLocks noGrp="1"/>
+          </p:cNvSpPr>
+          <p:nvPr>
+            <p:ph type="sldNum" sz="quarter" idx="12"/>
+          </p:nvPr>
+        </p:nvSpPr>
+        <p:spPr/>
+        <p:txBody>
+          <a:bodyPr/>
+          <a:lstStyle/>
+          <a:p>
+            <a:fld id="{7F5CE407-6216-4202-80E4-A30DC2F709B2}" type="slidenum">
+              <a:rPr lang="en-US" smtClean="0"/>
+              <a:t>‹#›</a:t>
+            </a:fld>
+            <a:endParaRPr lang="en-US"/>
+          </a:p>
+        </p:txBody>
+      </p:sp>
+      <p:cxnSp>
+        <p:nvCxnSpPr>
+          <p:cNvPr id="9" name="Straight Connector 8"/>
+          <p:cNvCxnSpPr/>
+          <p:nvPr/>
+        </p:nvCxnSpPr>
+        <p:spPr>
+          <a:xfrm>
+            <a:off x="905744" y="3854305"/>
+            <a:ext cx="7406640" cy="0"/>
+          </a:xfrm>
+          <a:prstGeom prst="line">
+            <a:avLst/>
+          </a:prstGeom>
+          <a:ln w="6350">
+            <a:solidFill>
+              <a:schemeClr val="tx1">
+                <a:lumMod val="50000"/>
+                <a:lumOff val="50000"/>
+              </a:schemeClr>
+            </a:solidFill>
+          </a:ln>
+        </p:spPr>
+        <p:style>
+          <a:lnRef idx="1">
+            <a:schemeClr val="accent1"/>
+          </a:lnRef>
+          <a:fillRef idx="0">
+            <a:schemeClr val="accent1"/>
+          </a:fillRef>
+          <a:effectRef idx="0">
+            <a:schemeClr val="accent1"/>
+          </a:effectRef>
+          <a:fontRef idx="minor">
+            <a:schemeClr val="tx1"/>
+          </a:fontRef>
+        </p:style>
+      </p:cxnSp>
+      <p:sp>
+        <p:nvSpPr>
+          <p:cNvPr id="10" name="Rectangle 9"/>
+          <p:cNvSpPr/>
+          <p:nvPr/>
+        </p:nvSpPr>
+        <p:spPr>
+          <a:xfrm>
+            <a:off x="0" y="6334315"/>
+            <a:ext cx="4487333" cy="92382"/>
+          </a:xfrm>
+          <a:prstGeom prst="rect">
+            <a:avLst/>
+          </a:prstGeom>
+          <a:solidFill>
+            <a:srgbClr val="00B050"/>
+          </a:solidFill>
+          <a:ln>
+            <a:noFill/>
+          </a:ln>
+        </p:spPr>
+        <p:style>
+          <a:lnRef idx="2">
+            <a:schemeClr val="accent1">
+              <a:shade val="50000"/>
+            </a:schemeClr>
+          </a:lnRef>
+          <a:fillRef idx="1">
+            <a:schemeClr val="accent1"/>
+          </a:fillRef>
+          <a:effectRef idx="0">
+            <a:schemeClr val="accent1"/>
+          </a:effectRef>
+          <a:fontRef idx="minor">
+            <a:schemeClr val="lt1"/>
+          </a:fontRef>
+        </p:style>
+      </p:sp>
+      <p:sp>
+        <p:nvSpPr>
+          <p:cNvPr id="11" name="Rectangle 10"/>
+          <p:cNvSpPr/>
+          <p:nvPr/>
+        </p:nvSpPr>
+        <p:spPr>
+          <a:xfrm>
+            <a:off x="4487333" y="6334315"/>
+            <a:ext cx="4656667" cy="92382"/>
+          </a:xfrm>
+          <a:prstGeom prst="rect">
+            <a:avLst/>
+          </a:prstGeom>
+          <a:solidFill>
+            <a:srgbClr val="7030A0"/>
+          </a:solidFill>
+          <a:ln>
+            <a:noFill/>
+          </a:ln>
+        </p:spPr>
+        <p:style>
+          <a:lnRef idx="2">
+            <a:schemeClr val="accent1">
+              <a:shade val="50000"/>
+            </a:schemeClr>
+          </a:lnRef>
+          <a:fillRef idx="1">
+            <a:schemeClr val="accent1"/>
+          </a:fillRef>
+          <a:effectRef idx="0">
+            <a:schemeClr val="accent1"/>
+          </a:effectRef>
+          <a:fontRef idx="minor">
+            <a:schemeClr val="lt1"/>
+          </a:fontRef>
+        </p:style>
+      </p:sp>
+      <p:sp>
+        <p:nvSpPr>
+          <p:cNvPr id="8" name="TextBox 7"/>
+          <p:cNvSpPr txBox="1"/>
+          <p:nvPr/>
+        </p:nvSpPr>
+        <p:spPr>
+          <a:xfrm>
+            <a:off x="2363695" y="3959525"/>
+            <a:ext cx="4373593" cy="369332"/>
+          </a:xfrm>
+          <a:prstGeom prst="rect">
+            <a:avLst/>
+          </a:prstGeom>
+          <a:noFill/>
+        </p:spPr>
+        <p:txBody>
+          <a:bodyPr wrap="square" rtlCol="0">
+            <a:spAutoFit/>
+          </a:bodyPr>
+          <a:lstStyle/>
+          <a:p>
+            <a:pPr algn="ctr"/>
+            <a:r>
+              <a:rPr lang="en-US" dirty="0">
+                <a:latin typeface="+mj-lt"/>
+              </a:rPr>
+              <a:t>By</a:t>
+            </a:r>
+            <a:r>
+              <a:rPr lang="en-US" baseline="0" dirty="0">
+                <a:latin typeface="+mj-lt"/>
+              </a:rPr>
+              <a:t> Sanjay and Arvind Seshan</a:t>
+            </a:r>
+            <a:endParaRPr lang="en-US" dirty="0">
+              <a:latin typeface="+mj-lt"/>
+            </a:endParaRPr>
+          </a:p>
+        </p:txBody>
+      </p:sp>
+      <p:pic>
+        <p:nvPicPr>
+          <p:cNvPr id="1026" name="Picture 2" descr="EV3Lessons.com"/>
+          <p:cNvPicPr>
+            <a:picLocks noChangeAspect="1" noChangeArrowheads="1"/>
+          </p:cNvPicPr>
+          <p:nvPr/>
+        </p:nvPicPr>
+        <p:blipFill>
+          <a:blip r:embed="rId2" cstate="email">
+            <a:extLst>
+              <a:ext uri="{28A0092B-C50C-407E-A947-70E740481C1C}">
+                <a14:useLocalDpi xmlns:a14="http://schemas.microsoft.com/office/drawing/2010/main" val="0"/>
+              </a:ext>
+            </a:extLst>
+          </a:blip>
+          <a:srcRect/>
+          <a:stretch>
+            <a:fillRect/>
+          </a:stretch>
+        </p:blipFill>
+        <p:spPr bwMode="auto">
+          <a:xfrm>
+            <a:off x="3955687" y="139554"/>
+            <a:ext cx="5075507" cy="1885189"/>
+          </a:xfrm>
+          <a:prstGeom prst="rect">
+            <a:avLst/>
+          </a:prstGeom>
+          <a:noFill/>
+          <a:extLst>
+            <a:ext uri="{909E8E84-426E-40DD-AFC4-6F175D3DCCD1}">
+              <a14:hiddenFill xmlns:a14="http://schemas.microsoft.com/office/drawing/2010/main">
+                <a:solidFill>
+                  <a:srgbClr val="FFFFFF"/>
+                </a:solidFill>
+              </a14:hiddenFill>
+            </a:ext>
+          </a:extLst>
+        </p:spPr>
+      </p:pic>
+      <p:sp>
+        <p:nvSpPr>
+          <p:cNvPr id="13" name="Rectangle 12"/>
+          <p:cNvSpPr/>
+          <p:nvPr userDrawn="1"/>
+        </p:nvSpPr>
+        <p:spPr>
+          <a:xfrm>
+            <a:off x="0" y="6334315"/>
+            <a:ext cx="4487333" cy="92382"/>
+          </a:xfrm>
+          <a:prstGeom prst="rect">
+            <a:avLst/>
+          </a:prstGeom>
+          <a:solidFill>
+            <a:srgbClr val="00B050"/>
+          </a:solidFill>
+          <a:ln>
+            <a:noFill/>
+          </a:ln>
+        </p:spPr>
+        <p:style>
+          <a:lnRef idx="2">
+            <a:schemeClr val="accent1">
+              <a:shade val="50000"/>
+            </a:schemeClr>
+          </a:lnRef>
+          <a:fillRef idx="1">
+            <a:schemeClr val="accent1"/>
+          </a:fillRef>
+          <a:effectRef idx="0">
+            <a:schemeClr val="accent1"/>
+          </a:effectRef>
+          <a:fontRef idx="minor">
+            <a:schemeClr val="lt1"/>
+          </a:fontRef>
+        </p:style>
+      </p:sp>
+      <p:sp>
+        <p:nvSpPr>
+          <p:cNvPr id="14" name="Rectangle 13"/>
+          <p:cNvSpPr/>
+          <p:nvPr userDrawn="1"/>
+        </p:nvSpPr>
+        <p:spPr>
+          <a:xfrm>
+            <a:off x="4487333" y="6334315"/>
+            <a:ext cx="4656667" cy="92382"/>
+          </a:xfrm>
+          <a:prstGeom prst="rect">
+            <a:avLst/>
+          </a:prstGeom>
+          <a:solidFill>
+            <a:srgbClr val="7030A0"/>
+          </a:solidFill>
+          <a:ln>
+            <a:noFill/>
+          </a:ln>
+        </p:spPr>
+        <p:style>
+          <a:lnRef idx="2">
+            <a:schemeClr val="accent1">
+              <a:shade val="50000"/>
+            </a:schemeClr>
+          </a:lnRef>
+          <a:fillRef idx="1">
+            <a:schemeClr val="accent1"/>
+          </a:fillRef>
+          <a:effectRef idx="0">
+            <a:schemeClr val="accent1"/>
+          </a:effectRef>
+          <a:fontRef idx="minor">
+            <a:schemeClr val="lt1"/>
+          </a:fontRef>
+        </p:style>
+      </p:sp>
+    </p:spTree>
+    <p:extLst>
+      <p:ext uri="{BB962C8B-B14F-4D97-AF65-F5344CB8AC3E}">
+        <p14:creationId xmlns:p14="http://schemas.microsoft.com/office/powerpoint/2010/main" val="2895901401"/>
+      </p:ext>
+    </p:extLst>
+  </p:cSld>
+  <p:clrMapOvr>
+    <a:masterClrMapping/>
+  </p:clrMapOvr>
+</p:sldLayout>
+</file>
+
+<file path=ppt/slideLayouts/slideLayout13.xml><?xml version="1.0" encoding="utf-8"?>
+<p:sldLayout xmlns:a="http://schemas.openxmlformats.org/drawingml/2006/main" xmlns:r="http://schemas.openxmlformats.org/officeDocument/2006/relationships" xmlns:p="http://schemas.openxmlformats.org/presentationml/2006/main" type="obj" preserve="1">
+  <p:cSld name="Title and Content">
+    <p:spTree>
+      <p:nvGrpSpPr>
+        <p:cNvPr id="1" name=""/>
+        <p:cNvGrpSpPr/>
+        <p:nvPr/>
+      </p:nvGrpSpPr>
+      <p:grpSpPr>
+        <a:xfrm>
+          <a:off x="0" y="0"/>
+          <a:ext cx="0" cy="0"/>
+          <a:chOff x="0" y="0"/>
+          <a:chExt cx="0" cy="0"/>
+        </a:xfrm>
+      </p:grpSpPr>
+      <p:sp>
+        <p:nvSpPr>
+          <p:cNvPr id="2" name="Title 1"/>
+          <p:cNvSpPr>
+            <a:spLocks noGrp="1"/>
+          </p:cNvSpPr>
+          <p:nvPr>
+            <p:ph type="title"/>
+          </p:nvPr>
+        </p:nvSpPr>
+        <p:spPr/>
+        <p:txBody>
+          <a:bodyPr/>
+          <a:lstStyle/>
+          <a:p>
+            <a:r>
+              <a:rPr lang="en-US"/>
+              <a:t>Click to edit Master title style</a:t>
+            </a:r>
+            <a:endParaRPr lang="en-US" dirty="0"/>
+          </a:p>
+        </p:txBody>
+      </p:sp>
+      <p:sp>
+        <p:nvSpPr>
+          <p:cNvPr id="3" name="Content Placeholder 2"/>
+          <p:cNvSpPr>
+            <a:spLocks noGrp="1"/>
+          </p:cNvSpPr>
+          <p:nvPr>
+            <p:ph idx="1"/>
+          </p:nvPr>
+        </p:nvSpPr>
+        <p:spPr/>
+        <p:txBody>
+          <a:bodyPr/>
+          <a:lstStyle/>
+          <a:p>
+            <a:pPr lvl="0"/>
+            <a:r>
+              <a:rPr lang="en-US"/>
+              <a:t>Edit Master text styles</a:t>
+            </a:r>
+          </a:p>
+          <a:p>
+            <a:pPr lvl="1"/>
+            <a:r>
+              <a:rPr lang="en-US"/>
+              <a:t>Second level</a:t>
+            </a:r>
+          </a:p>
+          <a:p>
+            <a:pPr lvl="2"/>
+            <a:r>
+              <a:rPr lang="en-US"/>
+              <a:t>Third level</a:t>
+            </a:r>
+          </a:p>
+          <a:p>
+            <a:pPr lvl="3"/>
+            <a:r>
+              <a:rPr lang="en-US"/>
+              <a:t>Fourth level</a:t>
+            </a:r>
+          </a:p>
+          <a:p>
+            <a:pPr lvl="4"/>
+            <a:r>
+              <a:rPr lang="en-US"/>
+              <a:t>Fifth level</a:t>
+            </a:r>
+            <a:endParaRPr lang="en-US" dirty="0"/>
+          </a:p>
+        </p:txBody>
+      </p:sp>
+      <p:sp>
+        <p:nvSpPr>
+          <p:cNvPr id="4" name="Date Placeholder 3"/>
+          <p:cNvSpPr>
+            <a:spLocks noGrp="1"/>
+          </p:cNvSpPr>
+          <p:nvPr>
+            <p:ph type="dt" sz="half" idx="10"/>
+          </p:nvPr>
+        </p:nvSpPr>
+        <p:spPr/>
+        <p:txBody>
+          <a:bodyPr/>
+          <a:lstStyle/>
+          <a:p>
+            <a:fld id="{905DEC0F-822B-4AEC-A9E2-E56CB3D0B120}" type="datetime1">
+              <a:rPr lang="en-US" smtClean="0"/>
+              <a:t>7/7/2016</a:t>
+            </a:fld>
+            <a:endParaRPr lang="en-US"/>
+          </a:p>
+        </p:txBody>
+      </p:sp>
+      <p:sp>
+        <p:nvSpPr>
+          <p:cNvPr id="5" name="Footer Placeholder 4"/>
+          <p:cNvSpPr>
+            <a:spLocks noGrp="1"/>
+          </p:cNvSpPr>
+          <p:nvPr>
+            <p:ph type="ftr" sz="quarter" idx="11"/>
+          </p:nvPr>
+        </p:nvSpPr>
+        <p:spPr/>
+        <p:txBody>
+          <a:bodyPr/>
+          <a:lstStyle/>
+          <a:p>
+            <a:r>
+              <a:rPr lang="en-US"/>
+              <a:t>© 2016 EV3Lessons.com, Last edit 7/06/2016</a:t>
+            </a:r>
+          </a:p>
+        </p:txBody>
+      </p:sp>
+      <p:sp>
+        <p:nvSpPr>
+          <p:cNvPr id="6" name="Slide Number Placeholder 5"/>
+          <p:cNvSpPr>
+            <a:spLocks noGrp="1"/>
+          </p:cNvSpPr>
+          <p:nvPr>
+            <p:ph type="sldNum" sz="quarter" idx="12"/>
+          </p:nvPr>
+        </p:nvSpPr>
+        <p:spPr/>
+        <p:txBody>
+          <a:bodyPr/>
+          <a:lstStyle/>
+          <a:p>
+            <a:fld id="{4382A7F7-08BF-4252-8141-63FB96055BBB}" type="slidenum">
+              <a:rPr lang="en-US" smtClean="0"/>
+              <a:t>‹#›</a:t>
+            </a:fld>
+            <a:endParaRPr lang="en-US"/>
+          </a:p>
+        </p:txBody>
+      </p:sp>
+    </p:spTree>
+    <p:extLst>
+      <p:ext uri="{BB962C8B-B14F-4D97-AF65-F5344CB8AC3E}">
+        <p14:creationId xmlns:p14="http://schemas.microsoft.com/office/powerpoint/2010/main" val="2658580649"/>
+      </p:ext>
+    </p:extLst>
+  </p:cSld>
+  <p:clrMapOvr>
+    <a:masterClrMapping/>
+  </p:clrMapOvr>
+</p:sldLayout>
+</file>
+
+<file path=ppt/slideLayouts/slideLayout14.xml><?xml version="1.0" encoding="utf-8"?>
+<p:sldLayout xmlns:a="http://schemas.openxmlformats.org/drawingml/2006/main" xmlns:r="http://schemas.openxmlformats.org/officeDocument/2006/relationships" xmlns:p="http://schemas.openxmlformats.org/presentationml/2006/main" showMasterSp="0" type="secHead" preserve="1">
+  <p:cSld name="Section Header">
+    <p:bg>
+      <p:bgPr>
+        <a:solidFill>
+          <a:schemeClr val="bg1"/>
+        </a:solidFill>
+        <a:effectLst/>
+      </p:bgPr>
+    </p:bg>
+    <p:spTree>
+      <p:nvGrpSpPr>
+        <p:cNvPr id="1" name=""/>
+        <p:cNvGrpSpPr/>
+        <p:nvPr/>
+      </p:nvGrpSpPr>
+      <p:grpSpPr>
+        <a:xfrm>
+          <a:off x="0" y="0"/>
+          <a:ext cx="0" cy="0"/>
+          <a:chOff x="0" y="0"/>
+          <a:chExt cx="0" cy="0"/>
+        </a:xfrm>
+      </p:grpSpPr>
+      <p:sp>
+        <p:nvSpPr>
+          <p:cNvPr id="7" name="Rectangle 6"/>
+          <p:cNvSpPr/>
+          <p:nvPr/>
+        </p:nvSpPr>
+        <p:spPr>
+          <a:xfrm>
+            <a:off x="2382" y="6400800"/>
+            <a:ext cx="9141619" cy="457200"/>
+          </a:xfrm>
+          <a:prstGeom prst="rect">
+            <a:avLst/>
+          </a:prstGeom>
+          <a:solidFill>
+            <a:schemeClr val="accent2"/>
+          </a:solidFill>
+          <a:ln>
+            <a:noFill/>
+          </a:ln>
+        </p:spPr>
+        <p:style>
+          <a:lnRef idx="2">
+            <a:schemeClr val="accent1">
+              <a:shade val="50000"/>
+            </a:schemeClr>
+          </a:lnRef>
+          <a:fillRef idx="1">
+            <a:schemeClr val="accent1"/>
+          </a:fillRef>
+          <a:effectRef idx="0">
+            <a:schemeClr val="accent1"/>
+          </a:effectRef>
+          <a:fontRef idx="minor">
+            <a:schemeClr val="lt1"/>
+          </a:fontRef>
+        </p:style>
+      </p:sp>
+      <p:sp>
+        <p:nvSpPr>
+          <p:cNvPr id="8" name="Rectangle 7"/>
+          <p:cNvSpPr/>
+          <p:nvPr/>
+        </p:nvSpPr>
+        <p:spPr>
+          <a:xfrm>
+            <a:off x="12" y="6334316"/>
+            <a:ext cx="9141619" cy="64008"/>
+          </a:xfrm>
+          <a:prstGeom prst="rect">
+            <a:avLst/>
+          </a:prstGeom>
+          <a:solidFill>
+            <a:schemeClr val="accent1"/>
+          </a:solidFill>
+          <a:ln>
+            <a:noFill/>
+          </a:ln>
+        </p:spPr>
+        <p:style>
+          <a:lnRef idx="2">
+            <a:schemeClr val="accent1">
+              <a:shade val="50000"/>
+            </a:schemeClr>
+          </a:lnRef>
+          <a:fillRef idx="1">
+            <a:schemeClr val="accent1"/>
+          </a:fillRef>
+          <a:effectRef idx="0">
+            <a:schemeClr val="accent1"/>
+          </a:effectRef>
+          <a:fontRef idx="minor">
+            <a:schemeClr val="lt1"/>
+          </a:fontRef>
+        </p:style>
+      </p:sp>
+      <p:sp>
+        <p:nvSpPr>
+          <p:cNvPr id="2" name="Title 1"/>
+          <p:cNvSpPr>
+            <a:spLocks noGrp="1"/>
+          </p:cNvSpPr>
+          <p:nvPr>
+            <p:ph type="title"/>
+          </p:nvPr>
+        </p:nvSpPr>
+        <p:spPr>
+          <a:xfrm>
+            <a:off x="822960" y="758952"/>
+            <a:ext cx="7543800" cy="3566160"/>
+          </a:xfrm>
+        </p:spPr>
+        <p:txBody>
+          <a:bodyPr anchor="b" anchorCtr="0">
+            <a:normAutofit/>
+          </a:bodyPr>
+          <a:lstStyle>
+            <a:lvl1pPr>
+              <a:lnSpc>
+                <a:spcPct val="85000"/>
+              </a:lnSpc>
+              <a:defRPr sz="8000" b="0">
+                <a:solidFill>
+                  <a:schemeClr val="tx1">
+                    <a:lumMod val="85000"/>
+                    <a:lumOff val="15000"/>
+                  </a:schemeClr>
+                </a:solidFill>
+              </a:defRPr>
+            </a:lvl1pPr>
+          </a:lstStyle>
+          <a:p>
+            <a:r>
+              <a:rPr lang="en-US"/>
+              <a:t>Click to edit Master title style</a:t>
+            </a:r>
+            <a:endParaRPr lang="en-US" dirty="0"/>
+          </a:p>
+        </p:txBody>
+      </p:sp>
+      <p:sp>
+        <p:nvSpPr>
+          <p:cNvPr id="3" name="Text Placeholder 2"/>
+          <p:cNvSpPr>
+            <a:spLocks noGrp="1"/>
+          </p:cNvSpPr>
+          <p:nvPr>
+            <p:ph type="body" idx="1"/>
+          </p:nvPr>
+        </p:nvSpPr>
+        <p:spPr>
+          <a:xfrm>
+            <a:off x="822960" y="4453128"/>
+            <a:ext cx="7543800" cy="1143000"/>
+          </a:xfrm>
+        </p:spPr>
+        <p:txBody>
+          <a:bodyPr lIns="91440" rIns="91440" anchor="t" anchorCtr="0">
+            <a:normAutofit/>
+          </a:bodyPr>
+          <a:lstStyle>
+            <a:lvl1pPr marL="0" indent="0">
+              <a:buNone/>
+              <a:defRPr sz="2400" cap="all" spc="200" baseline="0">
+                <a:solidFill>
+                  <a:schemeClr val="tx2"/>
+                </a:solidFill>
+                <a:latin typeface="+mj-lt"/>
+              </a:defRPr>
+            </a:lvl1pPr>
+            <a:lvl2pPr marL="457200" indent="0">
+              <a:buNone/>
+              <a:defRPr sz="1800">
+                <a:solidFill>
+                  <a:schemeClr val="tx1">
+                    <a:tint val="75000"/>
+                  </a:schemeClr>
+                </a:solidFill>
+              </a:defRPr>
+            </a:lvl2pPr>
+            <a:lvl3pPr marL="914400" indent="0">
+              <a:buNone/>
+              <a:defRPr sz="1600">
+                <a:solidFill>
+                  <a:schemeClr val="tx1">
+                    <a:tint val="75000"/>
+                  </a:schemeClr>
+                </a:solidFill>
+              </a:defRPr>
+            </a:lvl3pPr>
+            <a:lvl4pPr marL="1371600" indent="0">
+              <a:buNone/>
+              <a:defRPr sz="1400">
+                <a:solidFill>
+                  <a:schemeClr val="tx1">
+                    <a:tint val="75000"/>
+                  </a:schemeClr>
+                </a:solidFill>
+              </a:defRPr>
+            </a:lvl4pPr>
+            <a:lvl5pPr marL="1828800" indent="0">
+              <a:buNone/>
+              <a:defRPr sz="1400">
+                <a:solidFill>
+                  <a:schemeClr val="tx1">
+                    <a:tint val="75000"/>
+                  </a:schemeClr>
+                </a:solidFill>
+              </a:defRPr>
+            </a:lvl5pPr>
+            <a:lvl6pPr marL="2286000" indent="0">
+              <a:buNone/>
+              <a:defRPr sz="1400">
+                <a:solidFill>
+                  <a:schemeClr val="tx1">
+                    <a:tint val="75000"/>
+                  </a:schemeClr>
+                </a:solidFill>
+              </a:defRPr>
+            </a:lvl6pPr>
+            <a:lvl7pPr marL="2743200" indent="0">
+              <a:buNone/>
+              <a:defRPr sz="1400">
+                <a:solidFill>
+                  <a:schemeClr val="tx1">
+                    <a:tint val="75000"/>
+                  </a:schemeClr>
+                </a:solidFill>
+              </a:defRPr>
+            </a:lvl7pPr>
+            <a:lvl8pPr marL="3200400" indent="0">
+              <a:buNone/>
+              <a:defRPr sz="1400">
+                <a:solidFill>
+                  <a:schemeClr val="tx1">
+                    <a:tint val="75000"/>
+                  </a:schemeClr>
+                </a:solidFill>
+              </a:defRPr>
+            </a:lvl8pPr>
+            <a:lvl9pPr marL="3657600" indent="0">
+              <a:buNone/>
+              <a:defRPr sz="1400">
+                <a:solidFill>
+                  <a:schemeClr val="tx1">
+                    <a:tint val="75000"/>
+                  </a:schemeClr>
+                </a:solidFill>
+              </a:defRPr>
+            </a:lvl9pPr>
+          </a:lstStyle>
+          <a:p>
+            <a:pPr lvl="0"/>
+            <a:r>
+              <a:rPr lang="en-US"/>
+              <a:t>Edit Master text styles</a:t>
+            </a:r>
+          </a:p>
+        </p:txBody>
+      </p:sp>
+      <p:sp>
+        <p:nvSpPr>
+          <p:cNvPr id="4" name="Date Placeholder 3"/>
+          <p:cNvSpPr>
+            <a:spLocks noGrp="1"/>
+          </p:cNvSpPr>
+          <p:nvPr>
+            <p:ph type="dt" sz="half" idx="10"/>
+          </p:nvPr>
+        </p:nvSpPr>
+        <p:spPr/>
+        <p:txBody>
+          <a:bodyPr/>
+          <a:lstStyle/>
+          <a:p>
+            <a:fld id="{366C8579-C8C9-4C8D-98F3-B696F5B20534}" type="datetime1">
+              <a:rPr lang="en-US" smtClean="0"/>
+              <a:t>7/7/2016</a:t>
+            </a:fld>
+            <a:endParaRPr lang="en-US"/>
+          </a:p>
+        </p:txBody>
+      </p:sp>
+      <p:sp>
+        <p:nvSpPr>
+          <p:cNvPr id="5" name="Footer Placeholder 4"/>
+          <p:cNvSpPr>
+            <a:spLocks noGrp="1"/>
+          </p:cNvSpPr>
+          <p:nvPr>
+            <p:ph type="ftr" sz="quarter" idx="11"/>
+          </p:nvPr>
+        </p:nvSpPr>
+        <p:spPr/>
+        <p:txBody>
+          <a:bodyPr/>
+          <a:lstStyle/>
+          <a:p>
+            <a:r>
+              <a:rPr lang="en-US"/>
+              <a:t>© 2016 EV3Lessons.com, Last edit 7/06/2016</a:t>
+            </a:r>
+          </a:p>
+        </p:txBody>
+      </p:sp>
+      <p:sp>
+        <p:nvSpPr>
+          <p:cNvPr id="6" name="Slide Number Placeholder 5"/>
+          <p:cNvSpPr>
+            <a:spLocks noGrp="1"/>
+          </p:cNvSpPr>
+          <p:nvPr>
+            <p:ph type="sldNum" sz="quarter" idx="12"/>
+          </p:nvPr>
+        </p:nvSpPr>
+        <p:spPr/>
+        <p:txBody>
+          <a:bodyPr/>
+          <a:lstStyle/>
+          <a:p>
+            <a:fld id="{162F1D00-BD13-4404-86B0-79703945A0A7}" type="slidenum">
+              <a:rPr lang="en-US" smtClean="0"/>
+              <a:t>‹#›</a:t>
+            </a:fld>
+            <a:endParaRPr lang="en-US"/>
+          </a:p>
+        </p:txBody>
+      </p:sp>
+      <p:cxnSp>
+        <p:nvCxnSpPr>
+          <p:cNvPr id="9" name="Straight Connector 8"/>
+          <p:cNvCxnSpPr/>
+          <p:nvPr/>
+        </p:nvCxnSpPr>
+        <p:spPr>
+          <a:xfrm>
+            <a:off x="905744" y="4343400"/>
+            <a:ext cx="7406640" cy="0"/>
+          </a:xfrm>
+          <a:prstGeom prst="line">
+            <a:avLst/>
+          </a:prstGeom>
+          <a:ln w="6350">
+            <a:solidFill>
+              <a:schemeClr val="tx1">
+                <a:lumMod val="50000"/>
+                <a:lumOff val="50000"/>
+              </a:schemeClr>
+            </a:solidFill>
+          </a:ln>
+        </p:spPr>
+        <p:style>
+          <a:lnRef idx="1">
+            <a:schemeClr val="accent1"/>
+          </a:lnRef>
+          <a:fillRef idx="0">
+            <a:schemeClr val="accent1"/>
+          </a:fillRef>
+          <a:effectRef idx="0">
+            <a:schemeClr val="accent1"/>
+          </a:effectRef>
+          <a:fontRef idx="minor">
+            <a:schemeClr val="tx1"/>
+          </a:fontRef>
+        </p:style>
+      </p:cxnSp>
+    </p:spTree>
+    <p:extLst>
+      <p:ext uri="{BB962C8B-B14F-4D97-AF65-F5344CB8AC3E}">
+        <p14:creationId xmlns:p14="http://schemas.microsoft.com/office/powerpoint/2010/main" val="4291958593"/>
+      </p:ext>
+    </p:extLst>
+  </p:cSld>
+  <p:clrMapOvr>
+    <a:masterClrMapping/>
+  </p:clrMapOvr>
+</p:sldLayout>
+</file>
+
+<file path=ppt/slideLayouts/slideLayout15.xml><?xml version="1.0" encoding="utf-8"?>
+<p:sldLayout xmlns:a="http://schemas.openxmlformats.org/drawingml/2006/main" xmlns:r="http://schemas.openxmlformats.org/officeDocument/2006/relationships" xmlns:p="http://schemas.openxmlformats.org/presentationml/2006/main" type="twoObj" preserve="1">
+  <p:cSld name="Two Content">
+    <p:spTree>
+      <p:nvGrpSpPr>
+        <p:cNvPr id="1" name=""/>
+        <p:cNvGrpSpPr/>
+        <p:nvPr/>
+      </p:nvGrpSpPr>
+      <p:grpSpPr>
+        <a:xfrm>
+          <a:off x="0" y="0"/>
+          <a:ext cx="0" cy="0"/>
+          <a:chOff x="0" y="0"/>
+          <a:chExt cx="0" cy="0"/>
+        </a:xfrm>
+      </p:grpSpPr>
+      <p:sp>
+        <p:nvSpPr>
+          <p:cNvPr id="8" name="Title 7"/>
+          <p:cNvSpPr>
+            <a:spLocks noGrp="1"/>
+          </p:cNvSpPr>
+          <p:nvPr>
+            <p:ph type="title"/>
+          </p:nvPr>
+        </p:nvSpPr>
+        <p:spPr>
+          <a:xfrm>
+            <a:off x="822960" y="286604"/>
+            <a:ext cx="7543800" cy="1450757"/>
+          </a:xfrm>
+        </p:spPr>
+        <p:txBody>
+          <a:bodyPr/>
+          <a:lstStyle/>
+          <a:p>
+            <a:r>
+              <a:rPr lang="en-US"/>
+              <a:t>Click to edit Master title style</a:t>
+            </a:r>
+            <a:endParaRPr lang="en-US" dirty="0"/>
+          </a:p>
+        </p:txBody>
+      </p:sp>
+      <p:sp>
+        <p:nvSpPr>
+          <p:cNvPr id="3" name="Content Placeholder 2"/>
+          <p:cNvSpPr>
+            <a:spLocks noGrp="1"/>
+          </p:cNvSpPr>
+          <p:nvPr>
+            <p:ph sz="half" idx="1"/>
+          </p:nvPr>
+        </p:nvSpPr>
+        <p:spPr>
+          <a:xfrm>
+            <a:off x="822960" y="1845734"/>
+            <a:ext cx="3703320" cy="4023360"/>
+          </a:xfrm>
+        </p:spPr>
+        <p:txBody>
+          <a:bodyPr/>
+          <a:lstStyle/>
+          <a:p>
+            <a:pPr lvl="0"/>
+            <a:r>
+              <a:rPr lang="en-US"/>
+              <a:t>Edit Master text styles</a:t>
+            </a:r>
+          </a:p>
+          <a:p>
+            <a:pPr lvl="1"/>
+            <a:r>
+              <a:rPr lang="en-US"/>
+              <a:t>Second level</a:t>
+            </a:r>
+          </a:p>
+          <a:p>
+            <a:pPr lvl="2"/>
+            <a:r>
+              <a:rPr lang="en-US"/>
+              <a:t>Third level</a:t>
+            </a:r>
+          </a:p>
+          <a:p>
+            <a:pPr lvl="3"/>
+            <a:r>
+              <a:rPr lang="en-US"/>
+              <a:t>Fourth level</a:t>
+            </a:r>
+          </a:p>
+          <a:p>
+            <a:pPr lvl="4"/>
+            <a:r>
+              <a:rPr lang="en-US"/>
+              <a:t>Fifth level</a:t>
+            </a:r>
+            <a:endParaRPr lang="en-US" dirty="0"/>
+          </a:p>
+        </p:txBody>
+      </p:sp>
+      <p:sp>
+        <p:nvSpPr>
+          <p:cNvPr id="4" name="Content Placeholder 3"/>
+          <p:cNvSpPr>
+            <a:spLocks noGrp="1"/>
+          </p:cNvSpPr>
+          <p:nvPr>
+            <p:ph sz="half" idx="2"/>
+          </p:nvPr>
+        </p:nvSpPr>
+        <p:spPr>
+          <a:xfrm>
+            <a:off x="4663440" y="1845736"/>
+            <a:ext cx="3703320" cy="4023359"/>
+          </a:xfrm>
+        </p:spPr>
+        <p:txBody>
+          <a:bodyPr/>
+          <a:lstStyle/>
+          <a:p>
+            <a:pPr lvl="0"/>
+            <a:r>
+              <a:rPr lang="en-US"/>
+              <a:t>Edit Master text styles</a:t>
+            </a:r>
+          </a:p>
+          <a:p>
+            <a:pPr lvl="1"/>
+            <a:r>
+              <a:rPr lang="en-US"/>
+              <a:t>Second level</a:t>
+            </a:r>
+          </a:p>
+          <a:p>
+            <a:pPr lvl="2"/>
+            <a:r>
+              <a:rPr lang="en-US"/>
+              <a:t>Third level</a:t>
+            </a:r>
+          </a:p>
+          <a:p>
+            <a:pPr lvl="3"/>
+            <a:r>
+              <a:rPr lang="en-US"/>
+              <a:t>Fourth level</a:t>
+            </a:r>
+          </a:p>
+          <a:p>
+            <a:pPr lvl="4"/>
+            <a:r>
+              <a:rPr lang="en-US"/>
+              <a:t>Fifth level</a:t>
+            </a:r>
+            <a:endParaRPr lang="en-US" dirty="0"/>
+          </a:p>
+        </p:txBody>
+      </p:sp>
+      <p:sp>
+        <p:nvSpPr>
+          <p:cNvPr id="5" name="Date Placeholder 4"/>
+          <p:cNvSpPr>
+            <a:spLocks noGrp="1"/>
+          </p:cNvSpPr>
+          <p:nvPr>
+            <p:ph type="dt" sz="half" idx="10"/>
+          </p:nvPr>
+        </p:nvSpPr>
+        <p:spPr/>
+        <p:txBody>
+          <a:bodyPr/>
+          <a:lstStyle/>
+          <a:p>
+            <a:fld id="{B1294C58-60A5-4555-AC3C-381971D3813C}" type="datetime1">
+              <a:rPr lang="en-US" smtClean="0"/>
+              <a:t>7/7/2016</a:t>
+            </a:fld>
+            <a:endParaRPr lang="en-US"/>
+          </a:p>
+        </p:txBody>
+      </p:sp>
+      <p:sp>
+        <p:nvSpPr>
+          <p:cNvPr id="6" name="Footer Placeholder 5"/>
+          <p:cNvSpPr>
+            <a:spLocks noGrp="1"/>
+          </p:cNvSpPr>
+          <p:nvPr>
+            <p:ph type="ftr" sz="quarter" idx="11"/>
+          </p:nvPr>
+        </p:nvSpPr>
+        <p:spPr/>
+        <p:txBody>
+          <a:bodyPr/>
+          <a:lstStyle/>
+          <a:p>
+            <a:r>
+              <a:rPr lang="en-US"/>
+              <a:t>© 2016 EV3Lessons.com, Last edit 7/06/2016</a:t>
+            </a:r>
+            <a:endParaRPr lang="en-US" dirty="0"/>
+          </a:p>
+        </p:txBody>
+      </p:sp>
+      <p:sp>
+        <p:nvSpPr>
+          <p:cNvPr id="7" name="Slide Number Placeholder 6"/>
+          <p:cNvSpPr>
+            <a:spLocks noGrp="1"/>
+          </p:cNvSpPr>
+          <p:nvPr>
+            <p:ph type="sldNum" sz="quarter" idx="12"/>
+          </p:nvPr>
+        </p:nvSpPr>
+        <p:spPr/>
+        <p:txBody>
+          <a:bodyPr/>
+          <a:lstStyle/>
+          <a:p>
+            <a:fld id="{4382A7F7-08BF-4252-8141-63FB96055BBB}" type="slidenum">
+              <a:rPr lang="en-US" smtClean="0"/>
+              <a:t>‹#›</a:t>
+            </a:fld>
+            <a:endParaRPr lang="en-US"/>
+          </a:p>
+        </p:txBody>
+      </p:sp>
+    </p:spTree>
+    <p:extLst>
+      <p:ext uri="{BB962C8B-B14F-4D97-AF65-F5344CB8AC3E}">
+        <p14:creationId xmlns:p14="http://schemas.microsoft.com/office/powerpoint/2010/main" val="367759604"/>
+      </p:ext>
+    </p:extLst>
+  </p:cSld>
+  <p:clrMapOvr>
+    <a:masterClrMapping/>
+  </p:clrMapOvr>
+</p:sldLayout>
+</file>
+
+<file path=ppt/slideLayouts/slideLayout16.xml><?xml version="1.0" encoding="utf-8"?>
+<p:sldLayout xmlns:a="http://schemas.openxmlformats.org/drawingml/2006/main" xmlns:r="http://schemas.openxmlformats.org/officeDocument/2006/relationships" xmlns:p="http://schemas.openxmlformats.org/presentationml/2006/main" type="twoTxTwoObj" preserve="1">
+  <p:cSld name="Comparison">
+    <p:spTree>
+      <p:nvGrpSpPr>
+        <p:cNvPr id="1" name=""/>
+        <p:cNvGrpSpPr/>
+        <p:nvPr/>
+      </p:nvGrpSpPr>
+      <p:grpSpPr>
+        <a:xfrm>
+          <a:off x="0" y="0"/>
+          <a:ext cx="0" cy="0"/>
+          <a:chOff x="0" y="0"/>
+          <a:chExt cx="0" cy="0"/>
+        </a:xfrm>
+      </p:grpSpPr>
+      <p:sp>
+        <p:nvSpPr>
+          <p:cNvPr id="10" name="Title 9"/>
+          <p:cNvSpPr>
+            <a:spLocks noGrp="1"/>
+          </p:cNvSpPr>
+          <p:nvPr>
+            <p:ph type="title"/>
+          </p:nvPr>
+        </p:nvSpPr>
+        <p:spPr>
+          <a:xfrm>
+            <a:off x="822960" y="286604"/>
+            <a:ext cx="7543800" cy="1450757"/>
+          </a:xfrm>
+        </p:spPr>
+        <p:txBody>
+          <a:bodyPr/>
+          <a:lstStyle/>
+          <a:p>
+            <a:r>
+              <a:rPr lang="en-US"/>
+              <a:t>Click to edit Master title style</a:t>
+            </a:r>
+            <a:endParaRPr lang="en-US" dirty="0"/>
+          </a:p>
+        </p:txBody>
+      </p:sp>
+      <p:sp>
+        <p:nvSpPr>
+          <p:cNvPr id="3" name="Text Placeholder 2"/>
+          <p:cNvSpPr>
+            <a:spLocks noGrp="1"/>
+          </p:cNvSpPr>
+          <p:nvPr>
+            <p:ph type="body" idx="1"/>
+          </p:nvPr>
+        </p:nvSpPr>
+        <p:spPr>
+          <a:xfrm>
+            <a:off x="822960" y="1846052"/>
+            <a:ext cx="3703320" cy="736282"/>
+          </a:xfrm>
+        </p:spPr>
+        <p:txBody>
+          <a:bodyPr lIns="91440" rIns="91440" anchor="ctr">
+            <a:normAutofit/>
+          </a:bodyPr>
+          <a:lstStyle>
+            <a:lvl1pPr marL="0" indent="0">
+              <a:buNone/>
+              <a:defRPr sz="2000" b="0" cap="all" baseline="0">
+                <a:solidFill>
+                  <a:schemeClr val="tx2"/>
+                </a:solidFill>
+              </a:defRPr>
+            </a:lvl1pPr>
+            <a:lvl2pPr marL="457200" indent="0">
+              <a:buNone/>
+              <a:defRPr sz="2000" b="1"/>
+            </a:lvl2pPr>
+            <a:lvl3pPr marL="914400" indent="0">
+              <a:buNone/>
+              <a:defRPr sz="1800" b="1"/>
+            </a:lvl3pPr>
+            <a:lvl4pPr marL="1371600" indent="0">
+              <a:buNone/>
+              <a:defRPr sz="1600" b="1"/>
+            </a:lvl4pPr>
+            <a:lvl5pPr marL="1828800" indent="0">
+              <a:buNone/>
+              <a:defRPr sz="1600" b="1"/>
+            </a:lvl5pPr>
+            <a:lvl6pPr marL="2286000" indent="0">
+              <a:buNone/>
+              <a:defRPr sz="1600" b="1"/>
+            </a:lvl6pPr>
+            <a:lvl7pPr marL="2743200" indent="0">
+              <a:buNone/>
+              <a:defRPr sz="1600" b="1"/>
+            </a:lvl7pPr>
+            <a:lvl8pPr marL="3200400" indent="0">
+              <a:buNone/>
+              <a:defRPr sz="1600" b="1"/>
+            </a:lvl8pPr>
+            <a:lvl9pPr marL="3657600" indent="0">
+              <a:buNone/>
+              <a:defRPr sz="1600" b="1"/>
+            </a:lvl9pPr>
+          </a:lstStyle>
+          <a:p>
+            <a:pPr lvl="0"/>
+            <a:r>
+              <a:rPr lang="en-US"/>
+              <a:t>Edit Master text styles</a:t>
+            </a:r>
+          </a:p>
+        </p:txBody>
+      </p:sp>
+      <p:sp>
+        <p:nvSpPr>
+          <p:cNvPr id="4" name="Content Placeholder 3"/>
+          <p:cNvSpPr>
+            <a:spLocks noGrp="1"/>
+          </p:cNvSpPr>
+          <p:nvPr>
+            <p:ph sz="half" idx="2"/>
+          </p:nvPr>
+        </p:nvSpPr>
+        <p:spPr>
+          <a:xfrm>
+            <a:off x="822960" y="2582334"/>
+            <a:ext cx="3703320" cy="3286760"/>
+          </a:xfrm>
+        </p:spPr>
+        <p:txBody>
+          <a:bodyPr/>
+          <a:lstStyle/>
+          <a:p>
+            <a:pPr lvl="0"/>
+            <a:r>
+              <a:rPr lang="en-US"/>
+              <a:t>Edit Master text styles</a:t>
+            </a:r>
+          </a:p>
+          <a:p>
+            <a:pPr lvl="1"/>
+            <a:r>
+              <a:rPr lang="en-US"/>
+              <a:t>Second level</a:t>
+            </a:r>
+          </a:p>
+          <a:p>
+            <a:pPr lvl="2"/>
+            <a:r>
+              <a:rPr lang="en-US"/>
+              <a:t>Third level</a:t>
+            </a:r>
+          </a:p>
+          <a:p>
+            <a:pPr lvl="3"/>
+            <a:r>
+              <a:rPr lang="en-US"/>
+              <a:t>Fourth level</a:t>
+            </a:r>
+          </a:p>
+          <a:p>
+            <a:pPr lvl="4"/>
+            <a:r>
+              <a:rPr lang="en-US"/>
+              <a:t>Fifth level</a:t>
+            </a:r>
+            <a:endParaRPr lang="en-US" dirty="0"/>
+          </a:p>
+        </p:txBody>
+      </p:sp>
+      <p:sp>
+        <p:nvSpPr>
+          <p:cNvPr id="5" name="Text Placeholder 4"/>
+          <p:cNvSpPr>
+            <a:spLocks noGrp="1"/>
+          </p:cNvSpPr>
+          <p:nvPr>
+            <p:ph type="body" sz="quarter" idx="3"/>
+          </p:nvPr>
+        </p:nvSpPr>
+        <p:spPr>
+          <a:xfrm>
+            <a:off x="4663440" y="1846052"/>
+            <a:ext cx="3703320" cy="736282"/>
+          </a:xfrm>
+        </p:spPr>
+        <p:txBody>
+          <a:bodyPr lIns="91440" rIns="91440" anchor="ctr">
+            <a:normAutofit/>
+          </a:bodyPr>
+          <a:lstStyle>
+            <a:lvl1pPr marL="0" indent="0">
+              <a:buNone/>
+              <a:defRPr sz="2000" b="0" cap="all" baseline="0">
+                <a:solidFill>
+                  <a:schemeClr val="tx2"/>
+                </a:solidFill>
+              </a:defRPr>
+            </a:lvl1pPr>
+            <a:lvl2pPr marL="457200" indent="0">
+              <a:buNone/>
+              <a:defRPr sz="2000" b="1"/>
+            </a:lvl2pPr>
+            <a:lvl3pPr marL="914400" indent="0">
+              <a:buNone/>
+              <a:defRPr sz="1800" b="1"/>
+            </a:lvl3pPr>
+            <a:lvl4pPr marL="1371600" indent="0">
+              <a:buNone/>
+              <a:defRPr sz="1600" b="1"/>
+            </a:lvl4pPr>
+            <a:lvl5pPr marL="1828800" indent="0">
+              <a:buNone/>
+              <a:defRPr sz="1600" b="1"/>
+            </a:lvl5pPr>
+            <a:lvl6pPr marL="2286000" indent="0">
+              <a:buNone/>
+              <a:defRPr sz="1600" b="1"/>
+            </a:lvl6pPr>
+            <a:lvl7pPr marL="2743200" indent="0">
+              <a:buNone/>
+              <a:defRPr sz="1600" b="1"/>
+            </a:lvl7pPr>
+            <a:lvl8pPr marL="3200400" indent="0">
+              <a:buNone/>
+              <a:defRPr sz="1600" b="1"/>
+            </a:lvl8pPr>
+            <a:lvl9pPr marL="3657600" indent="0">
+              <a:buNone/>
+              <a:defRPr sz="1600" b="1"/>
+            </a:lvl9pPr>
+          </a:lstStyle>
+          <a:p>
+            <a:pPr lvl="0"/>
+            <a:r>
+              <a:rPr lang="en-US"/>
+              <a:t>Edit Master text styles</a:t>
+            </a:r>
+          </a:p>
+        </p:txBody>
+      </p:sp>
+      <p:sp>
+        <p:nvSpPr>
+          <p:cNvPr id="6" name="Content Placeholder 5"/>
+          <p:cNvSpPr>
+            <a:spLocks noGrp="1"/>
+          </p:cNvSpPr>
+          <p:nvPr>
+            <p:ph sz="quarter" idx="4"/>
+          </p:nvPr>
+        </p:nvSpPr>
+        <p:spPr>
+          <a:xfrm>
+            <a:off x="4663440" y="2582334"/>
+            <a:ext cx="3703320" cy="3286760"/>
+          </a:xfrm>
+        </p:spPr>
+        <p:txBody>
+          <a:bodyPr/>
+          <a:lstStyle/>
+          <a:p>
+            <a:pPr lvl="0"/>
+            <a:r>
+              <a:rPr lang="en-US"/>
+              <a:t>Edit Master text styles</a:t>
+            </a:r>
+          </a:p>
+          <a:p>
+            <a:pPr lvl="1"/>
+            <a:r>
+              <a:rPr lang="en-US"/>
+              <a:t>Second level</a:t>
+            </a:r>
+          </a:p>
+          <a:p>
+            <a:pPr lvl="2"/>
+            <a:r>
+              <a:rPr lang="en-US"/>
+              <a:t>Third level</a:t>
+            </a:r>
+          </a:p>
+          <a:p>
+            <a:pPr lvl="3"/>
+            <a:r>
+              <a:rPr lang="en-US"/>
+              <a:t>Fourth level</a:t>
+            </a:r>
+          </a:p>
+          <a:p>
+            <a:pPr lvl="4"/>
+            <a:r>
+              <a:rPr lang="en-US"/>
+              <a:t>Fifth level</a:t>
+            </a:r>
+            <a:endParaRPr lang="en-US" dirty="0"/>
+          </a:p>
+        </p:txBody>
+      </p:sp>
+      <p:sp>
+        <p:nvSpPr>
+          <p:cNvPr id="7" name="Date Placeholder 6"/>
+          <p:cNvSpPr>
+            <a:spLocks noGrp="1"/>
+          </p:cNvSpPr>
+          <p:nvPr>
+            <p:ph type="dt" sz="half" idx="10"/>
+          </p:nvPr>
+        </p:nvSpPr>
+        <p:spPr/>
+        <p:txBody>
+          <a:bodyPr/>
+          <a:lstStyle/>
+          <a:p>
+            <a:fld id="{1FA08D4D-CBF7-43C7-8461-20C8AE5F0860}" type="datetime1">
+              <a:rPr lang="en-US" smtClean="0"/>
+              <a:t>7/7/2016</a:t>
+            </a:fld>
+            <a:endParaRPr lang="en-US"/>
+          </a:p>
+        </p:txBody>
+      </p:sp>
+      <p:sp>
+        <p:nvSpPr>
+          <p:cNvPr id="8" name="Footer Placeholder 7"/>
+          <p:cNvSpPr>
+            <a:spLocks noGrp="1"/>
+          </p:cNvSpPr>
+          <p:nvPr>
+            <p:ph type="ftr" sz="quarter" idx="11"/>
+          </p:nvPr>
+        </p:nvSpPr>
+        <p:spPr/>
+        <p:txBody>
+          <a:bodyPr/>
+          <a:lstStyle/>
+          <a:p>
+            <a:r>
+              <a:rPr lang="en-US"/>
+              <a:t>© 2016 EV3Lessons.com, Last edit 7/06/2016</a:t>
+            </a:r>
+          </a:p>
+        </p:txBody>
+      </p:sp>
+      <p:sp>
+        <p:nvSpPr>
+          <p:cNvPr id="9" name="Slide Number Placeholder 8"/>
+          <p:cNvSpPr>
+            <a:spLocks noGrp="1"/>
+          </p:cNvSpPr>
+          <p:nvPr>
+            <p:ph type="sldNum" sz="quarter" idx="12"/>
+          </p:nvPr>
+        </p:nvSpPr>
+        <p:spPr/>
+        <p:txBody>
+          <a:bodyPr/>
+          <a:lstStyle/>
+          <a:p>
+            <a:fld id="{4382A7F7-08BF-4252-8141-63FB96055BBB}" type="slidenum">
+              <a:rPr lang="en-US" smtClean="0"/>
+              <a:t>‹#›</a:t>
+            </a:fld>
+            <a:endParaRPr lang="en-US"/>
+          </a:p>
+        </p:txBody>
+      </p:sp>
+    </p:spTree>
+    <p:extLst>
+      <p:ext uri="{BB962C8B-B14F-4D97-AF65-F5344CB8AC3E}">
+        <p14:creationId xmlns:p14="http://schemas.microsoft.com/office/powerpoint/2010/main" val="2702717526"/>
+      </p:ext>
+    </p:extLst>
+  </p:cSld>
+  <p:clrMapOvr>
+    <a:masterClrMapping/>
+  </p:clrMapOvr>
+</p:sldLayout>
+</file>
+
+<file path=ppt/slideLayouts/slideLayout17.xml><?xml version="1.0" encoding="utf-8"?>
+<p:sldLayout xmlns:a="http://schemas.openxmlformats.org/drawingml/2006/main" xmlns:r="http://schemas.openxmlformats.org/officeDocument/2006/relationships" xmlns:p="http://schemas.openxmlformats.org/presentationml/2006/main" type="titleOnly" preserve="1">
+  <p:cSld name="Title Only">
+    <p:spTree>
+      <p:nvGrpSpPr>
+        <p:cNvPr id="1" name=""/>
+        <p:cNvGrpSpPr/>
+        <p:nvPr/>
+      </p:nvGrpSpPr>
+      <p:grpSpPr>
+        <a:xfrm>
+          <a:off x="0" y="0"/>
+          <a:ext cx="0" cy="0"/>
+          <a:chOff x="0" y="0"/>
+          <a:chExt cx="0" cy="0"/>
+        </a:xfrm>
+      </p:grpSpPr>
+      <p:sp>
+        <p:nvSpPr>
+          <p:cNvPr id="2" name="Title 1"/>
+          <p:cNvSpPr>
+            <a:spLocks noGrp="1"/>
+          </p:cNvSpPr>
+          <p:nvPr>
+            <p:ph type="title"/>
+          </p:nvPr>
+        </p:nvSpPr>
+        <p:spPr/>
+        <p:txBody>
+          <a:bodyPr/>
+          <a:lstStyle/>
+          <a:p>
+            <a:r>
+              <a:rPr lang="en-US"/>
+              <a:t>Click to edit Master title style</a:t>
+            </a:r>
+            <a:endParaRPr lang="en-US" dirty="0"/>
+          </a:p>
+        </p:txBody>
+      </p:sp>
+      <p:sp>
+        <p:nvSpPr>
+          <p:cNvPr id="3" name="Date Placeholder 2"/>
+          <p:cNvSpPr>
+            <a:spLocks noGrp="1"/>
+          </p:cNvSpPr>
+          <p:nvPr>
+            <p:ph type="dt" sz="half" idx="10"/>
+          </p:nvPr>
+        </p:nvSpPr>
+        <p:spPr/>
+        <p:txBody>
+          <a:bodyPr/>
+          <a:lstStyle/>
+          <a:p>
+            <a:fld id="{1708D510-3917-491B-9405-C039E2DF44E8}" type="datetime1">
+              <a:rPr lang="en-US" smtClean="0"/>
+              <a:t>7/7/2016</a:t>
+            </a:fld>
+            <a:endParaRPr lang="en-US"/>
+          </a:p>
+        </p:txBody>
+      </p:sp>
+      <p:sp>
+        <p:nvSpPr>
+          <p:cNvPr id="4" name="Footer Placeholder 3"/>
+          <p:cNvSpPr>
+            <a:spLocks noGrp="1"/>
+          </p:cNvSpPr>
+          <p:nvPr>
+            <p:ph type="ftr" sz="quarter" idx="11"/>
+          </p:nvPr>
+        </p:nvSpPr>
+        <p:spPr/>
+        <p:txBody>
+          <a:bodyPr/>
+          <a:lstStyle/>
+          <a:p>
+            <a:r>
+              <a:rPr lang="en-US"/>
+              <a:t>© 2016 EV3Lessons.com, Last edit 7/06/2016</a:t>
+            </a:r>
+          </a:p>
+        </p:txBody>
+      </p:sp>
+      <p:sp>
+        <p:nvSpPr>
+          <p:cNvPr id="5" name="Slide Number Placeholder 4"/>
+          <p:cNvSpPr>
+            <a:spLocks noGrp="1"/>
+          </p:cNvSpPr>
+          <p:nvPr>
+            <p:ph type="sldNum" sz="quarter" idx="12"/>
+          </p:nvPr>
+        </p:nvSpPr>
+        <p:spPr/>
+        <p:txBody>
+          <a:bodyPr/>
+          <a:lstStyle/>
+          <a:p>
+            <a:fld id="{4382A7F7-08BF-4252-8141-63FB96055BBB}" type="slidenum">
+              <a:rPr lang="en-US" smtClean="0"/>
+              <a:t>‹#›</a:t>
+            </a:fld>
+            <a:endParaRPr lang="en-US"/>
+          </a:p>
+        </p:txBody>
+      </p:sp>
+    </p:spTree>
+    <p:extLst>
+      <p:ext uri="{BB962C8B-B14F-4D97-AF65-F5344CB8AC3E}">
+        <p14:creationId xmlns:p14="http://schemas.microsoft.com/office/powerpoint/2010/main" val="2213236544"/>
+      </p:ext>
+    </p:extLst>
+  </p:cSld>
+  <p:clrMapOvr>
+    <a:masterClrMapping/>
+  </p:clrMapOvr>
+</p:sldLayout>
+</file>
+
+<file path=ppt/slideLayouts/slideLayout18.xml><?xml version="1.0" encoding="utf-8"?>
+<p:sldLayout xmlns:a="http://schemas.openxmlformats.org/drawingml/2006/main" xmlns:r="http://schemas.openxmlformats.org/officeDocument/2006/relationships" xmlns:p="http://schemas.openxmlformats.org/presentationml/2006/main" showMasterSp="0" type="blank" preserve="1">
+  <p:cSld name="Blank">
+    <p:spTree>
+      <p:nvGrpSpPr>
+        <p:cNvPr id="1" name=""/>
+        <p:cNvGrpSpPr/>
+        <p:nvPr/>
+      </p:nvGrpSpPr>
+      <p:grpSpPr>
+        <a:xfrm>
+          <a:off x="0" y="0"/>
+          <a:ext cx="0" cy="0"/>
+          <a:chOff x="0" y="0"/>
+          <a:chExt cx="0" cy="0"/>
+        </a:xfrm>
+      </p:grpSpPr>
+      <p:sp>
+        <p:nvSpPr>
+          <p:cNvPr id="5" name="Rectangle 4"/>
+          <p:cNvSpPr/>
+          <p:nvPr/>
+        </p:nvSpPr>
+        <p:spPr>
+          <a:xfrm>
+            <a:off x="2382" y="6400800"/>
+            <a:ext cx="9141619" cy="457200"/>
+          </a:xfrm>
+          <a:prstGeom prst="rect">
+            <a:avLst/>
+          </a:prstGeom>
+          <a:solidFill>
+            <a:schemeClr val="accent2"/>
+          </a:solidFill>
+          <a:ln>
+            <a:noFill/>
+          </a:ln>
+        </p:spPr>
+        <p:style>
+          <a:lnRef idx="2">
+            <a:schemeClr val="accent1">
+              <a:shade val="50000"/>
+            </a:schemeClr>
+          </a:lnRef>
+          <a:fillRef idx="1">
+            <a:schemeClr val="accent1"/>
+          </a:fillRef>
+          <a:effectRef idx="0">
+            <a:schemeClr val="accent1"/>
+          </a:effectRef>
+          <a:fontRef idx="minor">
+            <a:schemeClr val="lt1"/>
+          </a:fontRef>
+        </p:style>
+      </p:sp>
+      <p:sp>
+        <p:nvSpPr>
+          <p:cNvPr id="6" name="Rectangle 5"/>
+          <p:cNvSpPr/>
+          <p:nvPr/>
+        </p:nvSpPr>
+        <p:spPr>
+          <a:xfrm>
+            <a:off x="12" y="6334316"/>
+            <a:ext cx="9141619" cy="64008"/>
+          </a:xfrm>
+          <a:prstGeom prst="rect">
+            <a:avLst/>
+          </a:prstGeom>
+          <a:solidFill>
+            <a:schemeClr val="accent1"/>
+          </a:solidFill>
+          <a:ln>
+            <a:noFill/>
+          </a:ln>
+        </p:spPr>
+        <p:style>
+          <a:lnRef idx="2">
+            <a:schemeClr val="accent1">
+              <a:shade val="50000"/>
+            </a:schemeClr>
+          </a:lnRef>
+          <a:fillRef idx="1">
+            <a:schemeClr val="accent1"/>
+          </a:fillRef>
+          <a:effectRef idx="0">
+            <a:schemeClr val="accent1"/>
+          </a:effectRef>
+          <a:fontRef idx="minor">
+            <a:schemeClr val="lt1"/>
+          </a:fontRef>
+        </p:style>
+      </p:sp>
+      <p:sp>
+        <p:nvSpPr>
+          <p:cNvPr id="7" name="Date Placeholder 6"/>
+          <p:cNvSpPr>
+            <a:spLocks noGrp="1"/>
+          </p:cNvSpPr>
+          <p:nvPr>
+            <p:ph type="dt" sz="half" idx="10"/>
+          </p:nvPr>
+        </p:nvSpPr>
+        <p:spPr/>
+        <p:txBody>
+          <a:bodyPr/>
+          <a:lstStyle/>
+          <a:p>
+            <a:fld id="{E94AC558-13A0-4A6F-8FAE-36DCDB27AD5A}" type="datetime1">
+              <a:rPr lang="en-US" smtClean="0"/>
+              <a:t>7/7/2016</a:t>
+            </a:fld>
+            <a:endParaRPr lang="en-US"/>
+          </a:p>
+        </p:txBody>
+      </p:sp>
+      <p:sp>
+        <p:nvSpPr>
+          <p:cNvPr id="8" name="Footer Placeholder 7"/>
+          <p:cNvSpPr>
+            <a:spLocks noGrp="1"/>
+          </p:cNvSpPr>
+          <p:nvPr>
+            <p:ph type="ftr" sz="quarter" idx="11"/>
+          </p:nvPr>
+        </p:nvSpPr>
+        <p:spPr/>
+        <p:txBody>
+          <a:bodyPr/>
+          <a:lstStyle>
+            <a:lvl1pPr>
+              <a:defRPr>
+                <a:solidFill>
+                  <a:srgbClr val="FFFFFF"/>
+                </a:solidFill>
+              </a:defRPr>
+            </a:lvl1pPr>
+          </a:lstStyle>
+          <a:p>
+            <a:r>
+              <a:rPr lang="en-US"/>
+              <a:t>© 2016 EV3Lessons.com, Last edit 7/06/2016</a:t>
+            </a:r>
+          </a:p>
+        </p:txBody>
+      </p:sp>
+      <p:sp>
+        <p:nvSpPr>
+          <p:cNvPr id="9" name="Slide Number Placeholder 8"/>
+          <p:cNvSpPr>
+            <a:spLocks noGrp="1"/>
+          </p:cNvSpPr>
+          <p:nvPr>
+            <p:ph type="sldNum" sz="quarter" idx="12"/>
+          </p:nvPr>
+        </p:nvSpPr>
+        <p:spPr/>
+        <p:txBody>
+          <a:bodyPr/>
+          <a:lstStyle/>
+          <a:p>
+            <a:fld id="{4382A7F7-08BF-4252-8141-63FB96055BBB}" type="slidenum">
+              <a:rPr lang="en-US" smtClean="0"/>
+              <a:t>‹#›</a:t>
+            </a:fld>
+            <a:endParaRPr lang="en-US"/>
+          </a:p>
+        </p:txBody>
+      </p:sp>
+    </p:spTree>
+    <p:extLst>
+      <p:ext uri="{BB962C8B-B14F-4D97-AF65-F5344CB8AC3E}">
+        <p14:creationId xmlns:p14="http://schemas.microsoft.com/office/powerpoint/2010/main" val="1974363201"/>
+      </p:ext>
+    </p:extLst>
+  </p:cSld>
+  <p:clrMapOvr>
+    <a:masterClrMapping/>
+  </p:clrMapOvr>
+</p:sldLayout>
+</file>
+
+<file path=ppt/slideLayouts/slideLayout19.xml><?xml version="1.0" encoding="utf-8"?>
+<p:sldLayout xmlns:a="http://schemas.openxmlformats.org/drawingml/2006/main" xmlns:r="http://schemas.openxmlformats.org/officeDocument/2006/relationships" xmlns:p="http://schemas.openxmlformats.org/presentationml/2006/main" showMasterSp="0" type="objTx" preserve="1">
+  <p:cSld name="Content with Caption">
+    <p:spTree>
+      <p:nvGrpSpPr>
+        <p:cNvPr id="1" name=""/>
+        <p:cNvGrpSpPr/>
+        <p:nvPr/>
+      </p:nvGrpSpPr>
+      <p:grpSpPr>
+        <a:xfrm>
+          <a:off x="0" y="0"/>
+          <a:ext cx="0" cy="0"/>
+          <a:chOff x="0" y="0"/>
+          <a:chExt cx="0" cy="0"/>
+        </a:xfrm>
+      </p:grpSpPr>
+      <p:sp>
+        <p:nvSpPr>
+          <p:cNvPr id="8" name="Rectangle 7"/>
+          <p:cNvSpPr/>
+          <p:nvPr/>
+        </p:nvSpPr>
+        <p:spPr>
+          <a:xfrm>
+            <a:off x="13" y="0"/>
+            <a:ext cx="3038093" cy="6858000"/>
+          </a:xfrm>
+          <a:prstGeom prst="rect">
+            <a:avLst/>
+          </a:prstGeom>
+          <a:solidFill>
+            <a:schemeClr val="accent2"/>
+          </a:solidFill>
+          <a:ln>
+            <a:noFill/>
+          </a:ln>
+        </p:spPr>
+        <p:style>
+          <a:lnRef idx="2">
+            <a:schemeClr val="accent1">
+              <a:shade val="50000"/>
+            </a:schemeClr>
+          </a:lnRef>
+          <a:fillRef idx="1">
+            <a:schemeClr val="accent1"/>
+          </a:fillRef>
+          <a:effectRef idx="0">
+            <a:schemeClr val="accent1"/>
+          </a:effectRef>
+          <a:fontRef idx="minor">
+            <a:schemeClr val="lt1"/>
+          </a:fontRef>
+        </p:style>
+      </p:sp>
+      <p:sp>
+        <p:nvSpPr>
+          <p:cNvPr id="9" name="Rectangle 8"/>
+          <p:cNvSpPr/>
+          <p:nvPr/>
+        </p:nvSpPr>
+        <p:spPr>
+          <a:xfrm>
+            <a:off x="3030053" y="0"/>
+            <a:ext cx="48006" cy="6858000"/>
+          </a:xfrm>
+          <a:prstGeom prst="rect">
+            <a:avLst/>
+          </a:prstGeom>
+          <a:solidFill>
+            <a:schemeClr val="accent1"/>
+          </a:solidFill>
+          <a:ln>
+            <a:noFill/>
+          </a:ln>
+        </p:spPr>
+        <p:style>
+          <a:lnRef idx="2">
+            <a:schemeClr val="accent1">
+              <a:shade val="50000"/>
+            </a:schemeClr>
+          </a:lnRef>
+          <a:fillRef idx="1">
+            <a:schemeClr val="accent1"/>
+          </a:fillRef>
+          <a:effectRef idx="0">
+            <a:schemeClr val="accent1"/>
+          </a:effectRef>
+          <a:fontRef idx="minor">
+            <a:schemeClr val="lt1"/>
+          </a:fontRef>
+        </p:style>
+      </p:sp>
+      <p:sp>
+        <p:nvSpPr>
+          <p:cNvPr id="2" name="Title 1"/>
+          <p:cNvSpPr>
+            <a:spLocks noGrp="1"/>
+          </p:cNvSpPr>
+          <p:nvPr>
+            <p:ph type="title"/>
+          </p:nvPr>
+        </p:nvSpPr>
+        <p:spPr>
+          <a:xfrm>
+            <a:off x="342900" y="594359"/>
+            <a:ext cx="2400300" cy="2286000"/>
+          </a:xfrm>
+        </p:spPr>
+        <p:txBody>
+          <a:bodyPr anchor="b">
+            <a:normAutofit/>
+          </a:bodyPr>
+          <a:lstStyle>
+            <a:lvl1pPr>
+              <a:defRPr sz="3600" b="0">
+                <a:solidFill>
+                  <a:srgbClr val="FFFFFF"/>
+                </a:solidFill>
+              </a:defRPr>
+            </a:lvl1pPr>
+          </a:lstStyle>
+          <a:p>
+            <a:r>
+              <a:rPr lang="en-US"/>
+              <a:t>Click to edit Master title style</a:t>
+            </a:r>
+            <a:endParaRPr lang="en-US" dirty="0"/>
+          </a:p>
+        </p:txBody>
+      </p:sp>
+      <p:sp>
+        <p:nvSpPr>
+          <p:cNvPr id="3" name="Content Placeholder 2"/>
+          <p:cNvSpPr>
+            <a:spLocks noGrp="1"/>
+          </p:cNvSpPr>
+          <p:nvPr>
+            <p:ph idx="1"/>
+          </p:nvPr>
+        </p:nvSpPr>
+        <p:spPr>
+          <a:xfrm>
+            <a:off x="3460237" y="731520"/>
+            <a:ext cx="5009393" cy="5257800"/>
+          </a:xfrm>
+        </p:spPr>
+        <p:txBody>
+          <a:bodyPr/>
+          <a:lstStyle/>
+          <a:p>
+            <a:pPr lvl="0"/>
+            <a:r>
+              <a:rPr lang="en-US"/>
+              <a:t>Edit Master text styles</a:t>
+            </a:r>
+          </a:p>
+          <a:p>
+            <a:pPr lvl="1"/>
+            <a:r>
+              <a:rPr lang="en-US"/>
+              <a:t>Second level</a:t>
+            </a:r>
+          </a:p>
+          <a:p>
+            <a:pPr lvl="2"/>
+            <a:r>
+              <a:rPr lang="en-US"/>
+              <a:t>Third level</a:t>
+            </a:r>
+          </a:p>
+          <a:p>
+            <a:pPr lvl="3"/>
+            <a:r>
+              <a:rPr lang="en-US"/>
+              <a:t>Fourth level</a:t>
+            </a:r>
+          </a:p>
+          <a:p>
+            <a:pPr lvl="4"/>
+            <a:r>
+              <a:rPr lang="en-US"/>
+              <a:t>Fifth level</a:t>
+            </a:r>
+            <a:endParaRPr lang="en-US" dirty="0"/>
+          </a:p>
+        </p:txBody>
+      </p:sp>
+      <p:sp>
+        <p:nvSpPr>
+          <p:cNvPr id="4" name="Text Placeholder 3"/>
+          <p:cNvSpPr>
+            <a:spLocks noGrp="1"/>
+          </p:cNvSpPr>
+          <p:nvPr>
+            <p:ph type="body" sz="half" idx="2"/>
+          </p:nvPr>
+        </p:nvSpPr>
+        <p:spPr>
+          <a:xfrm>
+            <a:off x="342900" y="2926080"/>
+            <a:ext cx="2400300" cy="3379124"/>
+          </a:xfrm>
+        </p:spPr>
+        <p:txBody>
+          <a:bodyPr lIns="91440" rIns="91440">
+            <a:normAutofit/>
+          </a:bodyPr>
+          <a:lstStyle>
+            <a:lvl1pPr marL="0" indent="0">
+              <a:buNone/>
+              <a:defRPr sz="1500">
+                <a:solidFill>
+                  <a:srgbClr val="FFFFFF"/>
+                </a:solidFill>
+              </a:defRPr>
+            </a:lvl1pPr>
+            <a:lvl2pPr marL="457200" indent="0">
+              <a:buNone/>
+              <a:defRPr sz="1200"/>
+            </a:lvl2pPr>
+            <a:lvl3pPr marL="914400" indent="0">
+              <a:buNone/>
+              <a:defRPr sz="1000"/>
+            </a:lvl3pPr>
+            <a:lvl4pPr marL="1371600" indent="0">
+              <a:buNone/>
+              <a:defRPr sz="900"/>
+            </a:lvl4pPr>
+            <a:lvl5pPr marL="1828800" indent="0">
+              <a:buNone/>
+              <a:defRPr sz="900"/>
+            </a:lvl5pPr>
+            <a:lvl6pPr marL="2286000" indent="0">
+              <a:buNone/>
+              <a:defRPr sz="900"/>
+            </a:lvl6pPr>
+            <a:lvl7pPr marL="2743200" indent="0">
+              <a:buNone/>
+              <a:defRPr sz="900"/>
+            </a:lvl7pPr>
+            <a:lvl8pPr marL="3200400" indent="0">
+              <a:buNone/>
+              <a:defRPr sz="900"/>
+            </a:lvl8pPr>
+            <a:lvl9pPr marL="3657600" indent="0">
+              <a:buNone/>
+              <a:defRPr sz="900"/>
+            </a:lvl9pPr>
+          </a:lstStyle>
+          <a:p>
+            <a:pPr lvl="0"/>
+            <a:r>
+              <a:rPr lang="en-US"/>
+              <a:t>Edit Master text styles</a:t>
+            </a:r>
+          </a:p>
+        </p:txBody>
+      </p:sp>
+      <p:sp>
+        <p:nvSpPr>
+          <p:cNvPr id="5" name="Date Placeholder 4"/>
+          <p:cNvSpPr>
+            <a:spLocks noGrp="1"/>
+          </p:cNvSpPr>
+          <p:nvPr>
+            <p:ph type="dt" sz="half" idx="10"/>
+          </p:nvPr>
+        </p:nvSpPr>
+        <p:spPr>
+          <a:xfrm>
+            <a:off x="349134" y="6459786"/>
+            <a:ext cx="1963883" cy="365125"/>
+          </a:xfrm>
+        </p:spPr>
+        <p:txBody>
+          <a:bodyPr/>
+          <a:lstStyle>
+            <a:lvl1pPr algn="l">
+              <a:defRPr/>
+            </a:lvl1pPr>
+          </a:lstStyle>
+          <a:p>
+            <a:fld id="{6515BF3C-7478-4DFE-80BD-1E3AE5E0B7CD}" type="datetime1">
+              <a:rPr lang="en-US" smtClean="0"/>
+              <a:t>7/7/2016</a:t>
+            </a:fld>
+            <a:endParaRPr lang="en-US"/>
+          </a:p>
+        </p:txBody>
+      </p:sp>
+      <p:sp>
+        <p:nvSpPr>
+          <p:cNvPr id="6" name="Footer Placeholder 5"/>
+          <p:cNvSpPr>
+            <a:spLocks noGrp="1"/>
+          </p:cNvSpPr>
+          <p:nvPr>
+            <p:ph type="ftr" sz="quarter" idx="11"/>
+          </p:nvPr>
+        </p:nvSpPr>
+        <p:spPr>
+          <a:xfrm>
+            <a:off x="3600450" y="6459786"/>
+            <a:ext cx="3486150" cy="365125"/>
+          </a:xfrm>
+        </p:spPr>
+        <p:txBody>
+          <a:bodyPr/>
+          <a:lstStyle>
+            <a:lvl1pPr algn="l">
+              <a:defRPr>
+                <a:solidFill>
+                  <a:schemeClr val="tx2"/>
+                </a:solidFill>
+              </a:defRPr>
+            </a:lvl1pPr>
+          </a:lstStyle>
+          <a:p>
+            <a:r>
+              <a:rPr lang="en-US"/>
+              <a:t>© 2016 EV3Lessons.com, Last edit 7/06/2016</a:t>
+            </a:r>
+          </a:p>
+        </p:txBody>
+      </p:sp>
+      <p:sp>
+        <p:nvSpPr>
+          <p:cNvPr id="7" name="Slide Number Placeholder 6"/>
+          <p:cNvSpPr>
+            <a:spLocks noGrp="1"/>
+          </p:cNvSpPr>
+          <p:nvPr>
+            <p:ph type="sldNum" sz="quarter" idx="12"/>
+          </p:nvPr>
+        </p:nvSpPr>
+        <p:spPr/>
+        <p:txBody>
+          <a:bodyPr/>
+          <a:lstStyle>
+            <a:lvl1pPr>
+              <a:defRPr>
+                <a:solidFill>
+                  <a:schemeClr val="tx2"/>
+                </a:solidFill>
+              </a:defRPr>
+            </a:lvl1pPr>
+          </a:lstStyle>
+          <a:p>
+            <a:fld id="{7F5CE407-6216-4202-80E4-A30DC2F709B2}" type="slidenum">
+              <a:rPr lang="en-US" smtClean="0"/>
+              <a:t>‹#›</a:t>
+            </a:fld>
+            <a:endParaRPr lang="en-US"/>
+          </a:p>
+        </p:txBody>
+      </p:sp>
+    </p:spTree>
+    <p:extLst>
+      <p:ext uri="{BB962C8B-B14F-4D97-AF65-F5344CB8AC3E}">
+        <p14:creationId xmlns:p14="http://schemas.microsoft.com/office/powerpoint/2010/main" val="2691563525"/>
       </p:ext>
     </p:extLst>
   </p:cSld>
@@ -1683,83 +4056,83 @@
           <a:lstStyle/>
           <a:p>
             <a:r>
+              <a:rPr lang="en-US"/>
+              <a:t>Click to edit Master title style</a:t>
+            </a:r>
+            <a:endParaRPr lang="en-US" dirty="0"/>
+          </a:p>
+        </p:txBody>
+      </p:sp>
+      <p:sp>
+        <p:nvSpPr>
+          <p:cNvPr id="3" name="Content Placeholder 2"/>
+          <p:cNvSpPr>
+            <a:spLocks noGrp="1"/>
+          </p:cNvSpPr>
+          <p:nvPr>
+            <p:ph idx="1"/>
+          </p:nvPr>
+        </p:nvSpPr>
+        <p:spPr/>
+        <p:txBody>
+          <a:bodyPr/>
+          <a:lstStyle/>
+          <a:p>
+            <a:pPr lvl="0"/>
+            <a:r>
+              <a:rPr lang="en-US"/>
+              <a:t>Click to edit Master text styles</a:t>
+            </a:r>
+          </a:p>
+          <a:p>
+            <a:pPr lvl="1"/>
+            <a:r>
+              <a:rPr lang="en-US"/>
+              <a:t>Second level</a:t>
+            </a:r>
+          </a:p>
+          <a:p>
+            <a:pPr lvl="2"/>
+            <a:r>
+              <a:rPr lang="en-US"/>
+              <a:t>Third level</a:t>
+            </a:r>
+          </a:p>
+          <a:p>
+            <a:pPr lvl="3"/>
+            <a:r>
+              <a:rPr lang="en-US"/>
+              <a:t>Fourth level</a:t>
+            </a:r>
+          </a:p>
+          <a:p>
+            <a:pPr lvl="4"/>
+            <a:r>
+              <a:rPr lang="en-US"/>
+              <a:t>Fifth level</a:t>
+            </a:r>
+            <a:endParaRPr lang="en-US" dirty="0"/>
+          </a:p>
+        </p:txBody>
+      </p:sp>
+      <p:sp>
+        <p:nvSpPr>
+          <p:cNvPr id="4" name="Date Placeholder 3"/>
+          <p:cNvSpPr>
+            <a:spLocks noGrp="1"/>
+          </p:cNvSpPr>
+          <p:nvPr>
+            <p:ph type="dt" sz="half" idx="10"/>
+          </p:nvPr>
+        </p:nvSpPr>
+        <p:spPr/>
+        <p:txBody>
+          <a:bodyPr/>
+          <a:lstStyle/>
+          <a:p>
+            <a:fld id="{1216D4B1-2B05-4441-ACFE-1BADA70BB853}" type="datetime1">
               <a:rPr lang="en-US" smtClean="0"/>
-              <a:t>Click to edit Master title style</a:t>
-            </a:r>
-            <a:endParaRPr lang="en-US" dirty="0"/>
-          </a:p>
-        </p:txBody>
-      </p:sp>
-      <p:sp>
-        <p:nvSpPr>
-          <p:cNvPr id="3" name="Content Placeholder 2"/>
-          <p:cNvSpPr>
-            <a:spLocks noGrp="1"/>
-          </p:cNvSpPr>
-          <p:nvPr>
-            <p:ph idx="1"/>
-          </p:nvPr>
-        </p:nvSpPr>
-        <p:spPr/>
-        <p:txBody>
-          <a:bodyPr/>
-          <a:lstStyle/>
-          <a:p>
-            <a:pPr lvl="0"/>
-            <a:r>
-              <a:rPr lang="en-US" smtClean="0"/>
-              <a:t>Click to edit Master text styles</a:t>
-            </a:r>
-          </a:p>
-          <a:p>
-            <a:pPr lvl="1"/>
-            <a:r>
-              <a:rPr lang="en-US" smtClean="0"/>
-              <a:t>Second level</a:t>
-            </a:r>
-          </a:p>
-          <a:p>
-            <a:pPr lvl="2"/>
-            <a:r>
-              <a:rPr lang="en-US" smtClean="0"/>
-              <a:t>Third level</a:t>
-            </a:r>
-          </a:p>
-          <a:p>
-            <a:pPr lvl="3"/>
-            <a:r>
-              <a:rPr lang="en-US" smtClean="0"/>
-              <a:t>Fourth level</a:t>
-            </a:r>
-          </a:p>
-          <a:p>
-            <a:pPr lvl="4"/>
-            <a:r>
-              <a:rPr lang="en-US" smtClean="0"/>
-              <a:t>Fifth level</a:t>
-            </a:r>
-            <a:endParaRPr lang="en-US" dirty="0"/>
-          </a:p>
-        </p:txBody>
-      </p:sp>
-      <p:sp>
-        <p:nvSpPr>
-          <p:cNvPr id="4" name="Date Placeholder 3"/>
-          <p:cNvSpPr>
-            <a:spLocks noGrp="1"/>
-          </p:cNvSpPr>
-          <p:nvPr>
-            <p:ph type="dt" sz="half" idx="10"/>
-          </p:nvPr>
-        </p:nvSpPr>
-        <p:spPr/>
-        <p:txBody>
-          <a:bodyPr/>
-          <a:lstStyle/>
-          <a:p>
-            <a:fld id="{6964D4EB-A2A3-5D46-A2E3-B082D53C11C5}" type="datetime1">
-              <a:rPr lang="en-US" smtClean="0"/>
-              <a:t>11/13/15</a:t>
+              <a:t>7/7/2016</a:t>
             </a:fld>
             <a:endParaRPr lang="en-US"/>
           </a:p>
@@ -1781,10 +4154,9 @@
           <a:lstStyle/>
           <a:p>
             <a:r>
-              <a:rPr lang="sk-SK" smtClean="0"/>
-              <a:t>© 2015 EV3Lessons.com, Last edit 11/13/2015</a:t>
-            </a:r>
-            <a:endParaRPr lang="en-US"/>
+              <a:rPr lang="en-US"/>
+              <a:t>© 2016 EV3Lessons.com, Last edit 7/06/2016</a:t>
+            </a:r>
           </a:p>
         </p:txBody>
       </p:sp>
@@ -1815,6 +4187,802 @@
     <p:extLst>
       <p:ext uri="{BB962C8B-B14F-4D97-AF65-F5344CB8AC3E}">
         <p14:creationId xmlns:p14="http://schemas.microsoft.com/office/powerpoint/2010/main" val="84062244"/>
+      </p:ext>
+    </p:extLst>
+  </p:cSld>
+  <p:clrMapOvr>
+    <a:masterClrMapping/>
+  </p:clrMapOvr>
+</p:sldLayout>
+</file>
+
+<file path=ppt/slideLayouts/slideLayout20.xml><?xml version="1.0" encoding="utf-8"?>
+<p:sldLayout xmlns:a="http://schemas.openxmlformats.org/drawingml/2006/main" xmlns:r="http://schemas.openxmlformats.org/officeDocument/2006/relationships" xmlns:p="http://schemas.openxmlformats.org/presentationml/2006/main" showMasterSp="0" type="picTx" preserve="1">
+  <p:cSld name="Picture with Caption">
+    <p:spTree>
+      <p:nvGrpSpPr>
+        <p:cNvPr id="1" name=""/>
+        <p:cNvGrpSpPr/>
+        <p:nvPr/>
+      </p:nvGrpSpPr>
+      <p:grpSpPr>
+        <a:xfrm>
+          <a:off x="0" y="0"/>
+          <a:ext cx="0" cy="0"/>
+          <a:chOff x="0" y="0"/>
+          <a:chExt cx="0" cy="0"/>
+        </a:xfrm>
+      </p:grpSpPr>
+      <p:sp>
+        <p:nvSpPr>
+          <p:cNvPr id="8" name="Rectangle 7"/>
+          <p:cNvSpPr/>
+          <p:nvPr/>
+        </p:nvSpPr>
+        <p:spPr>
+          <a:xfrm>
+            <a:off x="0" y="4953000"/>
+            <a:ext cx="9141619" cy="1905000"/>
+          </a:xfrm>
+          <a:prstGeom prst="rect">
+            <a:avLst/>
+          </a:prstGeom>
+          <a:solidFill>
+            <a:schemeClr val="accent2"/>
+          </a:solidFill>
+          <a:ln>
+            <a:noFill/>
+          </a:ln>
+        </p:spPr>
+        <p:style>
+          <a:lnRef idx="2">
+            <a:schemeClr val="accent1">
+              <a:shade val="50000"/>
+            </a:schemeClr>
+          </a:lnRef>
+          <a:fillRef idx="1">
+            <a:schemeClr val="accent1"/>
+          </a:fillRef>
+          <a:effectRef idx="0">
+            <a:schemeClr val="accent1"/>
+          </a:effectRef>
+          <a:fontRef idx="minor">
+            <a:schemeClr val="lt1"/>
+          </a:fontRef>
+        </p:style>
+      </p:sp>
+      <p:sp>
+        <p:nvSpPr>
+          <p:cNvPr id="9" name="Rectangle 8"/>
+          <p:cNvSpPr/>
+          <p:nvPr/>
+        </p:nvSpPr>
+        <p:spPr>
+          <a:xfrm>
+            <a:off x="12" y="4915076"/>
+            <a:ext cx="9141619" cy="64008"/>
+          </a:xfrm>
+          <a:prstGeom prst="rect">
+            <a:avLst/>
+          </a:prstGeom>
+          <a:solidFill>
+            <a:schemeClr val="accent1"/>
+          </a:solidFill>
+          <a:ln>
+            <a:noFill/>
+          </a:ln>
+        </p:spPr>
+        <p:style>
+          <a:lnRef idx="2">
+            <a:schemeClr val="accent1">
+              <a:shade val="50000"/>
+            </a:schemeClr>
+          </a:lnRef>
+          <a:fillRef idx="1">
+            <a:schemeClr val="accent1"/>
+          </a:fillRef>
+          <a:effectRef idx="0">
+            <a:schemeClr val="accent1"/>
+          </a:effectRef>
+          <a:fontRef idx="minor">
+            <a:schemeClr val="lt1"/>
+          </a:fontRef>
+        </p:style>
+      </p:sp>
+      <p:sp>
+        <p:nvSpPr>
+          <p:cNvPr id="2" name="Title 1"/>
+          <p:cNvSpPr>
+            <a:spLocks noGrp="1"/>
+          </p:cNvSpPr>
+          <p:nvPr>
+            <p:ph type="title"/>
+          </p:nvPr>
+        </p:nvSpPr>
+        <p:spPr>
+          <a:xfrm>
+            <a:off x="822960" y="5074920"/>
+            <a:ext cx="7589520" cy="822960"/>
+          </a:xfrm>
+        </p:spPr>
+        <p:txBody>
+          <a:bodyPr tIns="0" bIns="0" anchor="b">
+            <a:noAutofit/>
+          </a:bodyPr>
+          <a:lstStyle>
+            <a:lvl1pPr>
+              <a:defRPr sz="3600" b="0">
+                <a:solidFill>
+                  <a:srgbClr val="FFFFFF"/>
+                </a:solidFill>
+              </a:defRPr>
+            </a:lvl1pPr>
+          </a:lstStyle>
+          <a:p>
+            <a:r>
+              <a:rPr lang="en-US"/>
+              <a:t>Click to edit Master title style</a:t>
+            </a:r>
+            <a:endParaRPr lang="en-US" dirty="0"/>
+          </a:p>
+        </p:txBody>
+      </p:sp>
+      <p:sp>
+        <p:nvSpPr>
+          <p:cNvPr id="3" name="Picture Placeholder 2"/>
+          <p:cNvSpPr>
+            <a:spLocks noGrp="1" noChangeAspect="1"/>
+          </p:cNvSpPr>
+          <p:nvPr>
+            <p:ph type="pic" idx="1"/>
+          </p:nvPr>
+        </p:nvSpPr>
+        <p:spPr>
+          <a:xfrm>
+            <a:off x="12" y="0"/>
+            <a:ext cx="9143989" cy="4915076"/>
+          </a:xfrm>
+          <a:blipFill>
+            <a:blip r:embed="rId2"/>
+            <a:stretch>
+              <a:fillRect/>
+            </a:stretch>
+          </a:blipFill>
+        </p:spPr>
+        <p:txBody>
+          <a:bodyPr lIns="457200" tIns="457200" anchor="t"/>
+          <a:lstStyle>
+            <a:lvl1pPr marL="0" indent="0">
+              <a:buNone/>
+              <a:defRPr sz="3200">
+                <a:solidFill>
+                  <a:schemeClr val="bg1"/>
+                </a:solidFill>
+              </a:defRPr>
+            </a:lvl1pPr>
+            <a:lvl2pPr marL="457200" indent="0">
+              <a:buNone/>
+              <a:defRPr sz="2800"/>
+            </a:lvl2pPr>
+            <a:lvl3pPr marL="914400" indent="0">
+              <a:buNone/>
+              <a:defRPr sz="2400"/>
+            </a:lvl3pPr>
+            <a:lvl4pPr marL="1371600" indent="0">
+              <a:buNone/>
+              <a:defRPr sz="2000"/>
+            </a:lvl4pPr>
+            <a:lvl5pPr marL="1828800" indent="0">
+              <a:buNone/>
+              <a:defRPr sz="2000"/>
+            </a:lvl5pPr>
+            <a:lvl6pPr marL="2286000" indent="0">
+              <a:buNone/>
+              <a:defRPr sz="2000"/>
+            </a:lvl6pPr>
+            <a:lvl7pPr marL="2743200" indent="0">
+              <a:buNone/>
+              <a:defRPr sz="2000"/>
+            </a:lvl7pPr>
+            <a:lvl8pPr marL="3200400" indent="0">
+              <a:buNone/>
+              <a:defRPr sz="2000"/>
+            </a:lvl8pPr>
+            <a:lvl9pPr marL="3657600" indent="0">
+              <a:buNone/>
+              <a:defRPr sz="2000"/>
+            </a:lvl9pPr>
+          </a:lstStyle>
+          <a:p>
+            <a:r>
+              <a:rPr lang="en-US"/>
+              <a:t>Click icon to add picture</a:t>
+            </a:r>
+            <a:endParaRPr lang="en-US" dirty="0"/>
+          </a:p>
+        </p:txBody>
+      </p:sp>
+      <p:sp>
+        <p:nvSpPr>
+          <p:cNvPr id="4" name="Text Placeholder 3"/>
+          <p:cNvSpPr>
+            <a:spLocks noGrp="1"/>
+          </p:cNvSpPr>
+          <p:nvPr>
+            <p:ph type="body" sz="half" idx="2"/>
+          </p:nvPr>
+        </p:nvSpPr>
+        <p:spPr>
+          <a:xfrm>
+            <a:off x="822959" y="5907024"/>
+            <a:ext cx="7589520" cy="594360"/>
+          </a:xfrm>
+        </p:spPr>
+        <p:txBody>
+          <a:bodyPr lIns="91440" tIns="0" rIns="91440" bIns="0">
+            <a:normAutofit/>
+          </a:bodyPr>
+          <a:lstStyle>
+            <a:lvl1pPr marL="0" indent="0">
+              <a:spcBef>
+                <a:spcPts val="0"/>
+              </a:spcBef>
+              <a:spcAft>
+                <a:spcPts val="600"/>
+              </a:spcAft>
+              <a:buNone/>
+              <a:defRPr sz="1500">
+                <a:solidFill>
+                  <a:srgbClr val="FFFFFF"/>
+                </a:solidFill>
+              </a:defRPr>
+            </a:lvl1pPr>
+            <a:lvl2pPr marL="457200" indent="0">
+              <a:buNone/>
+              <a:defRPr sz="1200"/>
+            </a:lvl2pPr>
+            <a:lvl3pPr marL="914400" indent="0">
+              <a:buNone/>
+              <a:defRPr sz="1000"/>
+            </a:lvl3pPr>
+            <a:lvl4pPr marL="1371600" indent="0">
+              <a:buNone/>
+              <a:defRPr sz="900"/>
+            </a:lvl4pPr>
+            <a:lvl5pPr marL="1828800" indent="0">
+              <a:buNone/>
+              <a:defRPr sz="900"/>
+            </a:lvl5pPr>
+            <a:lvl6pPr marL="2286000" indent="0">
+              <a:buNone/>
+              <a:defRPr sz="900"/>
+            </a:lvl6pPr>
+            <a:lvl7pPr marL="2743200" indent="0">
+              <a:buNone/>
+              <a:defRPr sz="900"/>
+            </a:lvl7pPr>
+            <a:lvl8pPr marL="3200400" indent="0">
+              <a:buNone/>
+              <a:defRPr sz="900"/>
+            </a:lvl8pPr>
+            <a:lvl9pPr marL="3657600" indent="0">
+              <a:buNone/>
+              <a:defRPr sz="900"/>
+            </a:lvl9pPr>
+          </a:lstStyle>
+          <a:p>
+            <a:pPr lvl="0"/>
+            <a:r>
+              <a:rPr lang="en-US"/>
+              <a:t>Edit Master text styles</a:t>
+            </a:r>
+          </a:p>
+        </p:txBody>
+      </p:sp>
+      <p:sp>
+        <p:nvSpPr>
+          <p:cNvPr id="5" name="Date Placeholder 4"/>
+          <p:cNvSpPr>
+            <a:spLocks noGrp="1"/>
+          </p:cNvSpPr>
+          <p:nvPr>
+            <p:ph type="dt" sz="half" idx="10"/>
+          </p:nvPr>
+        </p:nvSpPr>
+        <p:spPr/>
+        <p:txBody>
+          <a:bodyPr/>
+          <a:lstStyle/>
+          <a:p>
+            <a:fld id="{3344E606-D08A-42BD-85D5-C8E242E5C180}" type="datetime1">
+              <a:rPr lang="en-US" smtClean="0"/>
+              <a:t>7/7/2016</a:t>
+            </a:fld>
+            <a:endParaRPr lang="en-US"/>
+          </a:p>
+        </p:txBody>
+      </p:sp>
+      <p:sp>
+        <p:nvSpPr>
+          <p:cNvPr id="6" name="Footer Placeholder 5"/>
+          <p:cNvSpPr>
+            <a:spLocks noGrp="1"/>
+          </p:cNvSpPr>
+          <p:nvPr>
+            <p:ph type="ftr" sz="quarter" idx="11"/>
+          </p:nvPr>
+        </p:nvSpPr>
+        <p:spPr/>
+        <p:txBody>
+          <a:bodyPr/>
+          <a:lstStyle/>
+          <a:p>
+            <a:r>
+              <a:rPr lang="en-US"/>
+              <a:t>© 2016 EV3Lessons.com, Last edit 7/06/2016</a:t>
+            </a:r>
+          </a:p>
+        </p:txBody>
+      </p:sp>
+      <p:sp>
+        <p:nvSpPr>
+          <p:cNvPr id="7" name="Slide Number Placeholder 6"/>
+          <p:cNvSpPr>
+            <a:spLocks noGrp="1"/>
+          </p:cNvSpPr>
+          <p:nvPr>
+            <p:ph type="sldNum" sz="quarter" idx="12"/>
+          </p:nvPr>
+        </p:nvSpPr>
+        <p:spPr/>
+        <p:txBody>
+          <a:bodyPr/>
+          <a:lstStyle/>
+          <a:p>
+            <a:fld id="{4382A7F7-08BF-4252-8141-63FB96055BBB}" type="slidenum">
+              <a:rPr lang="en-US" smtClean="0"/>
+              <a:t>‹#›</a:t>
+            </a:fld>
+            <a:endParaRPr lang="en-US"/>
+          </a:p>
+        </p:txBody>
+      </p:sp>
+    </p:spTree>
+    <p:extLst>
+      <p:ext uri="{BB962C8B-B14F-4D97-AF65-F5344CB8AC3E}">
+        <p14:creationId xmlns:p14="http://schemas.microsoft.com/office/powerpoint/2010/main" val="1860793715"/>
+      </p:ext>
+    </p:extLst>
+  </p:cSld>
+  <p:clrMapOvr>
+    <a:masterClrMapping/>
+  </p:clrMapOvr>
+</p:sldLayout>
+</file>
+
+<file path=ppt/slideLayouts/slideLayout21.xml><?xml version="1.0" encoding="utf-8"?>
+<p:sldLayout xmlns:a="http://schemas.openxmlformats.org/drawingml/2006/main" xmlns:r="http://schemas.openxmlformats.org/officeDocument/2006/relationships" xmlns:p="http://schemas.openxmlformats.org/presentationml/2006/main" type="vertTx" preserve="1">
+  <p:cSld name="Title and Vertical Text">
+    <p:spTree>
+      <p:nvGrpSpPr>
+        <p:cNvPr id="1" name=""/>
+        <p:cNvGrpSpPr/>
+        <p:nvPr/>
+      </p:nvGrpSpPr>
+      <p:grpSpPr>
+        <a:xfrm>
+          <a:off x="0" y="0"/>
+          <a:ext cx="0" cy="0"/>
+          <a:chOff x="0" y="0"/>
+          <a:chExt cx="0" cy="0"/>
+        </a:xfrm>
+      </p:grpSpPr>
+      <p:sp>
+        <p:nvSpPr>
+          <p:cNvPr id="2" name="Title 1"/>
+          <p:cNvSpPr>
+            <a:spLocks noGrp="1"/>
+          </p:cNvSpPr>
+          <p:nvPr>
+            <p:ph type="title"/>
+          </p:nvPr>
+        </p:nvSpPr>
+        <p:spPr/>
+        <p:txBody>
+          <a:bodyPr/>
+          <a:lstStyle/>
+          <a:p>
+            <a:r>
+              <a:rPr lang="en-US"/>
+              <a:t>Click to edit Master title style</a:t>
+            </a:r>
+            <a:endParaRPr lang="en-US" dirty="0"/>
+          </a:p>
+        </p:txBody>
+      </p:sp>
+      <p:sp>
+        <p:nvSpPr>
+          <p:cNvPr id="3" name="Vertical Text Placeholder 2"/>
+          <p:cNvSpPr>
+            <a:spLocks noGrp="1"/>
+          </p:cNvSpPr>
+          <p:nvPr>
+            <p:ph type="body" orient="vert" idx="1"/>
+          </p:nvPr>
+        </p:nvSpPr>
+        <p:spPr/>
+        <p:txBody>
+          <a:bodyPr vert="eaVert" lIns="45720" tIns="0" rIns="45720" bIns="0"/>
+          <a:lstStyle/>
+          <a:p>
+            <a:pPr lvl="0"/>
+            <a:r>
+              <a:rPr lang="en-US"/>
+              <a:t>Edit Master text styles</a:t>
+            </a:r>
+          </a:p>
+          <a:p>
+            <a:pPr lvl="1"/>
+            <a:r>
+              <a:rPr lang="en-US"/>
+              <a:t>Second level</a:t>
+            </a:r>
+          </a:p>
+          <a:p>
+            <a:pPr lvl="2"/>
+            <a:r>
+              <a:rPr lang="en-US"/>
+              <a:t>Third level</a:t>
+            </a:r>
+          </a:p>
+          <a:p>
+            <a:pPr lvl="3"/>
+            <a:r>
+              <a:rPr lang="en-US"/>
+              <a:t>Fourth level</a:t>
+            </a:r>
+          </a:p>
+          <a:p>
+            <a:pPr lvl="4"/>
+            <a:r>
+              <a:rPr lang="en-US"/>
+              <a:t>Fifth level</a:t>
+            </a:r>
+            <a:endParaRPr lang="en-US" dirty="0"/>
+          </a:p>
+        </p:txBody>
+      </p:sp>
+      <p:sp>
+        <p:nvSpPr>
+          <p:cNvPr id="4" name="Date Placeholder 3"/>
+          <p:cNvSpPr>
+            <a:spLocks noGrp="1"/>
+          </p:cNvSpPr>
+          <p:nvPr>
+            <p:ph type="dt" sz="half" idx="10"/>
+          </p:nvPr>
+        </p:nvSpPr>
+        <p:spPr/>
+        <p:txBody>
+          <a:bodyPr/>
+          <a:lstStyle/>
+          <a:p>
+            <a:fld id="{4BB94F1D-D6B9-4B8D-82D6-04DB45C67F68}" type="datetime1">
+              <a:rPr lang="en-US" smtClean="0"/>
+              <a:t>7/7/2016</a:t>
+            </a:fld>
+            <a:endParaRPr lang="en-US"/>
+          </a:p>
+        </p:txBody>
+      </p:sp>
+      <p:sp>
+        <p:nvSpPr>
+          <p:cNvPr id="5" name="Footer Placeholder 4"/>
+          <p:cNvSpPr>
+            <a:spLocks noGrp="1"/>
+          </p:cNvSpPr>
+          <p:nvPr>
+            <p:ph type="ftr" sz="quarter" idx="11"/>
+          </p:nvPr>
+        </p:nvSpPr>
+        <p:spPr/>
+        <p:txBody>
+          <a:bodyPr/>
+          <a:lstStyle/>
+          <a:p>
+            <a:r>
+              <a:rPr lang="en-US"/>
+              <a:t>© 2016 EV3Lessons.com, Last edit 7/06/2016</a:t>
+            </a:r>
+          </a:p>
+        </p:txBody>
+      </p:sp>
+      <p:sp>
+        <p:nvSpPr>
+          <p:cNvPr id="6" name="Slide Number Placeholder 5"/>
+          <p:cNvSpPr>
+            <a:spLocks noGrp="1"/>
+          </p:cNvSpPr>
+          <p:nvPr>
+            <p:ph type="sldNum" sz="quarter" idx="12"/>
+          </p:nvPr>
+        </p:nvSpPr>
+        <p:spPr/>
+        <p:txBody>
+          <a:bodyPr/>
+          <a:lstStyle/>
+          <a:p>
+            <a:fld id="{4382A7F7-08BF-4252-8141-63FB96055BBB}" type="slidenum">
+              <a:rPr lang="en-US" smtClean="0"/>
+              <a:t>‹#›</a:t>
+            </a:fld>
+            <a:endParaRPr lang="en-US"/>
+          </a:p>
+        </p:txBody>
+      </p:sp>
+    </p:spTree>
+    <p:extLst>
+      <p:ext uri="{BB962C8B-B14F-4D97-AF65-F5344CB8AC3E}">
+        <p14:creationId xmlns:p14="http://schemas.microsoft.com/office/powerpoint/2010/main" val="3961641362"/>
+      </p:ext>
+    </p:extLst>
+  </p:cSld>
+  <p:clrMapOvr>
+    <a:masterClrMapping/>
+  </p:clrMapOvr>
+</p:sldLayout>
+</file>
+
+<file path=ppt/slideLayouts/slideLayout22.xml><?xml version="1.0" encoding="utf-8"?>
+<p:sldLayout xmlns:a="http://schemas.openxmlformats.org/drawingml/2006/main" xmlns:r="http://schemas.openxmlformats.org/officeDocument/2006/relationships" xmlns:p="http://schemas.openxmlformats.org/presentationml/2006/main" showMasterSp="0" type="vertTitleAndTx" preserve="1">
+  <p:cSld name="Vertical Title and Text">
+    <p:spTree>
+      <p:nvGrpSpPr>
+        <p:cNvPr id="1" name=""/>
+        <p:cNvGrpSpPr/>
+        <p:nvPr/>
+      </p:nvGrpSpPr>
+      <p:grpSpPr>
+        <a:xfrm>
+          <a:off x="0" y="0"/>
+          <a:ext cx="0" cy="0"/>
+          <a:chOff x="0" y="0"/>
+          <a:chExt cx="0" cy="0"/>
+        </a:xfrm>
+      </p:grpSpPr>
+      <p:sp>
+        <p:nvSpPr>
+          <p:cNvPr id="7" name="Rectangle 6"/>
+          <p:cNvSpPr/>
+          <p:nvPr/>
+        </p:nvSpPr>
+        <p:spPr>
+          <a:xfrm>
+            <a:off x="2382" y="6400800"/>
+            <a:ext cx="9141619" cy="457200"/>
+          </a:xfrm>
+          <a:prstGeom prst="rect">
+            <a:avLst/>
+          </a:prstGeom>
+          <a:solidFill>
+            <a:schemeClr val="accent2"/>
+          </a:solidFill>
+          <a:ln>
+            <a:noFill/>
+          </a:ln>
+        </p:spPr>
+        <p:style>
+          <a:lnRef idx="2">
+            <a:schemeClr val="accent1">
+              <a:shade val="50000"/>
+            </a:schemeClr>
+          </a:lnRef>
+          <a:fillRef idx="1">
+            <a:schemeClr val="accent1"/>
+          </a:fillRef>
+          <a:effectRef idx="0">
+            <a:schemeClr val="accent1"/>
+          </a:effectRef>
+          <a:fontRef idx="minor">
+            <a:schemeClr val="lt1"/>
+          </a:fontRef>
+        </p:style>
+      </p:sp>
+      <p:sp>
+        <p:nvSpPr>
+          <p:cNvPr id="8" name="Rectangle 7"/>
+          <p:cNvSpPr/>
+          <p:nvPr/>
+        </p:nvSpPr>
+        <p:spPr>
+          <a:xfrm>
+            <a:off x="12" y="6334316"/>
+            <a:ext cx="9141619" cy="64008"/>
+          </a:xfrm>
+          <a:prstGeom prst="rect">
+            <a:avLst/>
+          </a:prstGeom>
+          <a:solidFill>
+            <a:schemeClr val="accent1"/>
+          </a:solidFill>
+          <a:ln>
+            <a:noFill/>
+          </a:ln>
+        </p:spPr>
+        <p:style>
+          <a:lnRef idx="2">
+            <a:schemeClr val="accent1">
+              <a:shade val="50000"/>
+            </a:schemeClr>
+          </a:lnRef>
+          <a:fillRef idx="1">
+            <a:schemeClr val="accent1"/>
+          </a:fillRef>
+          <a:effectRef idx="0">
+            <a:schemeClr val="accent1"/>
+          </a:effectRef>
+          <a:fontRef idx="minor">
+            <a:schemeClr val="lt1"/>
+          </a:fontRef>
+        </p:style>
+      </p:sp>
+      <p:sp>
+        <p:nvSpPr>
+          <p:cNvPr id="2" name="Vertical Title 1"/>
+          <p:cNvSpPr>
+            <a:spLocks noGrp="1"/>
+          </p:cNvSpPr>
+          <p:nvPr>
+            <p:ph type="title" orient="vert"/>
+          </p:nvPr>
+        </p:nvSpPr>
+        <p:spPr>
+          <a:xfrm>
+            <a:off x="6543675" y="414779"/>
+            <a:ext cx="1971675" cy="5757421"/>
+          </a:xfrm>
+        </p:spPr>
+        <p:txBody>
+          <a:bodyPr vert="eaVert"/>
+          <a:lstStyle/>
+          <a:p>
+            <a:r>
+              <a:rPr lang="en-US"/>
+              <a:t>Click to edit Master title style</a:t>
+            </a:r>
+            <a:endParaRPr lang="en-US" dirty="0"/>
+          </a:p>
+        </p:txBody>
+      </p:sp>
+      <p:sp>
+        <p:nvSpPr>
+          <p:cNvPr id="3" name="Vertical Text Placeholder 2"/>
+          <p:cNvSpPr>
+            <a:spLocks noGrp="1"/>
+          </p:cNvSpPr>
+          <p:nvPr>
+            <p:ph type="body" orient="vert" idx="1"/>
+          </p:nvPr>
+        </p:nvSpPr>
+        <p:spPr>
+          <a:xfrm>
+            <a:off x="628650" y="414779"/>
+            <a:ext cx="5800725" cy="5757420"/>
+          </a:xfrm>
+        </p:spPr>
+        <p:txBody>
+          <a:bodyPr vert="eaVert" lIns="45720" tIns="0" rIns="45720" bIns="0"/>
+          <a:lstStyle/>
+          <a:p>
+            <a:pPr lvl="0"/>
+            <a:r>
+              <a:rPr lang="en-US"/>
+              <a:t>Edit Master text styles</a:t>
+            </a:r>
+          </a:p>
+          <a:p>
+            <a:pPr lvl="1"/>
+            <a:r>
+              <a:rPr lang="en-US"/>
+              <a:t>Second level</a:t>
+            </a:r>
+          </a:p>
+          <a:p>
+            <a:pPr lvl="2"/>
+            <a:r>
+              <a:rPr lang="en-US"/>
+              <a:t>Third level</a:t>
+            </a:r>
+          </a:p>
+          <a:p>
+            <a:pPr lvl="3"/>
+            <a:r>
+              <a:rPr lang="en-US"/>
+              <a:t>Fourth level</a:t>
+            </a:r>
+          </a:p>
+          <a:p>
+            <a:pPr lvl="4"/>
+            <a:r>
+              <a:rPr lang="en-US"/>
+              <a:t>Fifth level</a:t>
+            </a:r>
+            <a:endParaRPr lang="en-US" dirty="0"/>
+          </a:p>
+        </p:txBody>
+      </p:sp>
+      <p:sp>
+        <p:nvSpPr>
+          <p:cNvPr id="4" name="Date Placeholder 3"/>
+          <p:cNvSpPr>
+            <a:spLocks noGrp="1"/>
+          </p:cNvSpPr>
+          <p:nvPr>
+            <p:ph type="dt" sz="half" idx="10"/>
+          </p:nvPr>
+        </p:nvSpPr>
+        <p:spPr/>
+        <p:txBody>
+          <a:bodyPr/>
+          <a:lstStyle/>
+          <a:p>
+            <a:fld id="{8921C0F7-E0ED-429B-97CA-AE4024AE805B}" type="datetime1">
+              <a:rPr lang="en-US" smtClean="0"/>
+              <a:t>7/7/2016</a:t>
+            </a:fld>
+            <a:endParaRPr lang="en-US"/>
+          </a:p>
+        </p:txBody>
+      </p:sp>
+      <p:sp>
+        <p:nvSpPr>
+          <p:cNvPr id="5" name="Footer Placeholder 4"/>
+          <p:cNvSpPr>
+            <a:spLocks noGrp="1"/>
+          </p:cNvSpPr>
+          <p:nvPr>
+            <p:ph type="ftr" sz="quarter" idx="11"/>
+          </p:nvPr>
+        </p:nvSpPr>
+        <p:spPr/>
+        <p:txBody>
+          <a:bodyPr/>
+          <a:lstStyle/>
+          <a:p>
+            <a:r>
+              <a:rPr lang="en-US"/>
+              <a:t>© 2016 EV3Lessons.com, Last edit 7/06/2016</a:t>
+            </a:r>
+          </a:p>
+        </p:txBody>
+      </p:sp>
+      <p:sp>
+        <p:nvSpPr>
+          <p:cNvPr id="6" name="Slide Number Placeholder 5"/>
+          <p:cNvSpPr>
+            <a:spLocks noGrp="1"/>
+          </p:cNvSpPr>
+          <p:nvPr>
+            <p:ph type="sldNum" sz="quarter" idx="12"/>
+          </p:nvPr>
+        </p:nvSpPr>
+        <p:spPr/>
+        <p:txBody>
+          <a:bodyPr/>
+          <a:lstStyle/>
+          <a:p>
+            <a:fld id="{4382A7F7-08BF-4252-8141-63FB96055BBB}" type="slidenum">
+              <a:rPr lang="en-US" smtClean="0"/>
+              <a:t>‹#›</a:t>
+            </a:fld>
+            <a:endParaRPr lang="en-US"/>
+          </a:p>
+        </p:txBody>
+      </p:sp>
+    </p:spTree>
+    <p:extLst>
+      <p:ext uri="{BB962C8B-B14F-4D97-AF65-F5344CB8AC3E}">
+        <p14:creationId xmlns:p14="http://schemas.microsoft.com/office/powerpoint/2010/main" val="1048721651"/>
       </p:ext>
     </p:extLst>
   </p:cSld>
@@ -1962,7 +5130,7 @@
           </a:lstStyle>
           <a:p>
             <a:r>
-              <a:rPr lang="en-US" smtClean="0"/>
+              <a:rPr lang="en-US"/>
               <a:t>Click to edit Master title style</a:t>
             </a:r>
             <a:endParaRPr lang="en-US" dirty="0"/>
@@ -2083,30 +5251,30 @@
           <a:p>
             <a:pPr lvl="0"/>
             <a:r>
+              <a:rPr lang="en-US"/>
+              <a:t>Click to edit Master text styles</a:t>
+            </a:r>
+          </a:p>
+        </p:txBody>
+      </p:sp>
+      <p:sp>
+        <p:nvSpPr>
+          <p:cNvPr id="4" name="Date Placeholder 3"/>
+          <p:cNvSpPr>
+            <a:spLocks noGrp="1"/>
+          </p:cNvSpPr>
+          <p:nvPr>
+            <p:ph type="dt" sz="half" idx="10"/>
+          </p:nvPr>
+        </p:nvSpPr>
+        <p:spPr/>
+        <p:txBody>
+          <a:bodyPr/>
+          <a:lstStyle/>
+          <a:p>
+            <a:fld id="{1C025450-6801-40DA-9ACE-BDBCC63847C3}" type="datetime1">
               <a:rPr lang="en-US" smtClean="0"/>
-              <a:t>Click to edit Master text styles</a:t>
-            </a:r>
-          </a:p>
-        </p:txBody>
-      </p:sp>
-      <p:sp>
-        <p:nvSpPr>
-          <p:cNvPr id="4" name="Date Placeholder 3"/>
-          <p:cNvSpPr>
-            <a:spLocks noGrp="1"/>
-          </p:cNvSpPr>
-          <p:nvPr>
-            <p:ph type="dt" sz="half" idx="10"/>
-          </p:nvPr>
-        </p:nvSpPr>
-        <p:spPr/>
-        <p:txBody>
-          <a:bodyPr/>
-          <a:lstStyle/>
-          <a:p>
-            <a:fld id="{719062A6-538C-914A-A4D7-9D77EAAE33AB}" type="datetime1">
-              <a:rPr lang="en-US" smtClean="0"/>
-              <a:t>11/13/15</a:t>
+              <a:t>7/7/2016</a:t>
             </a:fld>
             <a:endParaRPr lang="en-US"/>
           </a:p>
@@ -2128,10 +5296,9 @@
           <a:lstStyle/>
           <a:p>
             <a:r>
-              <a:rPr lang="sk-SK" smtClean="0"/>
-              <a:t>© 2015 EV3Lessons.com, Last edit 11/13/2015</a:t>
-            </a:r>
-            <a:endParaRPr lang="en-US"/>
+              <a:rPr lang="en-US"/>
+              <a:t>© 2016 EV3Lessons.com, Last edit 7/06/2016</a:t>
+            </a:r>
           </a:p>
         </p:txBody>
       </p:sp>
@@ -2247,7 +5414,7 @@
           <a:lstStyle/>
           <a:p>
             <a:r>
-              <a:rPr lang="en-US" smtClean="0"/>
+              <a:rPr lang="en-US"/>
               <a:t>Click to edit Master title style</a:t>
             </a:r>
             <a:endParaRPr lang="en-US" dirty="0"/>
@@ -2276,35 +5443,35 @@
           <a:p>
             <a:pPr lvl="0"/>
             <a:r>
-              <a:rPr lang="en-US" smtClean="0"/>
+              <a:rPr lang="en-US"/>
               <a:t>Click to edit Master text styles</a:t>
             </a:r>
           </a:p>
           <a:p>
             <a:pPr lvl="1"/>
             <a:r>
-              <a:rPr lang="en-US" smtClean="0"/>
+              <a:rPr lang="en-US"/>
               <a:t>Second level</a:t>
             </a:r>
           </a:p>
           <a:p>
             <a:pPr lvl="2"/>
             <a:r>
-              <a:rPr lang="en-US" smtClean="0"/>
+              <a:rPr lang="en-US"/>
               <a:t>Third level</a:t>
             </a:r>
           </a:p>
           <a:p>
             <a:pPr lvl="3"/>
             <a:r>
-              <a:rPr lang="en-US" smtClean="0"/>
+              <a:rPr lang="en-US"/>
               <a:t>Fourth level</a:t>
             </a:r>
           </a:p>
           <a:p>
             <a:pPr lvl="4"/>
             <a:r>
-              <a:rPr lang="en-US" smtClean="0"/>
+              <a:rPr lang="en-US"/>
               <a:t>Fifth level</a:t>
             </a:r>
             <a:endParaRPr lang="en-US" dirty="0"/>
@@ -2333,59 +5500,59 @@
           <a:p>
             <a:pPr lvl="0"/>
             <a:r>
+              <a:rPr lang="en-US"/>
+              <a:t>Click to edit Master text styles</a:t>
+            </a:r>
+          </a:p>
+          <a:p>
+            <a:pPr lvl="1"/>
+            <a:r>
+              <a:rPr lang="en-US"/>
+              <a:t>Second level</a:t>
+            </a:r>
+          </a:p>
+          <a:p>
+            <a:pPr lvl="2"/>
+            <a:r>
+              <a:rPr lang="en-US"/>
+              <a:t>Third level</a:t>
+            </a:r>
+          </a:p>
+          <a:p>
+            <a:pPr lvl="3"/>
+            <a:r>
+              <a:rPr lang="en-US"/>
+              <a:t>Fourth level</a:t>
+            </a:r>
+          </a:p>
+          <a:p>
+            <a:pPr lvl="4"/>
+            <a:r>
+              <a:rPr lang="en-US"/>
+              <a:t>Fifth level</a:t>
+            </a:r>
+            <a:endParaRPr lang="en-US" dirty="0"/>
+          </a:p>
+        </p:txBody>
+      </p:sp>
+      <p:sp>
+        <p:nvSpPr>
+          <p:cNvPr id="5" name="Date Placeholder 4"/>
+          <p:cNvSpPr>
+            <a:spLocks noGrp="1"/>
+          </p:cNvSpPr>
+          <p:nvPr>
+            <p:ph type="dt" sz="half" idx="10"/>
+          </p:nvPr>
+        </p:nvSpPr>
+        <p:spPr/>
+        <p:txBody>
+          <a:bodyPr/>
+          <a:lstStyle/>
+          <a:p>
+            <a:fld id="{65449995-60E8-44EB-9892-F1472FB19A52}" type="datetime1">
               <a:rPr lang="en-US" smtClean="0"/>
-              <a:t>Click to edit Master text styles</a:t>
-            </a:r>
-          </a:p>
-          <a:p>
-            <a:pPr lvl="1"/>
-            <a:r>
-              <a:rPr lang="en-US" smtClean="0"/>
-              <a:t>Second level</a:t>
-            </a:r>
-          </a:p>
-          <a:p>
-            <a:pPr lvl="2"/>
-            <a:r>
-              <a:rPr lang="en-US" smtClean="0"/>
-              <a:t>Third level</a:t>
-            </a:r>
-          </a:p>
-          <a:p>
-            <a:pPr lvl="3"/>
-            <a:r>
-              <a:rPr lang="en-US" smtClean="0"/>
-              <a:t>Fourth level</a:t>
-            </a:r>
-          </a:p>
-          <a:p>
-            <a:pPr lvl="4"/>
-            <a:r>
-              <a:rPr lang="en-US" smtClean="0"/>
-              <a:t>Fifth level</a:t>
-            </a:r>
-            <a:endParaRPr lang="en-US" dirty="0"/>
-          </a:p>
-        </p:txBody>
-      </p:sp>
-      <p:sp>
-        <p:nvSpPr>
-          <p:cNvPr id="5" name="Date Placeholder 4"/>
-          <p:cNvSpPr>
-            <a:spLocks noGrp="1"/>
-          </p:cNvSpPr>
-          <p:nvPr>
-            <p:ph type="dt" sz="half" idx="10"/>
-          </p:nvPr>
-        </p:nvSpPr>
-        <p:spPr/>
-        <p:txBody>
-          <a:bodyPr/>
-          <a:lstStyle/>
-          <a:p>
-            <a:fld id="{FBA86DE5-4727-3C44-A125-458AC819E1C1}" type="datetime1">
-              <a:rPr lang="en-US" smtClean="0"/>
-              <a:t>11/13/15</a:t>
+              <a:t>7/7/2016</a:t>
             </a:fld>
             <a:endParaRPr lang="en-US"/>
           </a:p>
@@ -2406,6 +5573,10 @@
           <a:bodyPr/>
           <a:lstStyle/>
           <a:p>
+            <a:r>
+              <a:rPr lang="en-US"/>
+              <a:t>© 2016 EV3Lessons.com, Last edit 7/06/2016</a:t>
+            </a:r>
             <a:endParaRPr lang="en-US" dirty="0"/>
           </a:p>
         </p:txBody>
@@ -2484,7 +5655,7 @@
           <a:lstStyle/>
           <a:p>
             <a:r>
-              <a:rPr lang="en-US" smtClean="0"/>
+              <a:rPr lang="en-US"/>
               <a:t>Click to edit Master title style</a:t>
             </a:r>
             <a:endParaRPr lang="en-US" dirty="0"/>
@@ -2556,7 +5727,7 @@
           <a:p>
             <a:pPr lvl="0"/>
             <a:r>
-              <a:rPr lang="en-US" smtClean="0"/>
+              <a:rPr lang="en-US"/>
               <a:t>Click to edit Master text styles</a:t>
             </a:r>
           </a:p>
@@ -2584,35 +5755,35 @@
           <a:p>
             <a:pPr lvl="0"/>
             <a:r>
-              <a:rPr lang="en-US" smtClean="0"/>
+              <a:rPr lang="en-US"/>
               <a:t>Click to edit Master text styles</a:t>
             </a:r>
           </a:p>
           <a:p>
             <a:pPr lvl="1"/>
             <a:r>
-              <a:rPr lang="en-US" smtClean="0"/>
+              <a:rPr lang="en-US"/>
               <a:t>Second level</a:t>
             </a:r>
           </a:p>
           <a:p>
             <a:pPr lvl="2"/>
             <a:r>
-              <a:rPr lang="en-US" smtClean="0"/>
+              <a:rPr lang="en-US"/>
               <a:t>Third level</a:t>
             </a:r>
           </a:p>
           <a:p>
             <a:pPr lvl="3"/>
             <a:r>
-              <a:rPr lang="en-US" smtClean="0"/>
+              <a:rPr lang="en-US"/>
               <a:t>Fourth level</a:t>
             </a:r>
           </a:p>
           <a:p>
             <a:pPr lvl="4"/>
             <a:r>
-              <a:rPr lang="en-US" smtClean="0"/>
+              <a:rPr lang="en-US"/>
               <a:t>Fifth level</a:t>
             </a:r>
             <a:endParaRPr lang="en-US" dirty="0"/>
@@ -2684,7 +5855,7 @@
           <a:p>
             <a:pPr lvl="0"/>
             <a:r>
-              <a:rPr lang="en-US" smtClean="0"/>
+              <a:rPr lang="en-US"/>
               <a:t>Click to edit Master text styles</a:t>
             </a:r>
           </a:p>
@@ -2712,59 +5883,59 @@
           <a:p>
             <a:pPr lvl="0"/>
             <a:r>
+              <a:rPr lang="en-US"/>
+              <a:t>Click to edit Master text styles</a:t>
+            </a:r>
+          </a:p>
+          <a:p>
+            <a:pPr lvl="1"/>
+            <a:r>
+              <a:rPr lang="en-US"/>
+              <a:t>Second level</a:t>
+            </a:r>
+          </a:p>
+          <a:p>
+            <a:pPr lvl="2"/>
+            <a:r>
+              <a:rPr lang="en-US"/>
+              <a:t>Third level</a:t>
+            </a:r>
+          </a:p>
+          <a:p>
+            <a:pPr lvl="3"/>
+            <a:r>
+              <a:rPr lang="en-US"/>
+              <a:t>Fourth level</a:t>
+            </a:r>
+          </a:p>
+          <a:p>
+            <a:pPr lvl="4"/>
+            <a:r>
+              <a:rPr lang="en-US"/>
+              <a:t>Fifth level</a:t>
+            </a:r>
+            <a:endParaRPr lang="en-US" dirty="0"/>
+          </a:p>
+        </p:txBody>
+      </p:sp>
+      <p:sp>
+        <p:nvSpPr>
+          <p:cNvPr id="7" name="Date Placeholder 6"/>
+          <p:cNvSpPr>
+            <a:spLocks noGrp="1"/>
+          </p:cNvSpPr>
+          <p:nvPr>
+            <p:ph type="dt" sz="half" idx="10"/>
+          </p:nvPr>
+        </p:nvSpPr>
+        <p:spPr/>
+        <p:txBody>
+          <a:bodyPr/>
+          <a:lstStyle/>
+          <a:p>
+            <a:fld id="{363823BE-0160-4C05-BBAD-4F985F6AD20B}" type="datetime1">
               <a:rPr lang="en-US" smtClean="0"/>
-              <a:t>Click to edit Master text styles</a:t>
-            </a:r>
-          </a:p>
-          <a:p>
-            <a:pPr lvl="1"/>
-            <a:r>
-              <a:rPr lang="en-US" smtClean="0"/>
-              <a:t>Second level</a:t>
-            </a:r>
-          </a:p>
-          <a:p>
-            <a:pPr lvl="2"/>
-            <a:r>
-              <a:rPr lang="en-US" smtClean="0"/>
-              <a:t>Third level</a:t>
-            </a:r>
-          </a:p>
-          <a:p>
-            <a:pPr lvl="3"/>
-            <a:r>
-              <a:rPr lang="en-US" smtClean="0"/>
-              <a:t>Fourth level</a:t>
-            </a:r>
-          </a:p>
-          <a:p>
-            <a:pPr lvl="4"/>
-            <a:r>
-              <a:rPr lang="en-US" smtClean="0"/>
-              <a:t>Fifth level</a:t>
-            </a:r>
-            <a:endParaRPr lang="en-US" dirty="0"/>
-          </a:p>
-        </p:txBody>
-      </p:sp>
-      <p:sp>
-        <p:nvSpPr>
-          <p:cNvPr id="7" name="Date Placeholder 6"/>
-          <p:cNvSpPr>
-            <a:spLocks noGrp="1"/>
-          </p:cNvSpPr>
-          <p:nvPr>
-            <p:ph type="dt" sz="half" idx="10"/>
-          </p:nvPr>
-        </p:nvSpPr>
-        <p:spPr/>
-        <p:txBody>
-          <a:bodyPr/>
-          <a:lstStyle/>
-          <a:p>
-            <a:fld id="{18F252B0-687D-184F-B682-0021640A5D63}" type="datetime1">
-              <a:rPr lang="en-US" smtClean="0"/>
-              <a:t>11/13/15</a:t>
+              <a:t>7/7/2016</a:t>
             </a:fld>
             <a:endParaRPr lang="en-US"/>
           </a:p>
@@ -2786,10 +5957,9 @@
           <a:lstStyle/>
           <a:p>
             <a:r>
-              <a:rPr lang="sk-SK" smtClean="0"/>
-              <a:t>© 2015 EV3Lessons.com, Last edit 11/13/2015</a:t>
-            </a:r>
-            <a:endParaRPr lang="en-US"/>
+              <a:rPr lang="en-US"/>
+              <a:t>© 2016 EV3Lessons.com, Last edit 7/06/2016</a:t>
+            </a:r>
           </a:p>
         </p:txBody>
       </p:sp>
@@ -2862,31 +6032,31 @@
           <a:lstStyle/>
           <a:p>
             <a:r>
+              <a:rPr lang="en-US"/>
+              <a:t>Click to edit Master title style</a:t>
+            </a:r>
+            <a:endParaRPr lang="en-US" dirty="0"/>
+          </a:p>
+        </p:txBody>
+      </p:sp>
+      <p:sp>
+        <p:nvSpPr>
+          <p:cNvPr id="3" name="Date Placeholder 2"/>
+          <p:cNvSpPr>
+            <a:spLocks noGrp="1"/>
+          </p:cNvSpPr>
+          <p:nvPr>
+            <p:ph type="dt" sz="half" idx="10"/>
+          </p:nvPr>
+        </p:nvSpPr>
+        <p:spPr/>
+        <p:txBody>
+          <a:bodyPr/>
+          <a:lstStyle/>
+          <a:p>
+            <a:fld id="{2E577C80-7EB0-4A40-9F78-FBECB6A4E2A0}" type="datetime1">
               <a:rPr lang="en-US" smtClean="0"/>
-              <a:t>Click to edit Master title style</a:t>
-            </a:r>
-            <a:endParaRPr lang="en-US" dirty="0"/>
-          </a:p>
-        </p:txBody>
-      </p:sp>
-      <p:sp>
-        <p:nvSpPr>
-          <p:cNvPr id="3" name="Date Placeholder 2"/>
-          <p:cNvSpPr>
-            <a:spLocks noGrp="1"/>
-          </p:cNvSpPr>
-          <p:nvPr>
-            <p:ph type="dt" sz="half" idx="10"/>
-          </p:nvPr>
-        </p:nvSpPr>
-        <p:spPr/>
-        <p:txBody>
-          <a:bodyPr/>
-          <a:lstStyle/>
-          <a:p>
-            <a:fld id="{3457AD7A-12C8-EA48-9011-B2F46261DD98}" type="datetime1">
-              <a:rPr lang="en-US" smtClean="0"/>
-              <a:t>11/13/15</a:t>
+              <a:t>7/7/2016</a:t>
             </a:fld>
             <a:endParaRPr lang="en-US"/>
           </a:p>
@@ -2908,10 +6078,9 @@
           <a:lstStyle/>
           <a:p>
             <a:r>
-              <a:rPr lang="sk-SK" smtClean="0"/>
-              <a:t>© 2015 EV3Lessons.com, Last edit 11/13/2015</a:t>
-            </a:r>
-            <a:endParaRPr lang="en-US"/>
+              <a:rPr lang="en-US"/>
+              <a:t>© 2016 EV3Lessons.com, Last edit 7/06/2016</a:t>
+            </a:r>
           </a:p>
         </p:txBody>
       </p:sp>
@@ -3059,9 +6228,9 @@
           <a:bodyPr/>
           <a:lstStyle/>
           <a:p>
-            <a:fld id="{77D3C5C7-2346-9A49-8660-921460E2744B}" type="datetime1">
+            <a:fld id="{83512A8C-5BDE-47BE-A615-2A98F073CCC3}" type="datetime1">
               <a:rPr lang="en-US" smtClean="0"/>
-              <a:t>11/13/15</a:t>
+              <a:t>7/7/2016</a:t>
             </a:fld>
             <a:endParaRPr lang="en-US"/>
           </a:p>
@@ -3091,10 +6260,9 @@
           </a:lstStyle>
           <a:p>
             <a:r>
-              <a:rPr lang="sk-SK" smtClean="0"/>
-              <a:t>© 2015 EV3Lessons.com, Last edit 11/13/2015</a:t>
-            </a:r>
-            <a:endParaRPr lang="en-US"/>
+              <a:rPr lang="en-US"/>
+              <a:t>© 2016 EV3Lessons.com, Last edit 7/06/2016</a:t>
+            </a:r>
           </a:p>
         </p:txBody>
       </p:sp>
@@ -3258,7 +6426,7 @@
           </a:lstStyle>
           <a:p>
             <a:r>
-              <a:rPr lang="en-US" smtClean="0"/>
+              <a:rPr lang="en-US"/>
               <a:t>Click to edit Master title style</a:t>
             </a:r>
             <a:endParaRPr lang="en-US" dirty="0"/>
@@ -3287,35 +6455,35 @@
           <a:p>
             <a:pPr lvl="0"/>
             <a:r>
-              <a:rPr lang="en-US" smtClean="0"/>
+              <a:rPr lang="en-US"/>
               <a:t>Click to edit Master text styles</a:t>
             </a:r>
           </a:p>
           <a:p>
             <a:pPr lvl="1"/>
             <a:r>
-              <a:rPr lang="en-US" smtClean="0"/>
+              <a:rPr lang="en-US"/>
               <a:t>Second level</a:t>
             </a:r>
           </a:p>
           <a:p>
             <a:pPr lvl="2"/>
             <a:r>
-              <a:rPr lang="en-US" smtClean="0"/>
+              <a:rPr lang="en-US"/>
               <a:t>Third level</a:t>
             </a:r>
           </a:p>
           <a:p>
             <a:pPr lvl="3"/>
             <a:r>
-              <a:rPr lang="en-US" smtClean="0"/>
+              <a:rPr lang="en-US"/>
               <a:t>Fourth level</a:t>
             </a:r>
           </a:p>
           <a:p>
             <a:pPr lvl="4"/>
             <a:r>
-              <a:rPr lang="en-US" smtClean="0"/>
+              <a:rPr lang="en-US"/>
               <a:t>Fifth level</a:t>
             </a:r>
             <a:endParaRPr lang="en-US" dirty="0"/>
@@ -3387,7 +6555,7 @@
           <a:p>
             <a:pPr lvl="0"/>
             <a:r>
-              <a:rPr lang="en-US" smtClean="0"/>
+              <a:rPr lang="en-US"/>
               <a:t>Click to edit Master text styles</a:t>
             </a:r>
           </a:p>
@@ -3417,9 +6585,9 @@
             </a:lvl1pPr>
           </a:lstStyle>
           <a:p>
-            <a:fld id="{E5A27797-1683-ED47-A74A-6DEBEDA39DC8}" type="datetime1">
+            <a:fld id="{35DE7347-0E9F-41E0-98D4-5FF50CB73EF3}" type="datetime1">
               <a:rPr lang="en-US" smtClean="0"/>
-              <a:t>11/13/15</a:t>
+              <a:t>7/7/2016</a:t>
             </a:fld>
             <a:endParaRPr lang="en-US"/>
           </a:p>
@@ -3454,10 +6622,9 @@
           </a:lstStyle>
           <a:p>
             <a:r>
-              <a:rPr lang="sk-SK" smtClean="0"/>
-              <a:t>© 2015 EV3Lessons.com, Last edit 11/13/2015</a:t>
-            </a:r>
-            <a:endParaRPr lang="en-US"/>
+              <a:rPr lang="en-US"/>
+              <a:t>© 2016 EV3Lessons.com, Last edit 7/06/2016</a:t>
+            </a:r>
           </a:p>
         </p:txBody>
       </p:sp>
@@ -3629,7 +6796,7 @@
           </a:lstStyle>
           <a:p>
             <a:r>
-              <a:rPr lang="en-US" smtClean="0"/>
+              <a:rPr lang="en-US"/>
               <a:t>Click to edit Master title style</a:t>
             </a:r>
             <a:endParaRPr lang="en-US" dirty="0"/>
@@ -3704,7 +6871,7 @@
           </a:lstStyle>
           <a:p>
             <a:r>
-              <a:rPr lang="en-US" smtClean="0"/>
+              <a:rPr lang="en-US"/>
               <a:t>Drag picture to placeholder or click icon to add</a:t>
             </a:r>
             <a:endParaRPr lang="en-US" dirty="0"/>
@@ -3782,30 +6949,30 @@
           <a:p>
             <a:pPr lvl="0"/>
             <a:r>
+              <a:rPr lang="en-US"/>
+              <a:t>Click to edit Master text styles</a:t>
+            </a:r>
+          </a:p>
+        </p:txBody>
+      </p:sp>
+      <p:sp>
+        <p:nvSpPr>
+          <p:cNvPr id="5" name="Date Placeholder 4"/>
+          <p:cNvSpPr>
+            <a:spLocks noGrp="1"/>
+          </p:cNvSpPr>
+          <p:nvPr>
+            <p:ph type="dt" sz="half" idx="10"/>
+          </p:nvPr>
+        </p:nvSpPr>
+        <p:spPr/>
+        <p:txBody>
+          <a:bodyPr/>
+          <a:lstStyle/>
+          <a:p>
+            <a:fld id="{E5671B5F-46F0-4209-9AF5-4B0FE545C394}" type="datetime1">
               <a:rPr lang="en-US" smtClean="0"/>
-              <a:t>Click to edit Master text styles</a:t>
-            </a:r>
-          </a:p>
-        </p:txBody>
-      </p:sp>
-      <p:sp>
-        <p:nvSpPr>
-          <p:cNvPr id="5" name="Date Placeholder 4"/>
-          <p:cNvSpPr>
-            <a:spLocks noGrp="1"/>
-          </p:cNvSpPr>
-          <p:nvPr>
-            <p:ph type="dt" sz="half" idx="10"/>
-          </p:nvPr>
-        </p:nvSpPr>
-        <p:spPr/>
-        <p:txBody>
-          <a:bodyPr/>
-          <a:lstStyle/>
-          <a:p>
-            <a:fld id="{9F9CFCDA-76FF-C942-8304-6FF0EF7EF019}" type="datetime1">
-              <a:rPr lang="en-US" smtClean="0"/>
-              <a:t>11/13/15</a:t>
+              <a:t>7/7/2016</a:t>
             </a:fld>
             <a:endParaRPr lang="en-US"/>
           </a:p>
@@ -3827,10 +6994,9 @@
           <a:lstStyle/>
           <a:p>
             <a:r>
-              <a:rPr lang="sk-SK" smtClean="0"/>
-              <a:t>© 2015 EV3Lessons.com, Last edit 11/13/2015</a:t>
-            </a:r>
-            <a:endParaRPr lang="en-US"/>
+              <a:rPr lang="en-US"/>
+              <a:t>© 2016 EV3Lessons.com, Last edit 7/06/2016</a:t>
+            </a:r>
           </a:p>
         </p:txBody>
       </p:sp>
@@ -3996,7 +7162,7 @@
           <a:lstStyle/>
           <a:p>
             <a:r>
-              <a:rPr lang="en-US" smtClean="0"/>
+              <a:rPr lang="en-US"/>
               <a:t>Click to edit Master title style</a:t>
             </a:r>
             <a:endParaRPr lang="en-US" dirty="0"/>
@@ -4030,35 +7196,35 @@
           <a:p>
             <a:pPr lvl="0"/>
             <a:r>
-              <a:rPr lang="en-US" smtClean="0"/>
+              <a:rPr lang="en-US"/>
               <a:t>Click to edit Master text styles</a:t>
             </a:r>
           </a:p>
           <a:p>
             <a:pPr lvl="1"/>
             <a:r>
-              <a:rPr lang="en-US" smtClean="0"/>
+              <a:rPr lang="en-US"/>
               <a:t>Second level</a:t>
             </a:r>
           </a:p>
           <a:p>
             <a:pPr lvl="2"/>
             <a:r>
-              <a:rPr lang="en-US" smtClean="0"/>
+              <a:rPr lang="en-US"/>
               <a:t>Third level</a:t>
             </a:r>
           </a:p>
           <a:p>
             <a:pPr lvl="3"/>
             <a:r>
-              <a:rPr lang="en-US" smtClean="0"/>
+              <a:rPr lang="en-US"/>
               <a:t>Fourth level</a:t>
             </a:r>
           </a:p>
           <a:p>
             <a:pPr lvl="4"/>
             <a:r>
-              <a:rPr lang="en-US" smtClean="0"/>
+              <a:rPr lang="en-US"/>
               <a:t>Fifth level</a:t>
             </a:r>
             <a:endParaRPr lang="en-US" dirty="0"/>
@@ -4096,9 +7262,9 @@
             </a:lvl1pPr>
           </a:lstStyle>
           <a:p>
-            <a:fld id="{0604F77D-FCB8-A946-86A9-D14BD65D0D3D}" type="datetime1">
+            <a:fld id="{EBD8396B-2487-4704-99BF-4ABC128C85D9}" type="datetime1">
               <a:rPr lang="en-US" smtClean="0"/>
-              <a:t>11/13/15</a:t>
+              <a:t>7/7/2016</a:t>
             </a:fld>
             <a:endParaRPr lang="en-US" dirty="0"/>
           </a:p>
@@ -4136,8 +7302,8 @@
           </a:lstStyle>
           <a:p>
             <a:r>
-              <a:rPr lang="sk-SK" smtClean="0"/>
-              <a:t>© 2015 EV3Lessons.com, Last edit 11/13/2015</a:t>
+              <a:rPr lang="en-US"/>
+              <a:t>© 2016 EV3Lessons.com, Last edit 7/06/2016</a:t>
             </a:r>
             <a:endParaRPr lang="en-US" dirty="0"/>
           </a:p>
@@ -4279,7 +7445,823 @@
     <p:sldLayoutId id="2147483845" r:id="rId10"/>
     <p:sldLayoutId id="2147483846" r:id="rId11"/>
   </p:sldLayoutIdLst>
-  <p:hf hdr="0" dt="0"/>
+  <p:hf sldNum="0" hdr="0" dt="0"/>
+  <p:txStyles>
+    <p:titleStyle>
+      <a:lvl1pPr algn="l" defTabSz="914400" rtl="0" eaLnBrk="1" latinLnBrk="0" hangingPunct="1">
+        <a:lnSpc>
+          <a:spcPct val="85000"/>
+        </a:lnSpc>
+        <a:spcBef>
+          <a:spcPct val="0"/>
+        </a:spcBef>
+        <a:buNone/>
+        <a:defRPr sz="4800" kern="1200" spc="-50" baseline="0">
+          <a:solidFill>
+            <a:schemeClr val="tx1">
+              <a:lumMod val="75000"/>
+              <a:lumOff val="25000"/>
+            </a:schemeClr>
+          </a:solidFill>
+          <a:latin typeface="+mj-lt"/>
+          <a:ea typeface="+mj-ea"/>
+          <a:cs typeface="+mj-cs"/>
+        </a:defRPr>
+      </a:lvl1pPr>
+    </p:titleStyle>
+    <p:bodyStyle>
+      <a:lvl1pPr marL="91440" indent="-91440" algn="l" defTabSz="914400" rtl="0" eaLnBrk="1" latinLnBrk="0" hangingPunct="1">
+        <a:lnSpc>
+          <a:spcPct val="90000"/>
+        </a:lnSpc>
+        <a:spcBef>
+          <a:spcPts val="1200"/>
+        </a:spcBef>
+        <a:spcAft>
+          <a:spcPts val="200"/>
+        </a:spcAft>
+        <a:buClr>
+          <a:schemeClr val="accent1"/>
+        </a:buClr>
+        <a:buSzPct val="100000"/>
+        <a:buFont typeface="Calibri" panose="020F0502020204030204" pitchFamily="34" charset="0"/>
+        <a:buChar char=" "/>
+        <a:defRPr sz="2000" kern="1200">
+          <a:solidFill>
+            <a:schemeClr val="tx1">
+              <a:lumMod val="75000"/>
+              <a:lumOff val="25000"/>
+            </a:schemeClr>
+          </a:solidFill>
+          <a:latin typeface="+mn-lt"/>
+          <a:ea typeface="+mn-ea"/>
+          <a:cs typeface="+mn-cs"/>
+        </a:defRPr>
+      </a:lvl1pPr>
+      <a:lvl2pPr marL="384048" indent="-182880" algn="l" defTabSz="914400" rtl="0" eaLnBrk="1" latinLnBrk="0" hangingPunct="1">
+        <a:lnSpc>
+          <a:spcPct val="90000"/>
+        </a:lnSpc>
+        <a:spcBef>
+          <a:spcPts val="200"/>
+        </a:spcBef>
+        <a:spcAft>
+          <a:spcPts val="400"/>
+        </a:spcAft>
+        <a:buClr>
+          <a:schemeClr val="accent1"/>
+        </a:buClr>
+        <a:buFont typeface="Calibri" pitchFamily="34" charset="0"/>
+        <a:buChar char="◦"/>
+        <a:defRPr sz="1800" kern="1200">
+          <a:solidFill>
+            <a:schemeClr val="tx1">
+              <a:lumMod val="75000"/>
+              <a:lumOff val="25000"/>
+            </a:schemeClr>
+          </a:solidFill>
+          <a:latin typeface="+mn-lt"/>
+          <a:ea typeface="+mn-ea"/>
+          <a:cs typeface="+mn-cs"/>
+        </a:defRPr>
+      </a:lvl2pPr>
+      <a:lvl3pPr marL="566928" indent="-182880" algn="l" defTabSz="914400" rtl="0" eaLnBrk="1" latinLnBrk="0" hangingPunct="1">
+        <a:lnSpc>
+          <a:spcPct val="90000"/>
+        </a:lnSpc>
+        <a:spcBef>
+          <a:spcPts val="200"/>
+        </a:spcBef>
+        <a:spcAft>
+          <a:spcPts val="400"/>
+        </a:spcAft>
+        <a:buClr>
+          <a:schemeClr val="accent1"/>
+        </a:buClr>
+        <a:buFont typeface="Calibri" pitchFamily="34" charset="0"/>
+        <a:buChar char="◦"/>
+        <a:defRPr sz="1400" kern="1200">
+          <a:solidFill>
+            <a:schemeClr val="tx1">
+              <a:lumMod val="75000"/>
+              <a:lumOff val="25000"/>
+            </a:schemeClr>
+          </a:solidFill>
+          <a:latin typeface="+mn-lt"/>
+          <a:ea typeface="+mn-ea"/>
+          <a:cs typeface="+mn-cs"/>
+        </a:defRPr>
+      </a:lvl3pPr>
+      <a:lvl4pPr marL="749808" indent="-182880" algn="l" defTabSz="914400" rtl="0" eaLnBrk="1" latinLnBrk="0" hangingPunct="1">
+        <a:lnSpc>
+          <a:spcPct val="90000"/>
+        </a:lnSpc>
+        <a:spcBef>
+          <a:spcPts val="200"/>
+        </a:spcBef>
+        <a:spcAft>
+          <a:spcPts val="400"/>
+        </a:spcAft>
+        <a:buClr>
+          <a:schemeClr val="accent1"/>
+        </a:buClr>
+        <a:buFont typeface="Calibri" pitchFamily="34" charset="0"/>
+        <a:buChar char="◦"/>
+        <a:defRPr sz="1400" kern="1200">
+          <a:solidFill>
+            <a:schemeClr val="tx1">
+              <a:lumMod val="75000"/>
+              <a:lumOff val="25000"/>
+            </a:schemeClr>
+          </a:solidFill>
+          <a:latin typeface="+mn-lt"/>
+          <a:ea typeface="+mn-ea"/>
+          <a:cs typeface="+mn-cs"/>
+        </a:defRPr>
+      </a:lvl4pPr>
+      <a:lvl5pPr marL="932688" indent="-182880" algn="l" defTabSz="914400" rtl="0" eaLnBrk="1" latinLnBrk="0" hangingPunct="1">
+        <a:lnSpc>
+          <a:spcPct val="90000"/>
+        </a:lnSpc>
+        <a:spcBef>
+          <a:spcPts val="200"/>
+        </a:spcBef>
+        <a:spcAft>
+          <a:spcPts val="400"/>
+        </a:spcAft>
+        <a:buClr>
+          <a:schemeClr val="accent1"/>
+        </a:buClr>
+        <a:buFont typeface="Calibri" pitchFamily="34" charset="0"/>
+        <a:buChar char="◦"/>
+        <a:defRPr sz="1400" kern="1200">
+          <a:solidFill>
+            <a:schemeClr val="tx1">
+              <a:lumMod val="75000"/>
+              <a:lumOff val="25000"/>
+            </a:schemeClr>
+          </a:solidFill>
+          <a:latin typeface="+mn-lt"/>
+          <a:ea typeface="+mn-ea"/>
+          <a:cs typeface="+mn-cs"/>
+        </a:defRPr>
+      </a:lvl5pPr>
+      <a:lvl6pPr marL="1100000" indent="-228600" algn="l" defTabSz="914400" rtl="0" eaLnBrk="1" latinLnBrk="0" hangingPunct="1">
+        <a:lnSpc>
+          <a:spcPct val="90000"/>
+        </a:lnSpc>
+        <a:spcBef>
+          <a:spcPts val="200"/>
+        </a:spcBef>
+        <a:spcAft>
+          <a:spcPts val="400"/>
+        </a:spcAft>
+        <a:buClr>
+          <a:schemeClr val="accent1"/>
+        </a:buClr>
+        <a:buFont typeface="Calibri" pitchFamily="34" charset="0"/>
+        <a:buChar char="◦"/>
+        <a:defRPr sz="1400" kern="1200">
+          <a:solidFill>
+            <a:schemeClr val="tx1">
+              <a:lumMod val="75000"/>
+              <a:lumOff val="25000"/>
+            </a:schemeClr>
+          </a:solidFill>
+          <a:latin typeface="+mn-lt"/>
+          <a:ea typeface="+mn-ea"/>
+          <a:cs typeface="+mn-cs"/>
+        </a:defRPr>
+      </a:lvl6pPr>
+      <a:lvl7pPr marL="1300000" indent="-228600" algn="l" defTabSz="914400" rtl="0" eaLnBrk="1" latinLnBrk="0" hangingPunct="1">
+        <a:lnSpc>
+          <a:spcPct val="90000"/>
+        </a:lnSpc>
+        <a:spcBef>
+          <a:spcPts val="200"/>
+        </a:spcBef>
+        <a:spcAft>
+          <a:spcPts val="400"/>
+        </a:spcAft>
+        <a:buClr>
+          <a:schemeClr val="accent1"/>
+        </a:buClr>
+        <a:buFont typeface="Calibri" pitchFamily="34" charset="0"/>
+        <a:buChar char="◦"/>
+        <a:defRPr sz="1400" kern="1200">
+          <a:solidFill>
+            <a:schemeClr val="tx1">
+              <a:lumMod val="75000"/>
+              <a:lumOff val="25000"/>
+            </a:schemeClr>
+          </a:solidFill>
+          <a:latin typeface="+mn-lt"/>
+          <a:ea typeface="+mn-ea"/>
+          <a:cs typeface="+mn-cs"/>
+        </a:defRPr>
+      </a:lvl7pPr>
+      <a:lvl8pPr marL="1500000" indent="-228600" algn="l" defTabSz="914400" rtl="0" eaLnBrk="1" latinLnBrk="0" hangingPunct="1">
+        <a:lnSpc>
+          <a:spcPct val="90000"/>
+        </a:lnSpc>
+        <a:spcBef>
+          <a:spcPts val="200"/>
+        </a:spcBef>
+        <a:spcAft>
+          <a:spcPts val="400"/>
+        </a:spcAft>
+        <a:buClr>
+          <a:schemeClr val="accent1"/>
+        </a:buClr>
+        <a:buFont typeface="Calibri" pitchFamily="34" charset="0"/>
+        <a:buChar char="◦"/>
+        <a:defRPr sz="1400" kern="1200">
+          <a:solidFill>
+            <a:schemeClr val="tx1">
+              <a:lumMod val="75000"/>
+              <a:lumOff val="25000"/>
+            </a:schemeClr>
+          </a:solidFill>
+          <a:latin typeface="+mn-lt"/>
+          <a:ea typeface="+mn-ea"/>
+          <a:cs typeface="+mn-cs"/>
+        </a:defRPr>
+      </a:lvl8pPr>
+      <a:lvl9pPr marL="1700000" indent="-228600" algn="l" defTabSz="914400" rtl="0" eaLnBrk="1" latinLnBrk="0" hangingPunct="1">
+        <a:lnSpc>
+          <a:spcPct val="90000"/>
+        </a:lnSpc>
+        <a:spcBef>
+          <a:spcPts val="200"/>
+        </a:spcBef>
+        <a:spcAft>
+          <a:spcPts val="400"/>
+        </a:spcAft>
+        <a:buClr>
+          <a:schemeClr val="accent1"/>
+        </a:buClr>
+        <a:buFont typeface="Calibri" pitchFamily="34" charset="0"/>
+        <a:buChar char="◦"/>
+        <a:defRPr sz="1400" kern="1200">
+          <a:solidFill>
+            <a:schemeClr val="tx1">
+              <a:lumMod val="75000"/>
+              <a:lumOff val="25000"/>
+            </a:schemeClr>
+          </a:solidFill>
+          <a:latin typeface="+mn-lt"/>
+          <a:ea typeface="+mn-ea"/>
+          <a:cs typeface="+mn-cs"/>
+        </a:defRPr>
+      </a:lvl9pPr>
+    </p:bodyStyle>
+    <p:otherStyle>
+      <a:defPPr>
+        <a:defRPr lang="en-US"/>
+      </a:defPPr>
+      <a:lvl1pPr marL="0" algn="l" defTabSz="914400" rtl="0" eaLnBrk="1" latinLnBrk="0" hangingPunct="1">
+        <a:defRPr sz="1800" kern="1200">
+          <a:solidFill>
+            <a:schemeClr val="tx1"/>
+          </a:solidFill>
+          <a:latin typeface="+mn-lt"/>
+          <a:ea typeface="+mn-ea"/>
+          <a:cs typeface="+mn-cs"/>
+        </a:defRPr>
+      </a:lvl1pPr>
+      <a:lvl2pPr marL="457200" algn="l" defTabSz="914400" rtl="0" eaLnBrk="1" latinLnBrk="0" hangingPunct="1">
+        <a:defRPr sz="1800" kern="1200">
+          <a:solidFill>
+            <a:schemeClr val="tx1"/>
+          </a:solidFill>
+          <a:latin typeface="+mn-lt"/>
+          <a:ea typeface="+mn-ea"/>
+          <a:cs typeface="+mn-cs"/>
+        </a:defRPr>
+      </a:lvl2pPr>
+      <a:lvl3pPr marL="914400" algn="l" defTabSz="914400" rtl="0" eaLnBrk="1" latinLnBrk="0" hangingPunct="1">
+        <a:defRPr sz="1800" kern="1200">
+          <a:solidFill>
+            <a:schemeClr val="tx1"/>
+          </a:solidFill>
+          <a:latin typeface="+mn-lt"/>
+          <a:ea typeface="+mn-ea"/>
+          <a:cs typeface="+mn-cs"/>
+        </a:defRPr>
+      </a:lvl3pPr>
+      <a:lvl4pPr marL="1371600" algn="l" defTabSz="914400" rtl="0" eaLnBrk="1" latinLnBrk="0" hangingPunct="1">
+        <a:defRPr sz="1800" kern="1200">
+          <a:solidFill>
+            <a:schemeClr val="tx1"/>
+          </a:solidFill>
+          <a:latin typeface="+mn-lt"/>
+          <a:ea typeface="+mn-ea"/>
+          <a:cs typeface="+mn-cs"/>
+        </a:defRPr>
+      </a:lvl4pPr>
+      <a:lvl5pPr marL="1828800" algn="l" defTabSz="914400" rtl="0" eaLnBrk="1" latinLnBrk="0" hangingPunct="1">
+        <a:defRPr sz="1800" kern="1200">
+          <a:solidFill>
+            <a:schemeClr val="tx1"/>
+          </a:solidFill>
+          <a:latin typeface="+mn-lt"/>
+          <a:ea typeface="+mn-ea"/>
+          <a:cs typeface="+mn-cs"/>
+        </a:defRPr>
+      </a:lvl5pPr>
+      <a:lvl6pPr marL="2286000" algn="l" defTabSz="914400" rtl="0" eaLnBrk="1" latinLnBrk="0" hangingPunct="1">
+        <a:defRPr sz="1800" kern="1200">
+          <a:solidFill>
+            <a:schemeClr val="tx1"/>
+          </a:solidFill>
+          <a:latin typeface="+mn-lt"/>
+          <a:ea typeface="+mn-ea"/>
+          <a:cs typeface="+mn-cs"/>
+        </a:defRPr>
+      </a:lvl6pPr>
+      <a:lvl7pPr marL="2743200" algn="l" defTabSz="914400" rtl="0" eaLnBrk="1" latinLnBrk="0" hangingPunct="1">
+        <a:defRPr sz="1800" kern="1200">
+          <a:solidFill>
+            <a:schemeClr val="tx1"/>
+          </a:solidFill>
+          <a:latin typeface="+mn-lt"/>
+          <a:ea typeface="+mn-ea"/>
+          <a:cs typeface="+mn-cs"/>
+        </a:defRPr>
+      </a:lvl7pPr>
+      <a:lvl8pPr marL="3200400" algn="l" defTabSz="914400" rtl="0" eaLnBrk="1" latinLnBrk="0" hangingPunct="1">
+        <a:defRPr sz="1800" kern="1200">
+          <a:solidFill>
+            <a:schemeClr val="tx1"/>
+          </a:solidFill>
+          <a:latin typeface="+mn-lt"/>
+          <a:ea typeface="+mn-ea"/>
+          <a:cs typeface="+mn-cs"/>
+        </a:defRPr>
+      </a:lvl8pPr>
+      <a:lvl9pPr marL="3657600" algn="l" defTabSz="914400" rtl="0" eaLnBrk="1" latinLnBrk="0" hangingPunct="1">
+        <a:defRPr sz="1800" kern="1200">
+          <a:solidFill>
+            <a:schemeClr val="tx1"/>
+          </a:solidFill>
+          <a:latin typeface="+mn-lt"/>
+          <a:ea typeface="+mn-ea"/>
+          <a:cs typeface="+mn-cs"/>
+        </a:defRPr>
+      </a:lvl9pPr>
+    </p:otherStyle>
+  </p:txStyles>
+</p:sldMaster>
+</file>
+
+<file path=ppt/slideMasters/slideMaster2.xml><?xml version="1.0" encoding="utf-8"?>
+<p:sldMaster xmlns:a="http://schemas.openxmlformats.org/drawingml/2006/main" xmlns:r="http://schemas.openxmlformats.org/officeDocument/2006/relationships" xmlns:p="http://schemas.openxmlformats.org/presentationml/2006/main" preserve="1">
+  <p:cSld>
+    <p:bg>
+      <p:bgRef idx="1001">
+        <a:schemeClr val="bg1"/>
+      </p:bgRef>
+    </p:bg>
+    <p:spTree>
+      <p:nvGrpSpPr>
+        <p:cNvPr id="1" name=""/>
+        <p:cNvGrpSpPr/>
+        <p:nvPr/>
+      </p:nvGrpSpPr>
+      <p:grpSpPr>
+        <a:xfrm>
+          <a:off x="0" y="0"/>
+          <a:ext cx="0" cy="0"/>
+          <a:chOff x="0" y="0"/>
+          <a:chExt cx="0" cy="0"/>
+        </a:xfrm>
+      </p:grpSpPr>
+      <p:sp>
+        <p:nvSpPr>
+          <p:cNvPr id="7" name="Rectangle 6"/>
+          <p:cNvSpPr/>
+          <p:nvPr/>
+        </p:nvSpPr>
+        <p:spPr>
+          <a:xfrm>
+            <a:off x="0" y="6400800"/>
+            <a:ext cx="9144001" cy="457200"/>
+          </a:xfrm>
+          <a:prstGeom prst="rect">
+            <a:avLst/>
+          </a:prstGeom>
+          <a:solidFill>
+            <a:srgbClr val="0070C0"/>
+          </a:solidFill>
+          <a:ln>
+            <a:solidFill>
+              <a:srgbClr val="0070C0"/>
+            </a:solidFill>
+          </a:ln>
+        </p:spPr>
+        <p:style>
+          <a:lnRef idx="2">
+            <a:schemeClr val="accent1">
+              <a:shade val="50000"/>
+            </a:schemeClr>
+          </a:lnRef>
+          <a:fillRef idx="1">
+            <a:schemeClr val="accent1"/>
+          </a:fillRef>
+          <a:effectRef idx="0">
+            <a:schemeClr val="accent1"/>
+          </a:effectRef>
+          <a:fontRef idx="minor">
+            <a:schemeClr val="lt1"/>
+          </a:fontRef>
+        </p:style>
+      </p:sp>
+      <p:sp>
+        <p:nvSpPr>
+          <p:cNvPr id="9" name="Rectangle 8"/>
+          <p:cNvSpPr/>
+          <p:nvPr/>
+        </p:nvSpPr>
+        <p:spPr>
+          <a:xfrm>
+            <a:off x="0" y="6334315"/>
+            <a:ext cx="4487333" cy="92382"/>
+          </a:xfrm>
+          <a:prstGeom prst="rect">
+            <a:avLst/>
+          </a:prstGeom>
+          <a:solidFill>
+            <a:srgbClr val="00B050"/>
+          </a:solidFill>
+          <a:ln>
+            <a:noFill/>
+          </a:ln>
+        </p:spPr>
+        <p:style>
+          <a:lnRef idx="2">
+            <a:schemeClr val="accent1">
+              <a:shade val="50000"/>
+            </a:schemeClr>
+          </a:lnRef>
+          <a:fillRef idx="1">
+            <a:schemeClr val="accent1"/>
+          </a:fillRef>
+          <a:effectRef idx="0">
+            <a:schemeClr val="accent1"/>
+          </a:effectRef>
+          <a:fontRef idx="minor">
+            <a:schemeClr val="lt1"/>
+          </a:fontRef>
+        </p:style>
+      </p:sp>
+      <p:sp>
+        <p:nvSpPr>
+          <p:cNvPr id="2" name="Title Placeholder 1"/>
+          <p:cNvSpPr>
+            <a:spLocks noGrp="1"/>
+          </p:cNvSpPr>
+          <p:nvPr>
+            <p:ph type="title"/>
+          </p:nvPr>
+        </p:nvSpPr>
+        <p:spPr>
+          <a:xfrm>
+            <a:off x="227874" y="287088"/>
+            <a:ext cx="8596812" cy="874055"/>
+          </a:xfrm>
+          <a:prstGeom prst="rect">
+            <a:avLst/>
+          </a:prstGeom>
+        </p:spPr>
+        <p:txBody>
+          <a:bodyPr vert="horz" lIns="91440" tIns="45720" rIns="91440" bIns="45720" rtlCol="0" anchor="b">
+            <a:normAutofit/>
+          </a:bodyPr>
+          <a:lstStyle/>
+          <a:p>
+            <a:r>
+              <a:rPr lang="en-US"/>
+              <a:t>Click to edit Master title style</a:t>
+            </a:r>
+            <a:endParaRPr lang="en-US" dirty="0"/>
+          </a:p>
+        </p:txBody>
+      </p:sp>
+      <p:sp>
+        <p:nvSpPr>
+          <p:cNvPr id="3" name="Text Placeholder 2"/>
+          <p:cNvSpPr>
+            <a:spLocks noGrp="1"/>
+          </p:cNvSpPr>
+          <p:nvPr>
+            <p:ph type="body" idx="1"/>
+          </p:nvPr>
+        </p:nvSpPr>
+        <p:spPr>
+          <a:xfrm>
+            <a:off x="227874" y="1505616"/>
+            <a:ext cx="8596811" cy="4654528"/>
+          </a:xfrm>
+          <a:prstGeom prst="rect">
+            <a:avLst/>
+          </a:prstGeom>
+        </p:spPr>
+        <p:txBody>
+          <a:bodyPr vert="horz" lIns="0" tIns="45720" rIns="0" bIns="45720" rtlCol="0">
+            <a:normAutofit/>
+          </a:bodyPr>
+          <a:lstStyle/>
+          <a:p>
+            <a:pPr lvl="0"/>
+            <a:r>
+              <a:rPr lang="en-US"/>
+              <a:t>Edit Master text styles</a:t>
+            </a:r>
+          </a:p>
+          <a:p>
+            <a:pPr lvl="1"/>
+            <a:r>
+              <a:rPr lang="en-US"/>
+              <a:t>Second level</a:t>
+            </a:r>
+          </a:p>
+          <a:p>
+            <a:pPr lvl="2"/>
+            <a:r>
+              <a:rPr lang="en-US"/>
+              <a:t>Third level</a:t>
+            </a:r>
+          </a:p>
+          <a:p>
+            <a:pPr lvl="3"/>
+            <a:r>
+              <a:rPr lang="en-US"/>
+              <a:t>Fourth level</a:t>
+            </a:r>
+          </a:p>
+          <a:p>
+            <a:pPr lvl="4"/>
+            <a:r>
+              <a:rPr lang="en-US"/>
+              <a:t>Fifth level</a:t>
+            </a:r>
+            <a:endParaRPr lang="en-US" dirty="0"/>
+          </a:p>
+        </p:txBody>
+      </p:sp>
+      <p:sp>
+        <p:nvSpPr>
+          <p:cNvPr id="4" name="Date Placeholder 3"/>
+          <p:cNvSpPr>
+            <a:spLocks noGrp="1"/>
+          </p:cNvSpPr>
+          <p:nvPr>
+            <p:ph type="dt" sz="half" idx="2"/>
+          </p:nvPr>
+        </p:nvSpPr>
+        <p:spPr>
+          <a:xfrm>
+            <a:off x="822961" y="6459786"/>
+            <a:ext cx="1854203" cy="365125"/>
+          </a:xfrm>
+          <a:prstGeom prst="rect">
+            <a:avLst/>
+          </a:prstGeom>
+        </p:spPr>
+        <p:txBody>
+          <a:bodyPr vert="horz" lIns="91440" tIns="45720" rIns="91440" bIns="45720" rtlCol="0" anchor="ctr"/>
+          <a:lstStyle>
+            <a:lvl1pPr algn="l">
+              <a:defRPr sz="900">
+                <a:solidFill>
+                  <a:srgbClr val="FFFFFF"/>
+                </a:solidFill>
+              </a:defRPr>
+            </a:lvl1pPr>
+          </a:lstStyle>
+          <a:p>
+            <a:fld id="{805BAC59-BD9B-4742-AF2F-3BADDFCE3F7E}" type="datetime1">
+              <a:rPr lang="en-US" smtClean="0"/>
+              <a:t>7/7/2016</a:t>
+            </a:fld>
+            <a:endParaRPr lang="en-US" dirty="0"/>
+          </a:p>
+        </p:txBody>
+      </p:sp>
+      <p:sp>
+        <p:nvSpPr>
+          <p:cNvPr id="5" name="Footer Placeholder 4"/>
+          <p:cNvSpPr>
+            <a:spLocks noGrp="1"/>
+          </p:cNvSpPr>
+          <p:nvPr>
+            <p:ph type="ftr" sz="quarter" idx="3"/>
+          </p:nvPr>
+        </p:nvSpPr>
+        <p:spPr>
+          <a:xfrm>
+            <a:off x="2764639" y="6459786"/>
+            <a:ext cx="3617103" cy="365125"/>
+          </a:xfrm>
+          <a:prstGeom prst="rect">
+            <a:avLst/>
+          </a:prstGeom>
+        </p:spPr>
+        <p:txBody>
+          <a:bodyPr vert="horz" lIns="91440" tIns="45720" rIns="91440" bIns="45720" rtlCol="0" anchor="ctr"/>
+          <a:lstStyle>
+            <a:lvl1pPr algn="ctr">
+              <a:defRPr sz="900" cap="all" baseline="0">
+                <a:solidFill>
+                  <a:srgbClr val="FFFFFF"/>
+                </a:solidFill>
+              </a:defRPr>
+            </a:lvl1pPr>
+          </a:lstStyle>
+          <a:p>
+            <a:r>
+              <a:rPr lang="en-US"/>
+              <a:t>© 2016 EV3Lessons.com, Last edit 7/06/2016</a:t>
+            </a:r>
+            <a:endParaRPr lang="en-US" dirty="0"/>
+          </a:p>
+        </p:txBody>
+      </p:sp>
+      <p:sp>
+        <p:nvSpPr>
+          <p:cNvPr id="6" name="Slide Number Placeholder 5"/>
+          <p:cNvSpPr>
+            <a:spLocks noGrp="1"/>
+          </p:cNvSpPr>
+          <p:nvPr>
+            <p:ph type="sldNum" sz="quarter" idx="4"/>
+          </p:nvPr>
+        </p:nvSpPr>
+        <p:spPr>
+          <a:xfrm>
+            <a:off x="7425344" y="6459786"/>
+            <a:ext cx="984019" cy="365125"/>
+          </a:xfrm>
+          <a:prstGeom prst="rect">
+            <a:avLst/>
+          </a:prstGeom>
+        </p:spPr>
+        <p:txBody>
+          <a:bodyPr vert="horz" lIns="91440" tIns="45720" rIns="91440" bIns="45720" rtlCol="0" anchor="ctr"/>
+          <a:lstStyle>
+            <a:lvl1pPr algn="r">
+              <a:defRPr sz="1050">
+                <a:solidFill>
+                  <a:srgbClr val="FFFFFF"/>
+                </a:solidFill>
+              </a:defRPr>
+            </a:lvl1pPr>
+          </a:lstStyle>
+          <a:p>
+            <a:fld id="{4382A7F7-08BF-4252-8141-63FB96055BBB}" type="slidenum">
+              <a:rPr lang="en-US" smtClean="0"/>
+              <a:t>‹#›</a:t>
+            </a:fld>
+            <a:endParaRPr lang="en-US"/>
+          </a:p>
+        </p:txBody>
+      </p:sp>
+      <p:cxnSp>
+        <p:nvCxnSpPr>
+          <p:cNvPr id="10" name="Straight Connector 9"/>
+          <p:cNvCxnSpPr/>
+          <p:nvPr/>
+        </p:nvCxnSpPr>
+        <p:spPr>
+          <a:xfrm flipV="1">
+            <a:off x="227874" y="1335314"/>
+            <a:ext cx="8596811" cy="1"/>
+          </a:xfrm>
+          <a:prstGeom prst="line">
+            <a:avLst/>
+          </a:prstGeom>
+          <a:ln w="6350">
+            <a:solidFill>
+              <a:schemeClr val="tx1">
+                <a:lumMod val="50000"/>
+                <a:lumOff val="50000"/>
+              </a:schemeClr>
+            </a:solidFill>
+          </a:ln>
+        </p:spPr>
+        <p:style>
+          <a:lnRef idx="1">
+            <a:schemeClr val="accent1"/>
+          </a:lnRef>
+          <a:fillRef idx="0">
+            <a:schemeClr val="accent1"/>
+          </a:fillRef>
+          <a:effectRef idx="0">
+            <a:schemeClr val="accent1"/>
+          </a:effectRef>
+          <a:fontRef idx="minor">
+            <a:schemeClr val="tx1"/>
+          </a:fontRef>
+        </p:style>
+      </p:cxnSp>
+      <p:sp>
+        <p:nvSpPr>
+          <p:cNvPr id="11" name="Rectangle 10"/>
+          <p:cNvSpPr/>
+          <p:nvPr/>
+        </p:nvSpPr>
+        <p:spPr>
+          <a:xfrm>
+            <a:off x="4487333" y="6334315"/>
+            <a:ext cx="4656667" cy="92382"/>
+          </a:xfrm>
+          <a:prstGeom prst="rect">
+            <a:avLst/>
+          </a:prstGeom>
+          <a:solidFill>
+            <a:srgbClr val="7030A0"/>
+          </a:solidFill>
+          <a:ln>
+            <a:noFill/>
+          </a:ln>
+        </p:spPr>
+        <p:style>
+          <a:lnRef idx="2">
+            <a:schemeClr val="accent1">
+              <a:shade val="50000"/>
+            </a:schemeClr>
+          </a:lnRef>
+          <a:fillRef idx="1">
+            <a:schemeClr val="accent1"/>
+          </a:fillRef>
+          <a:effectRef idx="0">
+            <a:schemeClr val="accent1"/>
+          </a:effectRef>
+          <a:fontRef idx="minor">
+            <a:schemeClr val="lt1"/>
+          </a:fontRef>
+        </p:style>
+      </p:sp>
+      <p:sp>
+        <p:nvSpPr>
+          <p:cNvPr id="12" name="Rectangle 11"/>
+          <p:cNvSpPr/>
+          <p:nvPr userDrawn="1"/>
+        </p:nvSpPr>
+        <p:spPr>
+          <a:xfrm>
+            <a:off x="4487333" y="6334315"/>
+            <a:ext cx="4656667" cy="92382"/>
+          </a:xfrm>
+          <a:prstGeom prst="rect">
+            <a:avLst/>
+          </a:prstGeom>
+          <a:solidFill>
+            <a:srgbClr val="7030A0"/>
+          </a:solidFill>
+          <a:ln>
+            <a:noFill/>
+          </a:ln>
+        </p:spPr>
+        <p:style>
+          <a:lnRef idx="2">
+            <a:schemeClr val="accent1">
+              <a:shade val="50000"/>
+            </a:schemeClr>
+          </a:lnRef>
+          <a:fillRef idx="1">
+            <a:schemeClr val="accent1"/>
+          </a:fillRef>
+          <a:effectRef idx="0">
+            <a:schemeClr val="accent1"/>
+          </a:effectRef>
+          <a:fontRef idx="minor">
+            <a:schemeClr val="lt1"/>
+          </a:fontRef>
+        </p:style>
+      </p:sp>
+    </p:spTree>
+    <p:extLst>
+      <p:ext uri="{BB962C8B-B14F-4D97-AF65-F5344CB8AC3E}">
+        <p14:creationId xmlns:p14="http://schemas.microsoft.com/office/powerpoint/2010/main" val="1566557147"/>
+      </p:ext>
+    </p:extLst>
+  </p:cSld>
+  <p:clrMap bg1="lt1" tx1="dk1" bg2="lt2" tx2="dk2" accent1="accent1" accent2="accent2" accent3="accent3" accent4="accent4" accent5="accent5" accent6="accent6" hlink="hlink" folHlink="folHlink"/>
+  <p:sldLayoutIdLst>
+    <p:sldLayoutId id="2147483848" r:id="rId1"/>
+    <p:sldLayoutId id="2147483849" r:id="rId2"/>
+    <p:sldLayoutId id="2147483850" r:id="rId3"/>
+    <p:sldLayoutId id="2147483851" r:id="rId4"/>
+    <p:sldLayoutId id="2147483852" r:id="rId5"/>
+    <p:sldLayoutId id="2147483853" r:id="rId6"/>
+    <p:sldLayoutId id="2147483854" r:id="rId7"/>
+    <p:sldLayoutId id="2147483855" r:id="rId8"/>
+    <p:sldLayoutId id="2147483856" r:id="rId9"/>
+    <p:sldLayoutId id="2147483857" r:id="rId10"/>
+    <p:sldLayoutId id="2147483858" r:id="rId11"/>
+  </p:sldLayoutIdLst>
+  <p:hf sldNum="0" hdr="0" dt="0"/>
   <p:txStyles>
     <p:titleStyle>
       <a:lvl1pPr algn="l" defTabSz="914400" rtl="0" eaLnBrk="1" latinLnBrk="0" hangingPunct="1">
@@ -4678,15 +8660,14 @@
         <p:spPr/>
         <p:txBody>
           <a:bodyPr>
-            <a:normAutofit fontScale="90000"/>
+            <a:normAutofit/>
           </a:bodyPr>
           <a:lstStyle/>
           <a:p>
             <a:r>
-              <a:rPr lang="en-US" dirty="0" smtClean="0"/>
+              <a:rPr lang="en-US" dirty="0"/>
               <a:t>INTERMEDIATE PROGRAMMING LESSON</a:t>
             </a:r>
-            <a:endParaRPr lang="en-US" dirty="0"/>
           </a:p>
         </p:txBody>
       </p:sp>
@@ -4708,10 +8689,9 @@
           <a:lstStyle/>
           <a:p>
             <a:r>
-              <a:rPr lang="en-US" dirty="0" smtClean="0"/>
+              <a:rPr lang="en-US" dirty="0"/>
               <a:t>Infrared sensor</a:t>
             </a:r>
-            <a:endParaRPr lang="en-US" dirty="0"/>
           </a:p>
         </p:txBody>
       </p:sp>
@@ -4761,7 +8741,7 @@
           <a:lstStyle/>
           <a:p>
             <a:r>
-              <a:rPr lang="en-US" smtClean="0"/>
+              <a:rPr lang="en-US"/>
               <a:t>Discussion Guide</a:t>
             </a:r>
             <a:endParaRPr lang="en-US" dirty="0"/>
@@ -4784,27 +8764,27 @@
           <a:lstStyle/>
           <a:p>
             <a:r>
-              <a:rPr lang="en-US" smtClean="0"/>
+              <a:rPr lang="en-US"/>
               <a:t>What modes does the Infrared sensor have?</a:t>
             </a:r>
           </a:p>
           <a:p>
             <a:pPr lvl="1"/>
             <a:r>
-              <a:rPr lang="en-US" smtClean="0"/>
+              <a:rPr lang="en-US"/>
               <a:t>Ans: Proximity, Beacon and Remote</a:t>
             </a:r>
           </a:p>
           <a:p>
             <a:r>
-              <a:rPr lang="en-US" smtClean="0"/>
+              <a:rPr lang="en-US"/>
               <a:t>Can the Infrared sensor measure distance?</a:t>
             </a:r>
           </a:p>
           <a:p>
             <a:pPr lvl="1"/>
             <a:r>
-              <a:rPr lang="en-US" smtClean="0"/>
+              <a:rPr lang="en-US"/>
               <a:t>Yes, but not accurately because it is based on the reflected light intensity.  So, it is going to vary based on the material the object is made of.</a:t>
             </a:r>
             <a:endParaRPr lang="en-US" dirty="0"/>
@@ -4827,34 +8807,9 @@
           <a:lstStyle/>
           <a:p>
             <a:r>
-              <a:rPr lang="en-US" smtClean="0"/>
-              <a:t>© 2015 EV3Lessons.com, Last edit 5/26/2015</a:t>
-            </a:r>
-            <a:endParaRPr lang="en-US"/>
-          </a:p>
-        </p:txBody>
-      </p:sp>
-      <p:sp>
-        <p:nvSpPr>
-          <p:cNvPr id="5" name="Slide Number Placeholder 4"/>
-          <p:cNvSpPr>
-            <a:spLocks noGrp="1"/>
-          </p:cNvSpPr>
-          <p:nvPr>
-            <p:ph type="sldNum" sz="quarter" idx="12"/>
-          </p:nvPr>
-        </p:nvSpPr>
-        <p:spPr/>
-        <p:txBody>
-          <a:bodyPr/>
-          <a:lstStyle/>
-          <a:p>
-            <a:fld id="{4382A7F7-08BF-4252-8141-63FB96055BBB}" type="slidenum">
-              <a:rPr lang="en-US" smtClean="0"/>
-              <a:pPr/>
-              <a:t>10</a:t>
-            </a:fld>
-            <a:endParaRPr lang="en-US"/>
+              <a:rPr lang="en-US"/>
+              <a:t>© 2016 EV3Lessons.com, Last edit 7/06/2016</a:t>
+            </a:r>
           </a:p>
         </p:txBody>
       </p:sp>
@@ -4904,7 +8859,7 @@
           <a:lstStyle/>
           <a:p>
             <a:r>
-              <a:rPr lang="en-US" smtClean="0"/>
+              <a:rPr lang="en-US"/>
               <a:t>Next Steps</a:t>
             </a:r>
             <a:endParaRPr lang="en-US" dirty="0"/>
@@ -4927,13 +8882,13 @@
           <a:lstStyle/>
           <a:p>
             <a:r>
-              <a:rPr lang="en-US" smtClean="0"/>
+              <a:rPr lang="en-US"/>
               <a:t>Go to the Advanced Lesson on the Infrared Sensor (*coming soon)</a:t>
             </a:r>
           </a:p>
           <a:p>
             <a:r>
-              <a:rPr lang="en-US" smtClean="0"/>
+              <a:rPr lang="en-US"/>
               <a:t>Read the Advanced Lesson on Proportional Control.</a:t>
             </a:r>
             <a:endParaRPr lang="en-US" dirty="0"/>
@@ -4956,34 +8911,9 @@
           <a:lstStyle/>
           <a:p>
             <a:r>
-              <a:rPr lang="en-US" smtClean="0"/>
-              <a:t>© 2015 EV3Lessons.com, Last edit 5/26/2015</a:t>
-            </a:r>
-            <a:endParaRPr lang="en-US"/>
-          </a:p>
-        </p:txBody>
-      </p:sp>
-      <p:sp>
-        <p:nvSpPr>
-          <p:cNvPr id="5" name="Slide Number Placeholder 4"/>
-          <p:cNvSpPr>
-            <a:spLocks noGrp="1"/>
-          </p:cNvSpPr>
-          <p:nvPr>
-            <p:ph type="sldNum" sz="quarter" idx="12"/>
-          </p:nvPr>
-        </p:nvSpPr>
-        <p:spPr/>
-        <p:txBody>
-          <a:bodyPr/>
-          <a:lstStyle/>
-          <a:p>
-            <a:fld id="{4382A7F7-08BF-4252-8141-63FB96055BBB}" type="slidenum">
-              <a:rPr lang="en-US" smtClean="0"/>
-              <a:pPr/>
-              <a:t>11</a:t>
-            </a:fld>
-            <a:endParaRPr lang="en-US"/>
+              <a:rPr lang="en-US"/>
+              <a:t>© 2016 EV3Lessons.com, Last edit 7/06/2016</a:t>
+            </a:r>
           </a:p>
         </p:txBody>
       </p:sp>
@@ -5033,7 +8963,7 @@
           <a:lstStyle/>
           <a:p>
             <a:r>
-              <a:rPr lang="en-US" smtClean="0"/>
+              <a:rPr lang="en-US"/>
               <a:t>Credits</a:t>
             </a:r>
             <a:endParaRPr lang="en-US" dirty="0"/>
@@ -5057,27 +8987,16 @@
           <a:p>
             <a:pPr lvl="1"/>
             <a:r>
-              <a:rPr lang="en-US" smtClean="0"/>
-              <a:t>This tutorial was created by Sanjay Seshan and Arvind Seshan from Droids Robotics (</a:t>
-            </a:r>
-            <a:r>
-              <a:rPr lang="en-US" smtClean="0">
-                <a:hlinkClick r:id="rId3"/>
-              </a:rPr>
-              <a:t>team@droidsrobotics.org</a:t>
-            </a:r>
-            <a:r>
-              <a:rPr lang="en-US" smtClean="0"/>
-              <a:t>).</a:t>
+              <a:rPr lang="en-US" dirty="0"/>
+              <a:t>This tutorial was created by Sanjay Seshan and Arvind Seshan </a:t>
             </a:r>
           </a:p>
           <a:p>
             <a:pPr lvl="1"/>
             <a:r>
-              <a:rPr lang="en-US" smtClean="0"/>
+              <a:rPr lang="en-US" dirty="0"/>
               <a:t>More lessons at www.ev3lessons.com</a:t>
             </a:r>
-            <a:endParaRPr lang="en-US" dirty="0"/>
           </a:p>
         </p:txBody>
       </p:sp>
@@ -5097,34 +9016,9 @@
           <a:lstStyle/>
           <a:p>
             <a:r>
-              <a:rPr lang="en-US" smtClean="0"/>
-              <a:t>© 2015 EV3Lessons.com, Last edit 5/26/2015</a:t>
-            </a:r>
-            <a:endParaRPr lang="en-US"/>
-          </a:p>
-        </p:txBody>
-      </p:sp>
-      <p:sp>
-        <p:nvSpPr>
-          <p:cNvPr id="7" name="Slide Number Placeholder 6"/>
-          <p:cNvSpPr>
-            <a:spLocks noGrp="1"/>
-          </p:cNvSpPr>
-          <p:nvPr>
-            <p:ph type="sldNum" sz="quarter" idx="12"/>
-          </p:nvPr>
-        </p:nvSpPr>
-        <p:spPr/>
-        <p:txBody>
-          <a:bodyPr/>
-          <a:lstStyle/>
-          <a:p>
-            <a:fld id="{4382A7F7-08BF-4252-8141-63FB96055BBB}" type="slidenum">
-              <a:rPr lang="en-US" smtClean="0"/>
-              <a:pPr/>
-              <a:t>12</a:t>
-            </a:fld>
-            <a:endParaRPr lang="en-US"/>
+              <a:rPr lang="en-US"/>
+              <a:t>© 2016 EV3Lessons.com, Last edit 7/06/2016</a:t>
+            </a:r>
           </a:p>
         </p:txBody>
       </p:sp>
@@ -5153,7 +9047,7 @@
           <a:effectLst/>
           <a:extLst>
             <a:ext uri="{91240B29-F687-4f45-9708-019B960494DF}">
-              <a14:hiddenLine xmlns="" xmlns:a14="http://schemas.microsoft.com/office/drawing/2010/main" w="9525">
+              <a14:hiddenLine xmlns:a14="http://schemas.microsoft.com/office/drawing/2010/main" xmlns="" w="9525">
                 <a:solidFill>
                   <a:schemeClr val="tx1"/>
                 </a:solidFill>
@@ -5163,7 +9057,7 @@
               </a14:hiddenLine>
             </a:ext>
             <a:ext uri="{AF507438-7753-43e0-B8FC-AC1667EBCBE1}">
-              <a14:hiddenEffects xmlns="" xmlns:a14="http://schemas.microsoft.com/office/drawing/2010/main">
+              <a14:hiddenEffects xmlns:a14="http://schemas.microsoft.com/office/drawing/2010/main" xmlns="">
                 <a:effectLst>
                   <a:outerShdw dist="35921" dir="2700000" algn="ctr" rotWithShape="0">
                     <a:schemeClr val="bg2"/>
@@ -5326,7 +9220,7 @@
               <a:tabLst/>
             </a:pPr>
             <a:r>
-              <a:rPr kumimoji="0" lang="en-US" altLang="en-US" sz="2000" b="0" i="0" u="none" strike="noStrike" cap="none" normalizeH="0" baseline="0" dirty="0" smtClean="0">
+              <a:rPr kumimoji="0" lang="en-US" altLang="en-US" sz="2000" b="0" i="0" u="none" strike="noStrike" cap="none" normalizeH="0" baseline="0" dirty="0">
                 <a:ln>
                   <a:noFill/>
                 </a:ln>
@@ -5338,20 +9232,8 @@
               </a:rPr>
               <a:t>                         </a:t>
             </a:r>
-            <a:r>
-              <a:rPr kumimoji="0" lang="en-US" altLang="en-US" sz="1600" b="0" i="0" u="none" strike="noStrike" cap="none" normalizeH="0" baseline="0" dirty="0" smtClean="0">
-                <a:ln>
-                  <a:noFill/>
-                </a:ln>
-                <a:solidFill>
-                  <a:schemeClr val="tx1"/>
-                </a:solidFill>
-                <a:effectLst/>
-              </a:rPr>
-              <a:t/>
-            </a:r>
             <a:br>
-              <a:rPr kumimoji="0" lang="en-US" altLang="en-US" sz="1600" b="0" i="0" u="none" strike="noStrike" cap="none" normalizeH="0" baseline="0" dirty="0" smtClean="0">
+              <a:rPr kumimoji="0" lang="en-US" altLang="en-US" sz="1600" b="0" i="0" u="none" strike="noStrike" cap="none" normalizeH="0" baseline="0" dirty="0">
                 <a:ln>
                   <a:noFill/>
                 </a:ln>
@@ -5362,7 +9244,7 @@
               </a:rPr>
             </a:br>
             <a:r>
-              <a:rPr kumimoji="0" lang="en-US" altLang="en-US" sz="2000" b="0" i="0" u="none" strike="noStrike" cap="none" normalizeH="0" baseline="0" dirty="0" smtClean="0">
+              <a:rPr kumimoji="0" lang="en-US" altLang="en-US" sz="2000" b="0" i="0" u="none" strike="noStrike" cap="none" normalizeH="0" baseline="0" dirty="0">
                 <a:ln>
                   <a:noFill/>
                 </a:ln>
@@ -5375,7 +9257,7 @@
               <a:t>This work is licensed under a </a:t>
             </a:r>
             <a:r>
-              <a:rPr kumimoji="0" lang="en-US" altLang="en-US" sz="2000" b="0" i="0" u="none" strike="noStrike" cap="none" normalizeH="0" baseline="0" dirty="0" smtClean="0">
+              <a:rPr kumimoji="0" lang="en-US" altLang="en-US" sz="2000" b="0" i="0" u="none" strike="noStrike" cap="none" normalizeH="0" baseline="0" dirty="0">
                 <a:ln>
                   <a:noFill/>
                 </a:ln>
@@ -5384,12 +9266,12 @@
                 </a:solidFill>
                 <a:effectLst/>
                 <a:latin typeface="Helvetica Neue"/>
-                <a:hlinkClick r:id="rId4"/>
+                <a:hlinkClick r:id="rId3"/>
               </a:rPr>
               <a:t>Creative Commons Attribution-</a:t>
             </a:r>
             <a:r>
-              <a:rPr kumimoji="0" lang="en-US" altLang="en-US" sz="2000" b="0" i="0" u="none" strike="noStrike" cap="none" normalizeH="0" baseline="0" dirty="0" err="1" smtClean="0">
+              <a:rPr kumimoji="0" lang="en-US" altLang="en-US" sz="2000" b="0" i="0" u="none" strike="noStrike" cap="none" normalizeH="0" baseline="0" dirty="0" err="1">
                 <a:ln>
                   <a:noFill/>
                 </a:ln>
@@ -5398,12 +9280,12 @@
                 </a:solidFill>
                 <a:effectLst/>
                 <a:latin typeface="Helvetica Neue"/>
-                <a:hlinkClick r:id="rId4"/>
+                <a:hlinkClick r:id="rId3"/>
               </a:rPr>
               <a:t>NonCommercial</a:t>
             </a:r>
             <a:r>
-              <a:rPr kumimoji="0" lang="en-US" altLang="en-US" sz="2000" b="0" i="0" u="none" strike="noStrike" cap="none" normalizeH="0" baseline="0" dirty="0" smtClean="0">
+              <a:rPr kumimoji="0" lang="en-US" altLang="en-US" sz="2000" b="0" i="0" u="none" strike="noStrike" cap="none" normalizeH="0" baseline="0" dirty="0">
                 <a:ln>
                   <a:noFill/>
                 </a:ln>
@@ -5412,12 +9294,12 @@
                 </a:solidFill>
                 <a:effectLst/>
                 <a:latin typeface="Helvetica Neue"/>
-                <a:hlinkClick r:id="rId4"/>
+                <a:hlinkClick r:id="rId3"/>
               </a:rPr>
               <a:t>-</a:t>
             </a:r>
             <a:r>
-              <a:rPr kumimoji="0" lang="en-US" altLang="en-US" sz="2000" b="0" i="0" u="none" strike="noStrike" cap="none" normalizeH="0" baseline="0" dirty="0" err="1" smtClean="0">
+              <a:rPr kumimoji="0" lang="en-US" altLang="en-US" sz="2000" b="0" i="0" u="none" strike="noStrike" cap="none" normalizeH="0" baseline="0" dirty="0" err="1">
                 <a:ln>
                   <a:noFill/>
                 </a:ln>
@@ -5426,12 +9308,12 @@
                 </a:solidFill>
                 <a:effectLst/>
                 <a:latin typeface="Helvetica Neue"/>
-                <a:hlinkClick r:id="rId4"/>
+                <a:hlinkClick r:id="rId3"/>
               </a:rPr>
               <a:t>ShareAlike</a:t>
             </a:r>
             <a:r>
-              <a:rPr kumimoji="0" lang="en-US" altLang="en-US" sz="2000" b="0" i="0" u="none" strike="noStrike" cap="none" normalizeH="0" baseline="0" dirty="0" smtClean="0">
+              <a:rPr kumimoji="0" lang="en-US" altLang="en-US" sz="2000" b="0" i="0" u="none" strike="noStrike" cap="none" normalizeH="0" baseline="0" dirty="0">
                 <a:ln>
                   <a:noFill/>
                 </a:ln>
@@ -5440,12 +9322,12 @@
                 </a:solidFill>
                 <a:effectLst/>
                 <a:latin typeface="Helvetica Neue"/>
-                <a:hlinkClick r:id="rId4"/>
+                <a:hlinkClick r:id="rId3"/>
               </a:rPr>
               <a:t> 4.0 International License</a:t>
             </a:r>
             <a:r>
-              <a:rPr kumimoji="0" lang="en-US" altLang="en-US" sz="2000" b="0" i="0" u="none" strike="noStrike" cap="none" normalizeH="0" baseline="0" dirty="0" smtClean="0">
+              <a:rPr kumimoji="0" lang="en-US" altLang="en-US" sz="2000" b="0" i="0" u="none" strike="noStrike" cap="none" normalizeH="0" baseline="0" dirty="0">
                 <a:ln>
                   <a:noFill/>
                 </a:ln>
@@ -5458,7 +9340,7 @@
               <a:t>.</a:t>
             </a:r>
             <a:r>
-              <a:rPr kumimoji="0" lang="en-US" altLang="en-US" sz="1600" b="0" i="0" u="none" strike="noStrike" cap="none" normalizeH="0" baseline="0" dirty="0" smtClean="0">
+              <a:rPr kumimoji="0" lang="en-US" altLang="en-US" sz="1600" b="0" i="0" u="none" strike="noStrike" cap="none" normalizeH="0" baseline="0" dirty="0">
                 <a:ln>
                   <a:noFill/>
                 </a:ln>
@@ -5469,7 +9351,7 @@
               </a:rPr>
               <a:t> </a:t>
             </a:r>
-            <a:endParaRPr kumimoji="0" lang="en-US" altLang="en-US" sz="2000" b="0" i="0" u="none" strike="noStrike" cap="none" normalizeH="0" baseline="0" dirty="0" smtClean="0">
+            <a:endParaRPr kumimoji="0" lang="en-US" altLang="en-US" sz="2000" b="0" i="0" u="none" strike="noStrike" cap="none" normalizeH="0" baseline="0" dirty="0">
               <a:ln>
                 <a:noFill/>
               </a:ln>
@@ -5485,7 +9367,7 @@
       <p:pic>
         <p:nvPicPr>
           <p:cNvPr id="6" name="Picture 2" descr="Creative Commons License">
-            <a:hlinkClick r:id="rId4"/>
+            <a:hlinkClick r:id="rId3"/>
           </p:cNvPr>
           <p:cNvPicPr>
             <a:picLocks noChangeAspect="1" noChangeArrowheads="1"/>
@@ -5493,7 +9375,7 @@
           <p:nvPr/>
         </p:nvPicPr>
         <p:blipFill>
-          <a:blip r:embed="rId5">
+          <a:blip r:embed="rId4">
             <a:extLst>
               <a:ext uri="{28A0092B-C50C-407E-A947-70E740481C1C}">
                 <a14:useLocalDpi xmlns:a14="http://schemas.microsoft.com/office/drawing/2010/main" val="0"/>
@@ -5516,7 +9398,7 @@
           <a:noFill/>
           <a:extLst>
             <a:ext uri="{909E8E84-426E-40dd-AFC4-6F175D3DCCD1}">
-              <a14:hiddenFill xmlns="" xmlns:a14="http://schemas.microsoft.com/office/drawing/2010/main">
+              <a14:hiddenFill xmlns:a14="http://schemas.microsoft.com/office/drawing/2010/main" xmlns="">
                 <a:solidFill>
                   <a:srgbClr val="FFFFFF"/>
                 </a:solidFill>
@@ -5535,21 +9417,6 @@
   <p:clrMapOvr>
     <a:masterClrMapping/>
   </p:clrMapOvr>
-  <mc:AlternateContent xmlns:mc="http://schemas.openxmlformats.org/markup-compatibility/2006" xmlns:p14="http://schemas.microsoft.com/office/powerpoint/2010/main">
-    <mc:Choice Requires="p14">
-      <p:transition spd="slow" p14:dur="2000"/>
-    </mc:Choice>
-    <mc:Fallback xmlns="">
-      <p:transition spd="slow"/>
-    </mc:Fallback>
-  </mc:AlternateContent>
-  <p:timing>
-    <p:tnLst>
-      <p:par>
-        <p:cTn id="1" dur="indefinite" restart="never" nodeType="tmRoot"/>
-      </p:par>
-    </p:tnLst>
-  </p:timing>
 </p:sld>
 </file>
 
@@ -5586,7 +9453,7 @@
           <a:lstStyle/>
           <a:p>
             <a:r>
-              <a:rPr lang="en-US" smtClean="0"/>
+              <a:rPr lang="en-US"/>
               <a:t>Lesson Objectives</a:t>
             </a:r>
             <a:endParaRPr lang="en-US" dirty="0"/>
@@ -5613,7 +9480,7 @@
               <a:buAutoNum type="arabicPeriod"/>
             </a:pPr>
             <a:r>
-              <a:rPr lang="en-US" dirty="0" smtClean="0"/>
+              <a:rPr lang="en-US" dirty="0"/>
               <a:t>Learn how to use an Infrared Sensor </a:t>
             </a:r>
           </a:p>
@@ -5623,7 +9490,7 @@
               <a:buAutoNum type="arabicPeriod"/>
             </a:pPr>
             <a:r>
-              <a:rPr lang="en-US" dirty="0" smtClean="0"/>
+              <a:rPr lang="en-US" dirty="0"/>
               <a:t>Learn to make a remote control system and a program that follows the beacon.</a:t>
             </a:r>
           </a:p>
@@ -5633,7 +9500,7 @@
               <a:buAutoNum type="arabicPeriod"/>
             </a:pPr>
             <a:r>
-              <a:rPr lang="en-US" dirty="0" smtClean="0"/>
+              <a:rPr lang="en-US" dirty="0"/>
               <a:t>Learn to use the Infrared Sensor in all three major modes</a:t>
             </a:r>
           </a:p>
@@ -5643,7 +9510,7 @@
               <a:buAutoNum type="arabicPeriod"/>
             </a:pPr>
             <a:r>
-              <a:rPr lang="en-US" dirty="0" smtClean="0"/>
+              <a:rPr lang="en-US" dirty="0"/>
               <a:t>Learn the limitations of the Infrared Sensor</a:t>
             </a:r>
           </a:p>
@@ -5651,14 +9518,13 @@
             <a:endParaRPr lang="en-US" dirty="0"/>
           </a:p>
           <a:p>
-            <a:endParaRPr lang="en-US" dirty="0" smtClean="0"/>
-          </a:p>
-          <a:p>
-            <a:r>
-              <a:rPr lang="en-US" dirty="0" smtClean="0"/>
+            <a:endParaRPr lang="en-US" dirty="0"/>
+          </a:p>
+          <a:p>
+            <a:r>
+              <a:rPr lang="en-US" dirty="0"/>
               <a:t>Prerequisites: Switches, Loops, Compare blocks, and Math blocks</a:t>
             </a:r>
-            <a:endParaRPr lang="en-US" dirty="0"/>
           </a:p>
         </p:txBody>
       </p:sp>
@@ -5678,167 +9544,9 @@
           <a:lstStyle/>
           <a:p>
             <a:r>
-              <a:rPr lang="en-US" smtClean="0"/>
-              <a:t>© 2015 EV3Lessons.com, Last edit 5/26/2015</a:t>
-            </a:r>
-            <a:endParaRPr lang="en-US"/>
-          </a:p>
-        </p:txBody>
-      </p:sp>
-      <p:sp>
-        <p:nvSpPr>
-          <p:cNvPr id="5" name="Slide Number Placeholder 4"/>
-          <p:cNvSpPr>
-            <a:spLocks noGrp="1"/>
-          </p:cNvSpPr>
-          <p:nvPr>
-            <p:ph type="sldNum" sz="quarter" idx="12"/>
-          </p:nvPr>
-        </p:nvSpPr>
-        <p:spPr/>
-        <p:txBody>
-          <a:bodyPr/>
-          <a:lstStyle/>
-          <a:p>
-            <a:fld id="{4382A7F7-08BF-4252-8141-63FB96055BBB}" type="slidenum">
-              <a:rPr lang="en-US" smtClean="0"/>
-              <a:pPr/>
-              <a:t>2</a:t>
-            </a:fld>
-            <a:endParaRPr lang="en-US"/>
-          </a:p>
-        </p:txBody>
-      </p:sp>
-      <p:sp>
-        <p:nvSpPr>
-          <p:cNvPr id="6" name="Footer Placeholder 9"/>
-          <p:cNvSpPr txBox="1">
-            <a:spLocks/>
-          </p:cNvSpPr>
-          <p:nvPr/>
-        </p:nvSpPr>
-        <p:spPr>
-          <a:xfrm>
-            <a:off x="284162" y="5381434"/>
-            <a:ext cx="8128318" cy="623125"/>
-          </a:xfrm>
-          <a:prstGeom prst="rect">
-            <a:avLst/>
-          </a:prstGeom>
-        </p:spPr>
-        <p:txBody>
-          <a:bodyPr vert="horz" lIns="91440" tIns="45720" rIns="91440" bIns="45720" rtlCol="0" anchor="ctr"/>
-          <a:lstStyle>
-            <a:defPPr>
-              <a:defRPr lang="en-US"/>
-            </a:defPPr>
-            <a:lvl1pPr marL="0" algn="l" defTabSz="914400" rtl="0" eaLnBrk="1" latinLnBrk="0" hangingPunct="1">
-              <a:defRPr sz="1100" b="1" kern="1200">
-                <a:solidFill>
-                  <a:schemeClr val="bg1">
-                    <a:lumMod val="65000"/>
-                  </a:schemeClr>
-                </a:solidFill>
-                <a:latin typeface="+mn-lt"/>
-                <a:ea typeface="+mn-ea"/>
-                <a:cs typeface="+mn-cs"/>
-              </a:defRPr>
-            </a:lvl1pPr>
-            <a:lvl2pPr marL="457200" algn="l" defTabSz="914400" rtl="0" eaLnBrk="1" latinLnBrk="0" hangingPunct="1">
-              <a:defRPr sz="1800" kern="1200">
-                <a:solidFill>
-                  <a:schemeClr val="tx1"/>
-                </a:solidFill>
-                <a:latin typeface="+mn-lt"/>
-                <a:ea typeface="+mn-ea"/>
-                <a:cs typeface="+mn-cs"/>
-              </a:defRPr>
-            </a:lvl2pPr>
-            <a:lvl3pPr marL="914400" algn="l" defTabSz="914400" rtl="0" eaLnBrk="1" latinLnBrk="0" hangingPunct="1">
-              <a:defRPr sz="1800" kern="1200">
-                <a:solidFill>
-                  <a:schemeClr val="tx1"/>
-                </a:solidFill>
-                <a:latin typeface="+mn-lt"/>
-                <a:ea typeface="+mn-ea"/>
-                <a:cs typeface="+mn-cs"/>
-              </a:defRPr>
-            </a:lvl3pPr>
-            <a:lvl4pPr marL="1371600" algn="l" defTabSz="914400" rtl="0" eaLnBrk="1" latinLnBrk="0" hangingPunct="1">
-              <a:defRPr sz="1800" kern="1200">
-                <a:solidFill>
-                  <a:schemeClr val="tx1"/>
-                </a:solidFill>
-                <a:latin typeface="+mn-lt"/>
-                <a:ea typeface="+mn-ea"/>
-                <a:cs typeface="+mn-cs"/>
-              </a:defRPr>
-            </a:lvl4pPr>
-            <a:lvl5pPr marL="1828800" algn="l" defTabSz="914400" rtl="0" eaLnBrk="1" latinLnBrk="0" hangingPunct="1">
-              <a:defRPr sz="1800" kern="1200">
-                <a:solidFill>
-                  <a:schemeClr val="tx1"/>
-                </a:solidFill>
-                <a:latin typeface="+mn-lt"/>
-                <a:ea typeface="+mn-ea"/>
-                <a:cs typeface="+mn-cs"/>
-              </a:defRPr>
-            </a:lvl5pPr>
-            <a:lvl6pPr marL="2286000" algn="l" defTabSz="914400" rtl="0" eaLnBrk="1" latinLnBrk="0" hangingPunct="1">
-              <a:defRPr sz="1800" kern="1200">
-                <a:solidFill>
-                  <a:schemeClr val="tx1"/>
-                </a:solidFill>
-                <a:latin typeface="+mn-lt"/>
-                <a:ea typeface="+mn-ea"/>
-                <a:cs typeface="+mn-cs"/>
-              </a:defRPr>
-            </a:lvl6pPr>
-            <a:lvl7pPr marL="2743200" algn="l" defTabSz="914400" rtl="0" eaLnBrk="1" latinLnBrk="0" hangingPunct="1">
-              <a:defRPr sz="1800" kern="1200">
-                <a:solidFill>
-                  <a:schemeClr val="tx1"/>
-                </a:solidFill>
-                <a:latin typeface="+mn-lt"/>
-                <a:ea typeface="+mn-ea"/>
-                <a:cs typeface="+mn-cs"/>
-              </a:defRPr>
-            </a:lvl7pPr>
-            <a:lvl8pPr marL="3200400" algn="l" defTabSz="914400" rtl="0" eaLnBrk="1" latinLnBrk="0" hangingPunct="1">
-              <a:defRPr sz="1800" kern="1200">
-                <a:solidFill>
-                  <a:schemeClr val="tx1"/>
-                </a:solidFill>
-                <a:latin typeface="+mn-lt"/>
-                <a:ea typeface="+mn-ea"/>
-                <a:cs typeface="+mn-cs"/>
-              </a:defRPr>
-            </a:lvl8pPr>
-            <a:lvl9pPr marL="3657600" algn="l" defTabSz="914400" rtl="0" eaLnBrk="1" latinLnBrk="0" hangingPunct="1">
-              <a:defRPr sz="1800" kern="1200">
-                <a:solidFill>
-                  <a:schemeClr val="tx1"/>
-                </a:solidFill>
-                <a:latin typeface="+mn-lt"/>
-                <a:ea typeface="+mn-ea"/>
-                <a:cs typeface="+mn-cs"/>
-              </a:defRPr>
-            </a:lvl9pPr>
-          </a:lstStyle>
-          <a:p>
-            <a:r>
-              <a:rPr lang="en-US" sz="1600" dirty="0" smtClean="0">
-                <a:solidFill>
-                  <a:srgbClr val="FF0000"/>
-                </a:solidFill>
-              </a:rPr>
-              <a:t>*****Currently the Infrared Sensor is not allowed in First Lego League*****</a:t>
-            </a:r>
-            <a:endParaRPr lang="en-US" sz="1600" dirty="0">
-              <a:solidFill>
-                <a:srgbClr val="FF0000"/>
-              </a:solidFill>
-            </a:endParaRPr>
+              <a:rPr lang="en-US"/>
+              <a:t>© 2016 EV3Lessons.com, Last edit 7/06/2016</a:t>
+            </a:r>
           </a:p>
         </p:txBody>
       </p:sp>
@@ -5852,13 +9560,6 @@
   <p:clrMapOvr>
     <a:masterClrMapping/>
   </p:clrMapOvr>
-  <p:timing>
-    <p:tnLst>
-      <p:par>
-        <p:cTn id="1" dur="indefinite" restart="never" nodeType="tmRoot"/>
-      </p:par>
-    </p:tnLst>
-  </p:timing>
 </p:sld>
 </file>
 
@@ -5895,7 +9596,7 @@
           <a:lstStyle/>
           <a:p>
             <a:r>
-              <a:rPr lang="en-US" smtClean="0"/>
+              <a:rPr lang="en-US"/>
               <a:t>What does the Infrared Sensor do?</a:t>
             </a:r>
             <a:endParaRPr lang="en-US" dirty="0"/>
@@ -5912,81 +9613,61 @@
             <p:ph idx="1"/>
           </p:nvPr>
         </p:nvSpPr>
+        <p:spPr>
+          <a:xfrm>
+            <a:off x="227874" y="1505616"/>
+            <a:ext cx="5943727" cy="4654528"/>
+          </a:xfrm>
+        </p:spPr>
+        <p:txBody>
+          <a:bodyPr/>
+          <a:lstStyle/>
+          <a:p>
+            <a:r>
+              <a:rPr lang="en-US" dirty="0"/>
+              <a:t>Measures proximity to beacon or object</a:t>
+            </a:r>
+          </a:p>
+          <a:p>
+            <a:r>
+              <a:rPr lang="en-US" dirty="0"/>
+              <a:t>Measures the angle of the beacon relative to the sensor</a:t>
+            </a:r>
+          </a:p>
+          <a:p>
+            <a:r>
+              <a:rPr lang="en-US" dirty="0"/>
+              <a:t>Measures which button is pressed on remote.</a:t>
+            </a:r>
+          </a:p>
+          <a:p>
+            <a:r>
+              <a:rPr lang="en-US" dirty="0"/>
+              <a:t>Beacon/remote can be set to 1 of 4 channels. Infrared sensor code must specify which channel to use. This allows you to use multiple remotes in the same room</a:t>
+            </a:r>
+          </a:p>
+        </p:txBody>
+      </p:sp>
+      <p:sp>
+        <p:nvSpPr>
+          <p:cNvPr id="4" name="Footer Placeholder 3"/>
+          <p:cNvSpPr>
+            <a:spLocks noGrp="1"/>
+          </p:cNvSpPr>
+          <p:nvPr>
+            <p:ph type="ftr" sz="quarter" idx="11"/>
+          </p:nvPr>
+        </p:nvSpPr>
         <p:spPr/>
         <p:txBody>
           <a:bodyPr/>
           <a:lstStyle/>
           <a:p>
             <a:r>
-              <a:rPr lang="en-US" smtClean="0"/>
-              <a:t>Measures proximity to beacon or object</a:t>
-            </a:r>
-          </a:p>
-          <a:p>
-            <a:r>
-              <a:rPr lang="en-US" smtClean="0"/>
-              <a:t>Measures the angle of the beacon relative to the sensor</a:t>
-            </a:r>
-          </a:p>
-          <a:p>
-            <a:r>
-              <a:rPr lang="en-US" smtClean="0"/>
-              <a:t>Measures which button is pressed on remote.</a:t>
-            </a:r>
-          </a:p>
-          <a:p>
-            <a:r>
-              <a:rPr lang="en-US" smtClean="0"/>
-              <a:t>Beacon/remote can be set to 1 of 4 channels. Infrared sensor code must specify which channel to use. This allows you to use multiple remotes in the same room</a:t>
-            </a:r>
-            <a:endParaRPr lang="en-US" dirty="0" smtClean="0"/>
-          </a:p>
-        </p:txBody>
-      </p:sp>
-      <p:sp>
-        <p:nvSpPr>
-          <p:cNvPr id="4" name="Footer Placeholder 3"/>
-          <p:cNvSpPr>
-            <a:spLocks noGrp="1"/>
-          </p:cNvSpPr>
-          <p:nvPr>
-            <p:ph type="ftr" sz="quarter" idx="11"/>
-          </p:nvPr>
-        </p:nvSpPr>
-        <p:spPr/>
-        <p:txBody>
-          <a:bodyPr/>
-          <a:lstStyle/>
-          <a:p>
-            <a:r>
-              <a:rPr lang="en-US" smtClean="0"/>
-              <a:t>© 2015 EV3Lessons.com, Last edit 5/26/2015</a:t>
+              <a:rPr lang="en-US"/>
+              <a:t>© 2016 EV3Lessons.com, Last edit 7/06/2016</a:t>
             </a:r>
             <a:endParaRPr lang="en-US" dirty="0"/>
-          </a:p>
-        </p:txBody>
-      </p:sp>
-      <p:sp>
-        <p:nvSpPr>
-          <p:cNvPr id="5" name="Slide Number Placeholder 4"/>
-          <p:cNvSpPr>
-            <a:spLocks noGrp="1"/>
-          </p:cNvSpPr>
-          <p:nvPr>
-            <p:ph type="sldNum" sz="quarter" idx="12"/>
-          </p:nvPr>
-        </p:nvSpPr>
-        <p:spPr/>
-        <p:txBody>
-          <a:bodyPr/>
-          <a:lstStyle/>
-          <a:p>
-            <a:fld id="{4382A7F7-08BF-4252-8141-63FB96055BBB}" type="slidenum">
-              <a:rPr lang="en-US" smtClean="0"/>
-              <a:pPr/>
-              <a:t>3</a:t>
-            </a:fld>
-            <a:endParaRPr lang="en-US"/>
           </a:p>
         </p:txBody>
       </p:sp>
@@ -6013,7 +9694,7 @@
         </p:blipFill>
         <p:spPr bwMode="auto">
           <a:xfrm>
-            <a:off x="6723392" y="4408041"/>
+            <a:off x="6792569" y="4038708"/>
             <a:ext cx="1583067" cy="1879593"/>
           </a:xfrm>
           <a:prstGeom prst="rect">
@@ -6054,7 +9735,7 @@
         </p:blipFill>
         <p:spPr bwMode="auto">
           <a:xfrm>
-            <a:off x="6546437" y="2252352"/>
+            <a:off x="6546437" y="1756017"/>
             <a:ext cx="2075332" cy="1556499"/>
           </a:xfrm>
           <a:prstGeom prst="rect">
@@ -6080,7 +9761,7 @@
         </p:nvSpPr>
         <p:spPr>
           <a:xfrm>
-            <a:off x="6546437" y="3907391"/>
+            <a:off x="6723392" y="3355056"/>
             <a:ext cx="2075332" cy="369332"/>
           </a:xfrm>
           <a:prstGeom prst="rect">
@@ -6095,10 +9776,9 @@
           <a:lstStyle/>
           <a:p>
             <a:r>
-              <a:rPr lang="en-US" dirty="0" smtClean="0"/>
+              <a:rPr lang="en-US" dirty="0"/>
               <a:t>Infrared Sensor</a:t>
             </a:r>
-            <a:endParaRPr lang="en-US" dirty="0"/>
           </a:p>
         </p:txBody>
       </p:sp>
@@ -6110,7 +9790,7 @@
         </p:nvSpPr>
         <p:spPr>
           <a:xfrm>
-            <a:off x="6782918" y="5918302"/>
+            <a:off x="6782918" y="5616741"/>
             <a:ext cx="2075332" cy="369332"/>
           </a:xfrm>
           <a:prstGeom prst="rect">
@@ -6125,10 +9805,9 @@
           <a:lstStyle/>
           <a:p>
             <a:r>
-              <a:rPr lang="en-US" dirty="0" smtClean="0"/>
+              <a:rPr lang="en-US" dirty="0"/>
               <a:t>Beacon/Remote</a:t>
             </a:r>
-            <a:endParaRPr lang="en-US" dirty="0"/>
           </a:p>
         </p:txBody>
       </p:sp>
@@ -6142,13 +9821,6 @@
   <p:clrMapOvr>
     <a:masterClrMapping/>
   </p:clrMapOvr>
-  <p:timing>
-    <p:tnLst>
-      <p:par>
-        <p:cTn id="1" dur="indefinite" restart="never" nodeType="tmRoot"/>
-      </p:par>
-    </p:tnLst>
-  </p:timing>
 </p:sld>
 </file>
 
@@ -6185,7 +9857,7 @@
           <a:lstStyle/>
           <a:p>
             <a:r>
-              <a:rPr lang="en-US" smtClean="0"/>
+              <a:rPr lang="en-US"/>
               <a:t>Three Modes</a:t>
             </a:r>
             <a:endParaRPr lang="en-US" dirty="0"/>
@@ -6208,65 +9880,65 @@
           <a:lstStyle/>
           <a:p>
             <a:r>
-              <a:rPr lang="en-US" smtClean="0"/>
+              <a:rPr lang="en-US"/>
               <a:t>Works up to about 70cm away (or 100 proximity units)</a:t>
             </a:r>
           </a:p>
           <a:p>
             <a:r>
-              <a:rPr lang="en-US" smtClean="0"/>
+              <a:rPr lang="en-US"/>
               <a:t>Proximity Mode</a:t>
             </a:r>
           </a:p>
           <a:p>
             <a:pPr lvl="1"/>
             <a:r>
-              <a:rPr lang="en-US" smtClean="0"/>
+              <a:rPr lang="en-US"/>
               <a:t>Returns undefined unit type called proximity (not inches or centimeters)</a:t>
             </a:r>
           </a:p>
           <a:p>
             <a:r>
-              <a:rPr lang="en-US" smtClean="0"/>
+              <a:rPr lang="en-US"/>
               <a:t>Beacon Mode</a:t>
             </a:r>
           </a:p>
           <a:p>
             <a:pPr lvl="1"/>
             <a:r>
-              <a:rPr lang="en-US" smtClean="0"/>
+              <a:rPr lang="en-US"/>
               <a:t>Returns heading (angle) and distance to beacon.</a:t>
             </a:r>
             <a:br>
-              <a:rPr lang="en-US" smtClean="0"/>
+              <a:rPr lang="en-US"/>
             </a:br>
             <a:r>
-              <a:rPr lang="en-US" smtClean="0"/>
+              <a:rPr lang="en-US"/>
               <a:t>Heading measurement is not in degrees.</a:t>
             </a:r>
           </a:p>
           <a:p>
             <a:r>
-              <a:rPr lang="en-US" smtClean="0"/>
+              <a:rPr lang="en-US"/>
               <a:t>Remote Mode</a:t>
             </a:r>
           </a:p>
           <a:p>
             <a:pPr lvl="1"/>
             <a:r>
-              <a:rPr lang="en-US" smtClean="0"/>
+              <a:rPr lang="en-US"/>
               <a:t>Returns which button is pressed on the remote</a:t>
             </a:r>
           </a:p>
           <a:p>
             <a:r>
-              <a:rPr lang="en-US" smtClean="0"/>
+              <a:rPr lang="en-US"/>
               <a:t>We will use all three in this lesson</a:t>
             </a:r>
           </a:p>
           <a:p>
             <a:r>
-              <a:rPr lang="en-US" smtClean="0"/>
+              <a:rPr lang="en-US"/>
               <a:t>The Infrared Sensor block can be found in the yellow sensor tab</a:t>
             </a:r>
             <a:endParaRPr lang="en-US" dirty="0"/>
@@ -6289,34 +9961,9 @@
           <a:lstStyle/>
           <a:p>
             <a:r>
-              <a:rPr lang="en-US" smtClean="0"/>
-              <a:t>© 2015 EV3Lessons.com, Last edit 5/26/2015</a:t>
-            </a:r>
-            <a:endParaRPr lang="en-US"/>
-          </a:p>
-        </p:txBody>
-      </p:sp>
-      <p:sp>
-        <p:nvSpPr>
-          <p:cNvPr id="5" name="Slide Number Placeholder 4"/>
-          <p:cNvSpPr>
-            <a:spLocks noGrp="1"/>
-          </p:cNvSpPr>
-          <p:nvPr>
-            <p:ph type="sldNum" sz="quarter" idx="12"/>
-          </p:nvPr>
-        </p:nvSpPr>
-        <p:spPr/>
-        <p:txBody>
-          <a:bodyPr/>
-          <a:lstStyle/>
-          <a:p>
-            <a:fld id="{4382A7F7-08BF-4252-8141-63FB96055BBB}" type="slidenum">
-              <a:rPr lang="en-US" smtClean="0"/>
-              <a:pPr/>
-              <a:t>4</a:t>
-            </a:fld>
-            <a:endParaRPr lang="en-US"/>
+              <a:rPr lang="en-US"/>
+              <a:t>© 2016 EV3Lessons.com, Last edit 7/06/2016</a:t>
+            </a:r>
           </a:p>
         </p:txBody>
       </p:sp>
@@ -6342,7 +9989,7 @@
         </p:blipFill>
         <p:spPr>
           <a:xfrm>
-            <a:off x="6243320" y="3444982"/>
+            <a:off x="6243320" y="2997509"/>
             <a:ext cx="2777974" cy="1728517"/>
           </a:xfrm>
           <a:prstGeom prst="rect">
@@ -6360,13 +10007,6 @@
   <p:clrMapOvr>
     <a:masterClrMapping/>
   </p:clrMapOvr>
-  <p:timing>
-    <p:tnLst>
-      <p:par>
-        <p:cTn id="1" dur="indefinite" restart="never" nodeType="tmRoot"/>
-      </p:par>
-    </p:tnLst>
-  </p:timing>
 </p:sld>
 </file>
 
@@ -6403,7 +10043,7 @@
           <a:lstStyle/>
           <a:p>
             <a:r>
-              <a:rPr lang="en-US" smtClean="0"/>
+              <a:rPr lang="en-US"/>
               <a:t>Challenges</a:t>
             </a:r>
             <a:endParaRPr lang="en-US" dirty="0"/>
@@ -6426,28 +10066,28 @@
           <a:lstStyle/>
           <a:p>
             <a:r>
-              <a:rPr lang="en-US" smtClean="0"/>
+              <a:rPr lang="en-US"/>
               <a:t>To learn how to use the Infrared Sensor you will complete three challenges:</a:t>
             </a:r>
           </a:p>
           <a:p>
             <a:pPr lvl="1"/>
             <a:r>
-              <a:rPr lang="en-US" smtClean="0"/>
+              <a:rPr lang="en-US"/>
               <a:t>Challenge 1: Create a remote control for your robot that does a different action based on which button you press on the Remote</a:t>
             </a:r>
           </a:p>
           <a:p>
             <a:pPr lvl="1"/>
             <a:r>
-              <a:rPr lang="en-US" smtClean="0"/>
+              <a:rPr lang="en-US"/>
               <a:t>Challenge 2: Proportional Dog Follower: The robot should move to wherever the Beacon is using proximity and heading</a:t>
             </a:r>
           </a:p>
           <a:p>
             <a:pPr lvl="1"/>
             <a:r>
-              <a:rPr lang="en-US" smtClean="0"/>
+              <a:rPr lang="en-US"/>
               <a:t>Challenge 3: Test how accurate the Infrared Sensor is for measuring distances</a:t>
             </a:r>
             <a:endParaRPr lang="en-US" dirty="0"/>
@@ -6470,34 +10110,9 @@
           <a:lstStyle/>
           <a:p>
             <a:r>
-              <a:rPr lang="en-US" smtClean="0"/>
-              <a:t>© 2015 EV3Lessons.com, Last edit 5/26/2015</a:t>
-            </a:r>
-            <a:endParaRPr lang="en-US"/>
-          </a:p>
-        </p:txBody>
-      </p:sp>
-      <p:sp>
-        <p:nvSpPr>
-          <p:cNvPr id="5" name="Slide Number Placeholder 4"/>
-          <p:cNvSpPr>
-            <a:spLocks noGrp="1"/>
-          </p:cNvSpPr>
-          <p:nvPr>
-            <p:ph type="sldNum" sz="quarter" idx="12"/>
-          </p:nvPr>
-        </p:nvSpPr>
-        <p:spPr/>
-        <p:txBody>
-          <a:bodyPr/>
-          <a:lstStyle/>
-          <a:p>
-            <a:fld id="{4382A7F7-08BF-4252-8141-63FB96055BBB}" type="slidenum">
-              <a:rPr lang="en-US" smtClean="0"/>
-              <a:pPr/>
-              <a:t>5</a:t>
-            </a:fld>
-            <a:endParaRPr lang="en-US"/>
+              <a:rPr lang="en-US"/>
+              <a:t>© 2016 EV3Lessons.com, Last edit 7/06/2016</a:t>
+            </a:r>
           </a:p>
         </p:txBody>
       </p:sp>
@@ -6551,60 +10166,36 @@
           <a:lstStyle/>
           <a:p>
             <a:r>
-              <a:rPr lang="en-US" dirty="0" err="1" smtClean="0"/>
+              <a:rPr lang="en-US" dirty="0" err="1"/>
               <a:t>Pseudocode</a:t>
             </a:r>
             <a:r>
-              <a:rPr lang="en-US" dirty="0" smtClean="0"/>
+              <a:rPr lang="en-US" dirty="0"/>
               <a:t>/Hints</a:t>
             </a:r>
+          </a:p>
+        </p:txBody>
+      </p:sp>
+      <p:sp>
+        <p:nvSpPr>
+          <p:cNvPr id="4" name="Footer Placeholder 3"/>
+          <p:cNvSpPr>
+            <a:spLocks noGrp="1"/>
+          </p:cNvSpPr>
+          <p:nvPr>
+            <p:ph type="ftr" sz="quarter" idx="11"/>
+          </p:nvPr>
+        </p:nvSpPr>
+        <p:spPr/>
+        <p:txBody>
+          <a:bodyPr/>
+          <a:lstStyle/>
+          <a:p>
+            <a:r>
+              <a:rPr lang="en-US"/>
+              <a:t>© 2016 EV3Lessons.com, Last edit 7/06/2016</a:t>
+            </a:r>
             <a:endParaRPr lang="en-US" dirty="0"/>
-          </a:p>
-        </p:txBody>
-      </p:sp>
-      <p:sp>
-        <p:nvSpPr>
-          <p:cNvPr id="4" name="Footer Placeholder 3"/>
-          <p:cNvSpPr>
-            <a:spLocks noGrp="1"/>
-          </p:cNvSpPr>
-          <p:nvPr>
-            <p:ph type="ftr" sz="quarter" idx="11"/>
-          </p:nvPr>
-        </p:nvSpPr>
-        <p:spPr/>
-        <p:txBody>
-          <a:bodyPr/>
-          <a:lstStyle/>
-          <a:p>
-            <a:r>
-              <a:rPr lang="en-US" smtClean="0"/>
-              <a:t>© 2015 EV3Lessons.com, Last edit 5/26/2015</a:t>
-            </a:r>
-            <a:endParaRPr lang="en-US" dirty="0"/>
-          </a:p>
-        </p:txBody>
-      </p:sp>
-      <p:sp>
-        <p:nvSpPr>
-          <p:cNvPr id="3" name="Slide Number Placeholder 2"/>
-          <p:cNvSpPr>
-            <a:spLocks noGrp="1"/>
-          </p:cNvSpPr>
-          <p:nvPr>
-            <p:ph type="sldNum" sz="quarter" idx="12"/>
-          </p:nvPr>
-        </p:nvSpPr>
-        <p:spPr/>
-        <p:txBody>
-          <a:bodyPr/>
-          <a:lstStyle/>
-          <a:p>
-            <a:fld id="{4382A7F7-08BF-4252-8141-63FB96055BBB}" type="slidenum">
-              <a:rPr lang="en-US" smtClean="0"/>
-              <a:t>6</a:t>
-            </a:fld>
-            <a:endParaRPr lang="en-US"/>
           </a:p>
         </p:txBody>
       </p:sp>
@@ -6633,8 +10224,20 @@
                 <a:tableStyleId>{2D5ABB26-0587-4C30-8999-92F81FD0307C}</a:tableStyleId>
               </a:tblPr>
               <a:tblGrid>
-                <a:gridCol w="1528287"/>
-                <a:gridCol w="6485052"/>
+                <a:gridCol w="1528287">
+                  <a:extLst>
+                    <a:ext uri="{9D8B030D-6E8A-4147-A177-3AD203B41FA5}">
+                      <a16:colId xmlns:a16="http://schemas.microsoft.com/office/drawing/2014/main" val="20000"/>
+                    </a:ext>
+                  </a:extLst>
+                </a:gridCol>
+                <a:gridCol w="6485052">
+                  <a:extLst>
+                    <a:ext uri="{9D8B030D-6E8A-4147-A177-3AD203B41FA5}">
+                      <a16:colId xmlns:a16="http://schemas.microsoft.com/office/drawing/2014/main" val="20001"/>
+                    </a:ext>
+                  </a:extLst>
+                </a:gridCol>
               </a:tblGrid>
               <a:tr h="370840">
                 <a:tc>
@@ -6643,10 +10246,9 @@
                     <a:lstStyle/>
                     <a:p>
                       <a:r>
-                        <a:rPr lang="en-US" b="1" dirty="0" smtClean="0"/>
+                        <a:rPr lang="en-US" b="1" dirty="0"/>
                         <a:t>Challenge</a:t>
                       </a:r>
-                      <a:endParaRPr lang="en-US" b="1" dirty="0"/>
                     </a:p>
                   </a:txBody>
                   <a:tcPr>
@@ -6697,11 +10299,11 @@
                     <a:lstStyle/>
                     <a:p>
                       <a:r>
-                        <a:rPr lang="en-US" b="1" dirty="0" smtClean="0"/>
+                        <a:rPr lang="en-US" b="1" dirty="0"/>
                         <a:t>Hint/</a:t>
                       </a:r>
                       <a:r>
-                        <a:rPr lang="en-US" b="1" dirty="0" err="1" smtClean="0"/>
+                        <a:rPr lang="en-US" b="1" dirty="0" err="1"/>
                         <a:t>Pseudocode</a:t>
                       </a:r>
                       <a:endParaRPr lang="en-US" b="1" dirty="0"/>
@@ -6749,6 +10351,11 @@
                     </a:solidFill>
                   </a:tcPr>
                 </a:tc>
+                <a:extLst>
+                  <a:ext uri="{0D108BD9-81ED-4DB2-BD59-A6C34878D82A}">
+                    <a16:rowId xmlns:a16="http://schemas.microsoft.com/office/drawing/2014/main" val="10000"/>
+                  </a:ext>
+                </a:extLst>
               </a:tr>
               <a:tr h="370840">
                 <a:tc>
@@ -6757,10 +10364,9 @@
                     <a:lstStyle/>
                     <a:p>
                       <a:r>
-                        <a:rPr lang="en-US" b="1" dirty="0" smtClean="0"/>
+                        <a:rPr lang="en-US" b="1" dirty="0"/>
                         <a:t>Remote Control</a:t>
                       </a:r>
-                      <a:endParaRPr lang="en-US" b="1" dirty="0"/>
                     </a:p>
                   </a:txBody>
                   <a:tcPr>
@@ -6825,11 +10431,11 @@
                         <a:defRPr/>
                       </a:pPr>
                       <a:r>
-                        <a:rPr lang="en-US" dirty="0" smtClean="0"/>
+                        <a:rPr lang="en-US" dirty="0"/>
                         <a:t>Run</a:t>
                       </a:r>
                       <a:r>
-                        <a:rPr lang="en-US" baseline="0" dirty="0" smtClean="0"/>
+                        <a:rPr lang="en-US" baseline="0" dirty="0"/>
                         <a:t> different actions based on which button(s) are pressed on channel 1</a:t>
                       </a:r>
                       <a:endParaRPr lang="en-US" dirty="0"/>
@@ -6874,6 +10480,11 @@
                     </a:lnB>
                   </a:tcPr>
                 </a:tc>
+                <a:extLst>
+                  <a:ext uri="{0D108BD9-81ED-4DB2-BD59-A6C34878D82A}">
+                    <a16:rowId xmlns:a16="http://schemas.microsoft.com/office/drawing/2014/main" val="10001"/>
+                  </a:ext>
+                </a:extLst>
               </a:tr>
               <a:tr h="370840">
                 <a:tc>
@@ -6882,10 +10493,9 @@
                     <a:lstStyle/>
                     <a:p>
                       <a:r>
-                        <a:rPr lang="en-US" b="1" dirty="0" smtClean="0"/>
+                        <a:rPr lang="en-US" b="1" dirty="0"/>
                         <a:t>Proportional Dog Follower</a:t>
                       </a:r>
-                      <a:endParaRPr lang="en-US" b="1" dirty="0"/>
                     </a:p>
                   </a:txBody>
                   <a:tcPr>
@@ -6933,11 +10543,11 @@
                     <a:lstStyle/>
                     <a:p>
                       <a:r>
-                        <a:rPr lang="en-US" dirty="0" smtClean="0"/>
+                        <a:rPr lang="en-US" dirty="0"/>
                         <a:t>If the robot is</a:t>
                       </a:r>
                       <a:r>
-                        <a:rPr lang="en-US" baseline="0" dirty="0" smtClean="0"/>
+                        <a:rPr lang="en-US" baseline="0" dirty="0"/>
                         <a:t> &lt;15 proximity from the beacon move backward</a:t>
                       </a:r>
                     </a:p>
@@ -6960,11 +10570,11 @@
                         <a:defRPr/>
                       </a:pPr>
                       <a:r>
-                        <a:rPr lang="en-US" dirty="0" smtClean="0"/>
+                        <a:rPr lang="en-US" dirty="0"/>
                         <a:t>If the robot is</a:t>
                       </a:r>
                       <a:r>
-                        <a:rPr lang="en-US" baseline="0" dirty="0" smtClean="0"/>
+                        <a:rPr lang="en-US" baseline="0" dirty="0"/>
                         <a:t> &gt;15 proximity from the beacon move forward</a:t>
                       </a:r>
                     </a:p>
@@ -6987,7 +10597,7 @@
                         <a:defRPr/>
                       </a:pPr>
                       <a:r>
-                        <a:rPr lang="en-US" baseline="0" dirty="0" smtClean="0"/>
+                        <a:rPr lang="en-US" baseline="0" dirty="0"/>
                         <a:t>Use proportional control to adjust the steering base on the “heading” of the beacon</a:t>
                       </a:r>
                     </a:p>
@@ -7010,7 +10620,7 @@
                         <a:defRPr/>
                       </a:pPr>
                       <a:r>
-                        <a:rPr lang="en-US" i="1" baseline="0" dirty="0" smtClean="0">
+                        <a:rPr lang="en-US" i="1" baseline="0" dirty="0">
                           <a:solidFill>
                             <a:srgbClr val="FF0000"/>
                           </a:solidFill>
@@ -7063,6 +10673,11 @@
                     </a:lnB>
                   </a:tcPr>
                 </a:tc>
+                <a:extLst>
+                  <a:ext uri="{0D108BD9-81ED-4DB2-BD59-A6C34878D82A}">
+                    <a16:rowId xmlns:a16="http://schemas.microsoft.com/office/drawing/2014/main" val="10002"/>
+                  </a:ext>
+                </a:extLst>
               </a:tr>
               <a:tr h="370840">
                 <a:tc>
@@ -7071,11 +10686,11 @@
                     <a:lstStyle/>
                     <a:p>
                       <a:r>
-                        <a:rPr lang="en-US" b="1" dirty="0" smtClean="0"/>
+                        <a:rPr lang="en-US" b="1" dirty="0"/>
                         <a:t>Accuracy</a:t>
                       </a:r>
                       <a:r>
-                        <a:rPr lang="en-US" b="1" baseline="0" dirty="0" smtClean="0"/>
+                        <a:rPr lang="en-US" b="1" baseline="0" dirty="0"/>
                         <a:t> of Proximity</a:t>
                       </a:r>
                       <a:endParaRPr lang="en-US" b="1" dirty="0"/>
@@ -7143,11 +10758,11 @@
                         <a:defRPr/>
                       </a:pPr>
                       <a:r>
-                        <a:rPr lang="en-US" dirty="0" smtClean="0"/>
+                        <a:rPr lang="en-US" dirty="0"/>
                         <a:t>Measure distance using ultrasonic</a:t>
                       </a:r>
                       <a:r>
-                        <a:rPr lang="en-US" baseline="0" dirty="0" smtClean="0"/>
+                        <a:rPr lang="en-US" baseline="0" dirty="0"/>
                         <a:t> and measure proximity using infrared (use Port View on brick). Compare measurements for different distances to different surfaces.</a:t>
                       </a:r>
                       <a:endParaRPr lang="en-US" dirty="0"/>
@@ -7192,6 +10807,11 @@
                     </a:lnB>
                   </a:tcPr>
                 </a:tc>
+                <a:extLst>
+                  <a:ext uri="{0D108BD9-81ED-4DB2-BD59-A6C34878D82A}">
+                    <a16:rowId xmlns:a16="http://schemas.microsoft.com/office/drawing/2014/main" val="10003"/>
+                  </a:ext>
+                </a:extLst>
               </a:tr>
             </a:tbl>
           </a:graphicData>
@@ -7247,56 +10867,32 @@
           <a:lstStyle/>
           <a:p>
             <a:r>
-              <a:rPr lang="en-US" dirty="0" smtClean="0"/>
+              <a:rPr lang="en-US" dirty="0"/>
               <a:t>Solution: Remote Control</a:t>
             </a:r>
+          </a:p>
+        </p:txBody>
+      </p:sp>
+      <p:sp>
+        <p:nvSpPr>
+          <p:cNvPr id="4" name="Footer Placeholder 3"/>
+          <p:cNvSpPr>
+            <a:spLocks noGrp="1"/>
+          </p:cNvSpPr>
+          <p:nvPr>
+            <p:ph type="ftr" sz="quarter" idx="11"/>
+          </p:nvPr>
+        </p:nvSpPr>
+        <p:spPr/>
+        <p:txBody>
+          <a:bodyPr/>
+          <a:lstStyle/>
+          <a:p>
+            <a:r>
+              <a:rPr lang="en-US"/>
+              <a:t>© 2016 EV3Lessons.com, Last edit 7/06/2016</a:t>
+            </a:r>
             <a:endParaRPr lang="en-US" dirty="0"/>
-          </a:p>
-        </p:txBody>
-      </p:sp>
-      <p:sp>
-        <p:nvSpPr>
-          <p:cNvPr id="4" name="Footer Placeholder 3"/>
-          <p:cNvSpPr>
-            <a:spLocks noGrp="1"/>
-          </p:cNvSpPr>
-          <p:nvPr>
-            <p:ph type="ftr" sz="quarter" idx="11"/>
-          </p:nvPr>
-        </p:nvSpPr>
-        <p:spPr/>
-        <p:txBody>
-          <a:bodyPr/>
-          <a:lstStyle/>
-          <a:p>
-            <a:r>
-              <a:rPr lang="en-US" smtClean="0"/>
-              <a:t>© 2015 EV3Lessons.com, Last edit 5/26/2015</a:t>
-            </a:r>
-            <a:endParaRPr lang="en-US" dirty="0"/>
-          </a:p>
-        </p:txBody>
-      </p:sp>
-      <p:sp>
-        <p:nvSpPr>
-          <p:cNvPr id="3" name="Slide Number Placeholder 2"/>
-          <p:cNvSpPr>
-            <a:spLocks noGrp="1"/>
-          </p:cNvSpPr>
-          <p:nvPr>
-            <p:ph type="sldNum" sz="quarter" idx="12"/>
-          </p:nvPr>
-        </p:nvSpPr>
-        <p:spPr/>
-        <p:txBody>
-          <a:bodyPr/>
-          <a:lstStyle/>
-          <a:p>
-            <a:fld id="{4382A7F7-08BF-4252-8141-63FB96055BBB}" type="slidenum">
-              <a:rPr lang="en-US" smtClean="0"/>
-              <a:t>7</a:t>
-            </a:fld>
-            <a:endParaRPr lang="en-US"/>
           </a:p>
         </p:txBody>
       </p:sp>
@@ -7353,10 +10949,9 @@
           <a:lstStyle/>
           <a:p>
             <a:r>
-              <a:rPr lang="en-US" dirty="0" smtClean="0"/>
+              <a:rPr lang="en-US" dirty="0"/>
               <a:t>Make sure to set your remote to channel 1 using the slider button on remote.</a:t>
             </a:r>
-            <a:endParaRPr lang="en-US" dirty="0"/>
           </a:p>
         </p:txBody>
       </p:sp>
@@ -7408,56 +11003,32 @@
           <a:lstStyle/>
           <a:p>
             <a:r>
-              <a:rPr lang="en-US" dirty="0" smtClean="0"/>
+              <a:rPr lang="en-US" dirty="0"/>
               <a:t>Solution: Dog Follower</a:t>
             </a:r>
+          </a:p>
+        </p:txBody>
+      </p:sp>
+      <p:sp>
+        <p:nvSpPr>
+          <p:cNvPr id="4" name="Footer Placeholder 3"/>
+          <p:cNvSpPr>
+            <a:spLocks noGrp="1"/>
+          </p:cNvSpPr>
+          <p:nvPr>
+            <p:ph type="ftr" sz="quarter" idx="11"/>
+          </p:nvPr>
+        </p:nvSpPr>
+        <p:spPr/>
+        <p:txBody>
+          <a:bodyPr/>
+          <a:lstStyle/>
+          <a:p>
+            <a:r>
+              <a:rPr lang="en-US"/>
+              <a:t>© 2016 EV3Lessons.com, Last edit 7/06/2016</a:t>
+            </a:r>
             <a:endParaRPr lang="en-US" dirty="0"/>
-          </a:p>
-        </p:txBody>
-      </p:sp>
-      <p:sp>
-        <p:nvSpPr>
-          <p:cNvPr id="4" name="Footer Placeholder 3"/>
-          <p:cNvSpPr>
-            <a:spLocks noGrp="1"/>
-          </p:cNvSpPr>
-          <p:nvPr>
-            <p:ph type="ftr" sz="quarter" idx="11"/>
-          </p:nvPr>
-        </p:nvSpPr>
-        <p:spPr/>
-        <p:txBody>
-          <a:bodyPr/>
-          <a:lstStyle/>
-          <a:p>
-            <a:r>
-              <a:rPr lang="en-US" smtClean="0"/>
-              <a:t>© 2015 EV3Lessons.com, Last edit 5/26/2015</a:t>
-            </a:r>
-            <a:endParaRPr lang="en-US" dirty="0"/>
-          </a:p>
-        </p:txBody>
-      </p:sp>
-      <p:sp>
-        <p:nvSpPr>
-          <p:cNvPr id="5" name="Slide Number Placeholder 4"/>
-          <p:cNvSpPr>
-            <a:spLocks noGrp="1"/>
-          </p:cNvSpPr>
-          <p:nvPr>
-            <p:ph type="sldNum" sz="quarter" idx="12"/>
-          </p:nvPr>
-        </p:nvSpPr>
-        <p:spPr/>
-        <p:txBody>
-          <a:bodyPr/>
-          <a:lstStyle/>
-          <a:p>
-            <a:fld id="{4382A7F7-08BF-4252-8141-63FB96055BBB}" type="slidenum">
-              <a:rPr lang="en-US" smtClean="0"/>
-              <a:t>8</a:t>
-            </a:fld>
-            <a:endParaRPr lang="en-US"/>
           </a:p>
         </p:txBody>
       </p:sp>
@@ -7539,10 +11110,9 @@
           <a:lstStyle/>
           <a:p>
             <a:r>
-              <a:rPr lang="en-US" dirty="0" smtClean="0"/>
+              <a:rPr lang="en-US" dirty="0"/>
               <a:t>Challenge 3: Compare Sensors</a:t>
             </a:r>
-            <a:endParaRPr lang="en-US" dirty="0"/>
           </a:p>
         </p:txBody>
       </p:sp>
@@ -7572,7 +11142,7 @@
               <a:buNone/>
             </a:pPr>
             <a:r>
-              <a:rPr lang="en-US" sz="1600" b="1" u="sng" dirty="0" smtClean="0"/>
+              <a:rPr lang="en-US" sz="1600" b="1" u="sng" dirty="0"/>
               <a:t>Instructions:</a:t>
             </a:r>
           </a:p>
@@ -7581,7 +11151,7 @@
               <a:buAutoNum type="arabicParenR"/>
             </a:pPr>
             <a:r>
-              <a:rPr lang="en-US" sz="1600" dirty="0" smtClean="0"/>
+              <a:rPr lang="en-US" sz="1600" dirty="0"/>
               <a:t>Hold the each sensor 10CM away from the material and check the sensor readings on Port View</a:t>
             </a:r>
           </a:p>
@@ -7590,7 +11160,7 @@
               <a:buAutoNum type="arabicParenR"/>
             </a:pPr>
             <a:r>
-              <a:rPr lang="en-US" sz="1600" dirty="0" smtClean="0"/>
+              <a:rPr lang="en-US" sz="1600" dirty="0"/>
               <a:t>Pick reflective and non-reflective surfaces to try</a:t>
             </a:r>
           </a:p>
@@ -7599,7 +11169,7 @@
               <a:buNone/>
             </a:pPr>
             <a:r>
-              <a:rPr lang="en-US" sz="1600" b="1" u="sng" dirty="0" smtClean="0"/>
+              <a:rPr lang="en-US" sz="1600" b="1" u="sng" dirty="0"/>
               <a:t>Lesson: </a:t>
             </a:r>
           </a:p>
@@ -7608,10 +11178,9 @@
               <a:buNone/>
             </a:pPr>
             <a:r>
-              <a:rPr lang="en-US" sz="1600" dirty="0" smtClean="0"/>
+              <a:rPr lang="en-US" sz="1600" dirty="0"/>
               <a:t>The Infrared Sensor’s reading are based on the intensity of the reflective light.  It will not be as accurate as an ultrasonic sensor in measuring how far away an object is. Try different distances next.</a:t>
             </a:r>
-            <a:endParaRPr lang="en-US" sz="1600" dirty="0"/>
           </a:p>
         </p:txBody>
       </p:sp>
@@ -7631,33 +11200,9 @@
           <a:lstStyle/>
           <a:p>
             <a:r>
-              <a:rPr lang="en-US" smtClean="0"/>
-              <a:t>© 2015 EV3Lessons.com, Last edit 5/26/2015</a:t>
-            </a:r>
-            <a:endParaRPr lang="en-US"/>
-          </a:p>
-        </p:txBody>
-      </p:sp>
-      <p:sp>
-        <p:nvSpPr>
-          <p:cNvPr id="5" name="Slide Number Placeholder 4"/>
-          <p:cNvSpPr>
-            <a:spLocks noGrp="1"/>
-          </p:cNvSpPr>
-          <p:nvPr>
-            <p:ph type="sldNum" sz="quarter" idx="12"/>
-          </p:nvPr>
-        </p:nvSpPr>
-        <p:spPr/>
-        <p:txBody>
-          <a:bodyPr/>
-          <a:lstStyle/>
-          <a:p>
-            <a:fld id="{4382A7F7-08BF-4252-8141-63FB96055BBB}" type="slidenum">
-              <a:rPr lang="en-US" smtClean="0"/>
-              <a:t>9</a:t>
-            </a:fld>
-            <a:endParaRPr lang="en-US"/>
+              <a:rPr lang="en-US"/>
+              <a:t>© 2016 EV3Lessons.com, Last edit 7/06/2016</a:t>
+            </a:r>
           </a:p>
         </p:txBody>
       </p:sp>
@@ -7686,10 +11231,34 @@
                 <a:tableStyleId>{5C22544A-7EE6-4342-B048-85BDC9FD1C3A}</a:tableStyleId>
               </a:tblPr>
               <a:tblGrid>
-                <a:gridCol w="1204637"/>
-                <a:gridCol w="960106"/>
-                <a:gridCol w="1326902"/>
-                <a:gridCol w="1326902"/>
+                <a:gridCol w="1204637">
+                  <a:extLst>
+                    <a:ext uri="{9D8B030D-6E8A-4147-A177-3AD203B41FA5}">
+                      <a16:colId xmlns:a16="http://schemas.microsoft.com/office/drawing/2014/main" val="20000"/>
+                    </a:ext>
+                  </a:extLst>
+                </a:gridCol>
+                <a:gridCol w="960106">
+                  <a:extLst>
+                    <a:ext uri="{9D8B030D-6E8A-4147-A177-3AD203B41FA5}">
+                      <a16:colId xmlns:a16="http://schemas.microsoft.com/office/drawing/2014/main" val="20001"/>
+                    </a:ext>
+                  </a:extLst>
+                </a:gridCol>
+                <a:gridCol w="1326902">
+                  <a:extLst>
+                    <a:ext uri="{9D8B030D-6E8A-4147-A177-3AD203B41FA5}">
+                      <a16:colId xmlns:a16="http://schemas.microsoft.com/office/drawing/2014/main" val="20002"/>
+                    </a:ext>
+                  </a:extLst>
+                </a:gridCol>
+                <a:gridCol w="1326902">
+                  <a:extLst>
+                    <a:ext uri="{9D8B030D-6E8A-4147-A177-3AD203B41FA5}">
+                      <a16:colId xmlns:a16="http://schemas.microsoft.com/office/drawing/2014/main" val="20003"/>
+                    </a:ext>
+                  </a:extLst>
+                </a:gridCol>
               </a:tblGrid>
               <a:tr h="714392">
                 <a:tc>
@@ -7698,10 +11267,9 @@
                     <a:lstStyle/>
                     <a:p>
                       <a:r>
-                        <a:rPr lang="en-US" sz="1400" dirty="0" smtClean="0"/>
+                        <a:rPr lang="en-US" sz="1400" dirty="0"/>
                         <a:t>Surface</a:t>
                       </a:r>
-                      <a:endParaRPr lang="en-US" sz="1400" dirty="0"/>
                     </a:p>
                   </a:txBody>
                   <a:tcPr/>
@@ -7712,11 +11280,11 @@
                     <a:lstStyle/>
                     <a:p>
                       <a:r>
-                        <a:rPr lang="en-US" sz="1400" dirty="0" smtClean="0"/>
+                        <a:rPr lang="en-US" sz="1400" dirty="0"/>
                         <a:t>Actual Distance</a:t>
                       </a:r>
                       <a:r>
-                        <a:rPr lang="en-US" sz="1400" baseline="0" dirty="0" smtClean="0"/>
+                        <a:rPr lang="en-US" sz="1400" baseline="0" dirty="0"/>
                         <a:t> to Surface</a:t>
                       </a:r>
                       <a:endParaRPr lang="en-US" sz="1400" dirty="0"/>
@@ -7730,10 +11298,9 @@
                     <a:lstStyle/>
                     <a:p>
                       <a:r>
-                        <a:rPr lang="en-US" sz="1400" dirty="0" smtClean="0"/>
+                        <a:rPr lang="en-US" sz="1400" dirty="0"/>
                         <a:t>Ultrasonic Measurement</a:t>
                       </a:r>
-                      <a:endParaRPr lang="en-US" sz="1400" dirty="0"/>
                     </a:p>
                   </a:txBody>
                   <a:tcPr/>
@@ -7744,11 +11311,11 @@
                     <a:lstStyle/>
                     <a:p>
                       <a:r>
-                        <a:rPr lang="en-US" sz="1400" dirty="0" smtClean="0"/>
+                        <a:rPr lang="en-US" sz="1400" dirty="0"/>
                         <a:t>Infrared</a:t>
                       </a:r>
                       <a:r>
-                        <a:rPr lang="en-US" sz="1400" baseline="0" dirty="0" smtClean="0"/>
+                        <a:rPr lang="en-US" sz="1400" baseline="0" dirty="0"/>
                         <a:t> Measurement</a:t>
                       </a:r>
                       <a:endParaRPr lang="en-US" sz="1400" dirty="0"/>
@@ -7756,6 +11323,11 @@
                   </a:txBody>
                   <a:tcPr/>
                 </a:tc>
+                <a:extLst>
+                  <a:ext uri="{0D108BD9-81ED-4DB2-BD59-A6C34878D82A}">
+                    <a16:rowId xmlns:a16="http://schemas.microsoft.com/office/drawing/2014/main" val="10000"/>
+                  </a:ext>
+                </a:extLst>
               </a:tr>
               <a:tr h="980781">
                 <a:tc>
@@ -7764,10 +11336,9 @@
                     <a:lstStyle/>
                     <a:p>
                       <a:r>
-                        <a:rPr lang="en-US" dirty="0" smtClean="0"/>
+                        <a:rPr lang="en-US" dirty="0"/>
                         <a:t>Aluminum Foil</a:t>
                       </a:r>
-                      <a:endParaRPr lang="en-US" dirty="0"/>
                     </a:p>
                   </a:txBody>
                   <a:tcPr/>
@@ -7778,10 +11349,9 @@
                     <a:lstStyle/>
                     <a:p>
                       <a:r>
-                        <a:rPr lang="en-US" dirty="0" smtClean="0"/>
+                        <a:rPr lang="en-US" dirty="0"/>
                         <a:t>10CM</a:t>
                       </a:r>
-                      <a:endParaRPr lang="en-US" dirty="0"/>
                     </a:p>
                   </a:txBody>
                   <a:tcPr/>
@@ -7806,6 +11376,11 @@
                   </a:txBody>
                   <a:tcPr/>
                 </a:tc>
+                <a:extLst>
+                  <a:ext uri="{0D108BD9-81ED-4DB2-BD59-A6C34878D82A}">
+                    <a16:rowId xmlns:a16="http://schemas.microsoft.com/office/drawing/2014/main" val="10001"/>
+                  </a:ext>
+                </a:extLst>
               </a:tr>
               <a:tr h="1143028">
                 <a:tc>
@@ -7814,10 +11389,9 @@
                     <a:lstStyle/>
                     <a:p>
                       <a:r>
-                        <a:rPr lang="en-US" dirty="0" smtClean="0"/>
+                        <a:rPr lang="en-US" dirty="0"/>
                         <a:t>Wooden Table</a:t>
                       </a:r>
-                      <a:endParaRPr lang="en-US" dirty="0"/>
                     </a:p>
                   </a:txBody>
                   <a:tcPr/>
@@ -7828,10 +11402,9 @@
                     <a:lstStyle/>
                     <a:p>
                       <a:r>
-                        <a:rPr lang="en-US" dirty="0" smtClean="0"/>
+                        <a:rPr lang="en-US" dirty="0"/>
                         <a:t>10CM</a:t>
                       </a:r>
-                      <a:endParaRPr lang="en-US" dirty="0"/>
                     </a:p>
                   </a:txBody>
                   <a:tcPr/>
@@ -7856,6 +11429,11 @@
                   </a:txBody>
                   <a:tcPr/>
                 </a:tc>
+                <a:extLst>
+                  <a:ext uri="{0D108BD9-81ED-4DB2-BD59-A6C34878D82A}">
+                    <a16:rowId xmlns:a16="http://schemas.microsoft.com/office/drawing/2014/main" val="10002"/>
+                  </a:ext>
+                </a:extLst>
               </a:tr>
               <a:tr h="500075">
                 <a:tc>
@@ -7864,10 +11442,9 @@
                     <a:lstStyle/>
                     <a:p>
                       <a:r>
-                        <a:rPr lang="en-US" dirty="0" smtClean="0"/>
+                        <a:rPr lang="en-US" dirty="0"/>
                         <a:t>Black Paper</a:t>
                       </a:r>
-                      <a:endParaRPr lang="en-US" dirty="0"/>
                     </a:p>
                   </a:txBody>
                   <a:tcPr/>
@@ -7878,10 +11455,9 @@
                     <a:lstStyle/>
                     <a:p>
                       <a:r>
-                        <a:rPr lang="en-US" dirty="0" smtClean="0"/>
+                        <a:rPr lang="en-US" dirty="0"/>
                         <a:t>10 CM</a:t>
                       </a:r>
-                      <a:endParaRPr lang="en-US" dirty="0"/>
                     </a:p>
                   </a:txBody>
                   <a:tcPr/>
@@ -7906,6 +11482,11 @@
                   </a:txBody>
                   <a:tcPr/>
                 </a:tc>
+                <a:extLst>
+                  <a:ext uri="{0D108BD9-81ED-4DB2-BD59-A6C34878D82A}">
+                    <a16:rowId xmlns:a16="http://schemas.microsoft.com/office/drawing/2014/main" val="10003"/>
+                  </a:ext>
+                </a:extLst>
               </a:tr>
               <a:tr h="314324">
                 <a:tc>
@@ -7914,10 +11495,9 @@
                     <a:lstStyle/>
                     <a:p>
                       <a:r>
-                        <a:rPr lang="en-US" dirty="0" smtClean="0"/>
+                        <a:rPr lang="en-US" dirty="0"/>
                         <a:t>Glass</a:t>
                       </a:r>
-                      <a:endParaRPr lang="en-US" dirty="0"/>
                     </a:p>
                   </a:txBody>
                   <a:tcPr/>
@@ -7928,10 +11508,9 @@
                     <a:lstStyle/>
                     <a:p>
                       <a:r>
-                        <a:rPr lang="en-US" dirty="0" smtClean="0"/>
+                        <a:rPr lang="en-US" dirty="0"/>
                         <a:t>10 CM</a:t>
                       </a:r>
-                      <a:endParaRPr lang="en-US" dirty="0"/>
                     </a:p>
                   </a:txBody>
                   <a:tcPr/>
@@ -7956,6 +11535,11 @@
                   </a:txBody>
                   <a:tcPr/>
                 </a:tc>
+                <a:extLst>
+                  <a:ext uri="{0D108BD9-81ED-4DB2-BD59-A6C34878D82A}">
+                    <a16:rowId xmlns:a16="http://schemas.microsoft.com/office/drawing/2014/main" val="10004"/>
+                  </a:ext>
+                </a:extLst>
               </a:tr>
               <a:tr h="550067">
                 <a:tc>
@@ -7964,10 +11548,9 @@
                     <a:lstStyle/>
                     <a:p>
                       <a:r>
-                        <a:rPr lang="en-US" dirty="0" smtClean="0"/>
+                        <a:rPr lang="en-US" dirty="0"/>
                         <a:t>White Paper</a:t>
                       </a:r>
-                      <a:endParaRPr lang="en-US" dirty="0"/>
                     </a:p>
                   </a:txBody>
                   <a:tcPr/>
@@ -7978,10 +11561,9 @@
                     <a:lstStyle/>
                     <a:p>
                       <a:r>
-                        <a:rPr lang="en-US" dirty="0" smtClean="0"/>
+                        <a:rPr lang="en-US" dirty="0"/>
                         <a:t>10 CM</a:t>
                       </a:r>
-                      <a:endParaRPr lang="en-US" dirty="0"/>
                     </a:p>
                   </a:txBody>
                   <a:tcPr/>
@@ -8006,6 +11588,11 @@
                   </a:txBody>
                   <a:tcPr/>
                 </a:tc>
+                <a:extLst>
+                  <a:ext uri="{0D108BD9-81ED-4DB2-BD59-A6C34878D82A}">
+                    <a16:rowId xmlns:a16="http://schemas.microsoft.com/office/drawing/2014/main" val="10005"/>
+                  </a:ext>
+                </a:extLst>
               </a:tr>
             </a:tbl>
           </a:graphicData>
@@ -8308,9 +11895,9 @@
 </file>
 
 <file path=ppt/theme/theme2.xml><?xml version="1.0" encoding="utf-8"?>
-<a:theme xmlns:a="http://schemas.openxmlformats.org/drawingml/2006/main" name="Office Theme">
+<a:theme xmlns:a="http://schemas.openxmlformats.org/drawingml/2006/main" name="intermediatev2">
   <a:themeElements>
-    <a:clrScheme name="Office">
+    <a:clrScheme name="Blue II">
       <a:dk1>
         <a:sysClr val="windowText" lastClr="000000"/>
       </a:dk1>
@@ -8318,39 +11905,39 @@
         <a:sysClr val="window" lastClr="FFFFFF"/>
       </a:lt1>
       <a:dk2>
-        <a:srgbClr val="1F497D"/>
+        <a:srgbClr val="335B74"/>
       </a:dk2>
       <a:lt2>
-        <a:srgbClr val="EEECE1"/>
+        <a:srgbClr val="DFE3E5"/>
       </a:lt2>
       <a:accent1>
-        <a:srgbClr val="4F81BD"/>
+        <a:srgbClr val="1CADE4"/>
       </a:accent1>
       <a:accent2>
-        <a:srgbClr val="C0504D"/>
+        <a:srgbClr val="2683C6"/>
       </a:accent2>
       <a:accent3>
-        <a:srgbClr val="9BBB59"/>
+        <a:srgbClr val="27CED7"/>
       </a:accent3>
       <a:accent4>
-        <a:srgbClr val="8064A2"/>
+        <a:srgbClr val="42BA97"/>
       </a:accent4>
       <a:accent5>
-        <a:srgbClr val="4BACC6"/>
+        <a:srgbClr val="3E8853"/>
       </a:accent5>
       <a:accent6>
-        <a:srgbClr val="F79646"/>
+        <a:srgbClr val="62A39F"/>
       </a:accent6>
       <a:hlink>
-        <a:srgbClr val="0000FF"/>
+        <a:srgbClr val="6EAC1C"/>
       </a:hlink>
       <a:folHlink>
-        <a:srgbClr val="800080"/>
+        <a:srgbClr val="B26B02"/>
       </a:folHlink>
     </a:clrScheme>
-    <a:fontScheme name="Office">
+    <a:fontScheme name="Retrospect">
       <a:majorFont>
-        <a:latin typeface="Calibri"/>
+        <a:latin typeface="Calibri Light" panose="020F0302020204030204"/>
         <a:ea typeface=""/>
         <a:cs typeface=""/>
         <a:font script="Jpan" typeface="ＭＳ Ｐゴシック"/>
@@ -8385,7 +11972,7 @@
         <a:font script="Geor" typeface="Sylfaen"/>
       </a:majorFont>
       <a:minorFont>
-        <a:latin typeface="Calibri"/>
+        <a:latin typeface="Calibri" panose="020F0502020204030204"/>
         <a:ea typeface=""/>
         <a:cs typeface=""/>
         <a:font script="Jpan" typeface="ＭＳ Ｐゴシック"/>
@@ -8420,7 +12007,7 @@
         <a:font script="Geor" typeface="Sylfaen"/>
       </a:minorFont>
     </a:fontScheme>
-    <a:fmtScheme name="Office">
+    <a:fmtScheme name="Retrospect">
       <a:fillStyleLst>
         <a:solidFill>
           <a:schemeClr val="phClr"/>
@@ -8429,52 +12016,73 @@
           <a:gsLst>
             <a:gs pos="0">
               <a:schemeClr val="phClr">
-                <a:tint val="50000"/>
-                <a:satMod val="300000"/>
+                <a:tint val="65000"/>
+                <a:shade val="92000"/>
+                <a:satMod val="130000"/>
               </a:schemeClr>
             </a:gs>
-            <a:gs pos="35000">
+            <a:gs pos="45000">
               <a:schemeClr val="phClr">
-                <a:tint val="37000"/>
-                <a:satMod val="300000"/>
+                <a:tint val="60000"/>
+                <a:shade val="99000"/>
+                <a:satMod val="120000"/>
               </a:schemeClr>
             </a:gs>
             <a:gs pos="100000">
               <a:schemeClr val="phClr">
-                <a:tint val="15000"/>
-                <a:satMod val="350000"/>
+                <a:tint val="55000"/>
+                <a:satMod val="140000"/>
               </a:schemeClr>
             </a:gs>
           </a:gsLst>
-          <a:lin ang="16200000" scaled="1"/>
+          <a:path path="circle">
+            <a:fillToRect l="100000" t="100000" r="100000" b="100000"/>
+          </a:path>
         </a:gradFill>
         <a:gradFill rotWithShape="1">
           <a:gsLst>
             <a:gs pos="0">
               <a:schemeClr val="phClr">
+                <a:shade val="85000"/>
+                <a:satMod val="130000"/>
+              </a:schemeClr>
+            </a:gs>
+            <a:gs pos="34000">
+              <a:schemeClr val="phClr">
+                <a:shade val="87000"/>
+                <a:satMod val="125000"/>
+              </a:schemeClr>
+            </a:gs>
+            <a:gs pos="70000">
+              <a:schemeClr val="phClr">
                 <a:tint val="100000"/>
-                <a:shade val="100000"/>
+                <a:shade val="90000"/>
                 <a:satMod val="130000"/>
               </a:schemeClr>
             </a:gs>
             <a:gs pos="100000">
               <a:schemeClr val="phClr">
-                <a:tint val="50000"/>
+                <a:tint val="100000"/>
                 <a:shade val="100000"/>
-                <a:satMod val="350000"/>
+                <a:satMod val="110000"/>
               </a:schemeClr>
             </a:gs>
           </a:gsLst>
-          <a:lin ang="16200000" scaled="0"/>
+          <a:path path="circle">
+            <a:fillToRect l="100000" t="100000" r="100000" b="100000"/>
+          </a:path>
         </a:gradFill>
       </a:fillStyleLst>
       <a:lnStyleLst>
-        <a:ln w="9525" cap="flat" cmpd="sng" algn="ctr">
+        <a:ln w="12700" cap="flat" cmpd="sng" algn="ctr">
           <a:solidFill>
-            <a:schemeClr val="phClr">
-              <a:shade val="95000"/>
-              <a:satMod val="105000"/>
-            </a:schemeClr>
+            <a:schemeClr val="phClr"/>
+          </a:solidFill>
+          <a:prstDash val="solid"/>
+        </a:ln>
+        <a:ln w="15875" cap="flat" cmpd="sng" algn="ctr">
+          <a:solidFill>
+            <a:schemeClr val="phClr"/>
           </a:solidFill>
           <a:prstDash val="solid"/>
         </a:ln>
@@ -8484,37 +12092,25 @@
           </a:solidFill>
           <a:prstDash val="solid"/>
         </a:ln>
-        <a:ln w="38100" cap="flat" cmpd="sng" algn="ctr">
-          <a:solidFill>
-            <a:schemeClr val="phClr"/>
-          </a:solidFill>
-          <a:prstDash val="solid"/>
-        </a:ln>
       </a:lnStyleLst>
       <a:effectStyleLst>
         <a:effectStyle>
+          <a:effectLst/>
+        </a:effectStyle>
+        <a:effectStyle>
           <a:effectLst>
-            <a:outerShdw blurRad="40000" dist="20000" dir="5400000" rotWithShape="0">
+            <a:outerShdw blurRad="38100" dist="25400" dir="2700000" algn="br" rotWithShape="0">
               <a:srgbClr val="000000">
-                <a:alpha val="38000"/>
+                <a:alpha val="60000"/>
               </a:srgbClr>
             </a:outerShdw>
           </a:effectLst>
         </a:effectStyle>
         <a:effectStyle>
           <a:effectLst>
-            <a:outerShdw blurRad="40000" dist="23000" dir="5400000" rotWithShape="0">
+            <a:outerShdw blurRad="44450" dist="25400" dir="2700000" algn="br" rotWithShape="0">
               <a:srgbClr val="000000">
-                <a:alpha val="35000"/>
-              </a:srgbClr>
-            </a:outerShdw>
-          </a:effectLst>
-        </a:effectStyle>
-        <a:effectStyle>
-          <a:effectLst>
-            <a:outerShdw blurRad="40000" dist="23000" dir="5400000" rotWithShape="0">
-              <a:srgbClr val="000000">
-                <a:alpha val="35000"/>
+                <a:alpha val="60000"/>
               </a:srgbClr>
             </a:outerShdw>
           </a:effectLst>
@@ -8523,11 +12119,11 @@
               <a:rot lat="0" lon="0" rev="0"/>
             </a:camera>
             <a:lightRig rig="threePt" dir="t">
-              <a:rot lat="0" lon="0" rev="1200000"/>
+              <a:rot lat="0" lon="0" rev="19800000"/>
             </a:lightRig>
           </a:scene3d>
-          <a:sp3d>
-            <a:bevelT w="63500" h="25400"/>
+          <a:sp3d prstMaterial="flat">
+            <a:bevelT w="25400" h="31750"/>
           </a:sp3d>
         </a:effectStyle>
       </a:effectStyleLst>
@@ -8535,95 +12131,49 @@
         <a:solidFill>
           <a:schemeClr val="phClr"/>
         </a:solidFill>
+        <a:solidFill>
+          <a:schemeClr val="phClr">
+            <a:tint val="90000"/>
+            <a:shade val="97000"/>
+            <a:satMod val="130000"/>
+          </a:schemeClr>
+        </a:solidFill>
         <a:gradFill rotWithShape="1">
           <a:gsLst>
             <a:gs pos="0">
               <a:schemeClr val="phClr">
-                <a:tint val="40000"/>
-                <a:satMod val="350000"/>
+                <a:tint val="96000"/>
+                <a:shade val="99000"/>
+                <a:satMod val="140000"/>
               </a:schemeClr>
             </a:gs>
-            <a:gs pos="40000">
+            <a:gs pos="65000">
               <a:schemeClr val="phClr">
-                <a:tint val="45000"/>
-                <a:shade val="99000"/>
-                <a:satMod val="350000"/>
+                <a:tint val="100000"/>
+                <a:shade val="80000"/>
+                <a:satMod val="130000"/>
               </a:schemeClr>
             </a:gs>
             <a:gs pos="100000">
               <a:schemeClr val="phClr">
-                <a:shade val="20000"/>
-                <a:satMod val="255000"/>
+                <a:tint val="100000"/>
+                <a:shade val="48000"/>
+                <a:satMod val="120000"/>
               </a:schemeClr>
             </a:gs>
           </a:gsLst>
-          <a:path path="circle">
-            <a:fillToRect l="50000" t="-80000" r="50000" b="180000"/>
-          </a:path>
-        </a:gradFill>
-        <a:gradFill rotWithShape="1">
-          <a:gsLst>
-            <a:gs pos="0">
-              <a:schemeClr val="phClr">
-                <a:tint val="80000"/>
-                <a:satMod val="300000"/>
-              </a:schemeClr>
-            </a:gs>
-            <a:gs pos="100000">
-              <a:schemeClr val="phClr">
-                <a:shade val="30000"/>
-                <a:satMod val="200000"/>
-              </a:schemeClr>
-            </a:gs>
-          </a:gsLst>
-          <a:path path="circle">
-            <a:fillToRect l="50000" t="50000" r="50000" b="50000"/>
-          </a:path>
+          <a:lin ang="16200000" scaled="0"/>
         </a:gradFill>
       </a:bgFillStyleLst>
     </a:fmtScheme>
   </a:themeElements>
-  <a:objectDefaults>
-    <a:spDef>
-      <a:spPr/>
-      <a:bodyPr/>
-      <a:lstStyle/>
-      <a:style>
-        <a:lnRef idx="1">
-          <a:schemeClr val="accent1"/>
-        </a:lnRef>
-        <a:fillRef idx="3">
-          <a:schemeClr val="accent1"/>
-        </a:fillRef>
-        <a:effectRef idx="2">
-          <a:schemeClr val="accent1"/>
-        </a:effectRef>
-        <a:fontRef idx="minor">
-          <a:schemeClr val="lt1"/>
-        </a:fontRef>
-      </a:style>
-    </a:spDef>
-    <a:lnDef>
-      <a:spPr/>
-      <a:bodyPr/>
-      <a:lstStyle/>
-      <a:style>
-        <a:lnRef idx="2">
-          <a:schemeClr val="accent1"/>
-        </a:lnRef>
-        <a:fillRef idx="0">
-          <a:schemeClr val="accent1"/>
-        </a:fillRef>
-        <a:effectRef idx="1">
-          <a:schemeClr val="accent1"/>
-        </a:effectRef>
-        <a:fontRef idx="minor">
-          <a:schemeClr val="tx1"/>
-        </a:fontRef>
-      </a:style>
-    </a:lnDef>
-  </a:objectDefaults>
+  <a:objectDefaults/>
   <a:extraClrSchemeLst/>
+  <a:extLst>
+    <a:ext uri="{05A4C25C-085E-4340-85A3-A5531E510DB2}">
+      <thm15:themeFamily xmlns:thm15="http://schemas.microsoft.com/office/thememl/2012/main" name="intermediatev2" id="{63F5E447-E8B5-4335-8726-12777BA731C5}" vid="{7C754D33-5435-4000-AB94-F54A58B2A981}"/>
+    </a:ext>
+  </a:extLst>
 </a:theme>
 </file>
 
@@ -8945,4 +12495,324 @@
   </a:objectDefaults>
   <a:extraClrSchemeLst/>
 </a:theme>
+</file>
+
+<file path=ppt/theme/theme4.xml><?xml version="1.0" encoding="utf-8"?>
+<a:theme xmlns:a="http://schemas.openxmlformats.org/drawingml/2006/main" name="Office Theme">
+  <a:themeElements>
+    <a:clrScheme name="Office">
+      <a:dk1>
+        <a:sysClr val="windowText" lastClr="000000"/>
+      </a:dk1>
+      <a:lt1>
+        <a:sysClr val="window" lastClr="FFFFFF"/>
+      </a:lt1>
+      <a:dk2>
+        <a:srgbClr val="1F497D"/>
+      </a:dk2>
+      <a:lt2>
+        <a:srgbClr val="EEECE1"/>
+      </a:lt2>
+      <a:accent1>
+        <a:srgbClr val="4F81BD"/>
+      </a:accent1>
+      <a:accent2>
+        <a:srgbClr val="C0504D"/>
+      </a:accent2>
+      <a:accent3>
+        <a:srgbClr val="9BBB59"/>
+      </a:accent3>
+      <a:accent4>
+        <a:srgbClr val="8064A2"/>
+      </a:accent4>
+      <a:accent5>
+        <a:srgbClr val="4BACC6"/>
+      </a:accent5>
+      <a:accent6>
+        <a:srgbClr val="F79646"/>
+      </a:accent6>
+      <a:hlink>
+        <a:srgbClr val="0000FF"/>
+      </a:hlink>
+      <a:folHlink>
+        <a:srgbClr val="800080"/>
+      </a:folHlink>
+    </a:clrScheme>
+    <a:fontScheme name="Office">
+      <a:majorFont>
+        <a:latin typeface="Calibri"/>
+        <a:ea typeface=""/>
+        <a:cs typeface=""/>
+        <a:font script="Jpan" typeface="ＭＳ Ｐゴシック"/>
+        <a:font script="Hang" typeface="맑은 고딕"/>
+        <a:font script="Hans" typeface="宋体"/>
+        <a:font script="Hant" typeface="新細明體"/>
+        <a:font script="Arab" typeface="Times New Roman"/>
+        <a:font script="Hebr" typeface="Times New Roman"/>
+        <a:font script="Thai" typeface="Angsana New"/>
+        <a:font script="Ethi" typeface="Nyala"/>
+        <a:font script="Beng" typeface="Vrinda"/>
+        <a:font script="Gujr" typeface="Shruti"/>
+        <a:font script="Khmr" typeface="MoolBoran"/>
+        <a:font script="Knda" typeface="Tunga"/>
+        <a:font script="Guru" typeface="Raavi"/>
+        <a:font script="Cans" typeface="Euphemia"/>
+        <a:font script="Cher" typeface="Plantagenet Cherokee"/>
+        <a:font script="Yiii" typeface="Microsoft Yi Baiti"/>
+        <a:font script="Tibt" typeface="Microsoft Himalaya"/>
+        <a:font script="Thaa" typeface="MV Boli"/>
+        <a:font script="Deva" typeface="Mangal"/>
+        <a:font script="Telu" typeface="Gautami"/>
+        <a:font script="Taml" typeface="Latha"/>
+        <a:font script="Syrc" typeface="Estrangelo Edessa"/>
+        <a:font script="Orya" typeface="Kalinga"/>
+        <a:font script="Mlym" typeface="Kartika"/>
+        <a:font script="Laoo" typeface="DokChampa"/>
+        <a:font script="Sinh" typeface="Iskoola Pota"/>
+        <a:font script="Mong" typeface="Mongolian Baiti"/>
+        <a:font script="Viet" typeface="Times New Roman"/>
+        <a:font script="Uigh" typeface="Microsoft Uighur"/>
+        <a:font script="Geor" typeface="Sylfaen"/>
+      </a:majorFont>
+      <a:minorFont>
+        <a:latin typeface="Calibri"/>
+        <a:ea typeface=""/>
+        <a:cs typeface=""/>
+        <a:font script="Jpan" typeface="ＭＳ Ｐゴシック"/>
+        <a:font script="Hang" typeface="맑은 고딕"/>
+        <a:font script="Hans" typeface="宋体"/>
+        <a:font script="Hant" typeface="新細明體"/>
+        <a:font script="Arab" typeface="Arial"/>
+        <a:font script="Hebr" typeface="Arial"/>
+        <a:font script="Thai" typeface="Cordia New"/>
+        <a:font script="Ethi" typeface="Nyala"/>
+        <a:font script="Beng" typeface="Vrinda"/>
+        <a:font script="Gujr" typeface="Shruti"/>
+        <a:font script="Khmr" typeface="DaunPenh"/>
+        <a:font script="Knda" typeface="Tunga"/>
+        <a:font script="Guru" typeface="Raavi"/>
+        <a:font script="Cans" typeface="Euphemia"/>
+        <a:font script="Cher" typeface="Plantagenet Cherokee"/>
+        <a:font script="Yiii" typeface="Microsoft Yi Baiti"/>
+        <a:font script="Tibt" typeface="Microsoft Himalaya"/>
+        <a:font script="Thaa" typeface="MV Boli"/>
+        <a:font script="Deva" typeface="Mangal"/>
+        <a:font script="Telu" typeface="Gautami"/>
+        <a:font script="Taml" typeface="Latha"/>
+        <a:font script="Syrc" typeface="Estrangelo Edessa"/>
+        <a:font script="Orya" typeface="Kalinga"/>
+        <a:font script="Mlym" typeface="Kartika"/>
+        <a:font script="Laoo" typeface="DokChampa"/>
+        <a:font script="Sinh" typeface="Iskoola Pota"/>
+        <a:font script="Mong" typeface="Mongolian Baiti"/>
+        <a:font script="Viet" typeface="Arial"/>
+        <a:font script="Uigh" typeface="Microsoft Uighur"/>
+        <a:font script="Geor" typeface="Sylfaen"/>
+      </a:minorFont>
+    </a:fontScheme>
+    <a:fmtScheme name="Office">
+      <a:fillStyleLst>
+        <a:solidFill>
+          <a:schemeClr val="phClr"/>
+        </a:solidFill>
+        <a:gradFill rotWithShape="1">
+          <a:gsLst>
+            <a:gs pos="0">
+              <a:schemeClr val="phClr">
+                <a:tint val="50000"/>
+                <a:satMod val="300000"/>
+              </a:schemeClr>
+            </a:gs>
+            <a:gs pos="35000">
+              <a:schemeClr val="phClr">
+                <a:tint val="37000"/>
+                <a:satMod val="300000"/>
+              </a:schemeClr>
+            </a:gs>
+            <a:gs pos="100000">
+              <a:schemeClr val="phClr">
+                <a:tint val="15000"/>
+                <a:satMod val="350000"/>
+              </a:schemeClr>
+            </a:gs>
+          </a:gsLst>
+          <a:lin ang="16200000" scaled="1"/>
+        </a:gradFill>
+        <a:gradFill rotWithShape="1">
+          <a:gsLst>
+            <a:gs pos="0">
+              <a:schemeClr val="phClr">
+                <a:tint val="100000"/>
+                <a:shade val="100000"/>
+                <a:satMod val="130000"/>
+              </a:schemeClr>
+            </a:gs>
+            <a:gs pos="100000">
+              <a:schemeClr val="phClr">
+                <a:tint val="50000"/>
+                <a:shade val="100000"/>
+                <a:satMod val="350000"/>
+              </a:schemeClr>
+            </a:gs>
+          </a:gsLst>
+          <a:lin ang="16200000" scaled="0"/>
+        </a:gradFill>
+      </a:fillStyleLst>
+      <a:lnStyleLst>
+        <a:ln w="9525" cap="flat" cmpd="sng" algn="ctr">
+          <a:solidFill>
+            <a:schemeClr val="phClr">
+              <a:shade val="95000"/>
+              <a:satMod val="105000"/>
+            </a:schemeClr>
+          </a:solidFill>
+          <a:prstDash val="solid"/>
+        </a:ln>
+        <a:ln w="25400" cap="flat" cmpd="sng" algn="ctr">
+          <a:solidFill>
+            <a:schemeClr val="phClr"/>
+          </a:solidFill>
+          <a:prstDash val="solid"/>
+        </a:ln>
+        <a:ln w="38100" cap="flat" cmpd="sng" algn="ctr">
+          <a:solidFill>
+            <a:schemeClr val="phClr"/>
+          </a:solidFill>
+          <a:prstDash val="solid"/>
+        </a:ln>
+      </a:lnStyleLst>
+      <a:effectStyleLst>
+        <a:effectStyle>
+          <a:effectLst>
+            <a:outerShdw blurRad="40000" dist="20000" dir="5400000" rotWithShape="0">
+              <a:srgbClr val="000000">
+                <a:alpha val="38000"/>
+              </a:srgbClr>
+            </a:outerShdw>
+          </a:effectLst>
+        </a:effectStyle>
+        <a:effectStyle>
+          <a:effectLst>
+            <a:outerShdw blurRad="40000" dist="23000" dir="5400000" rotWithShape="0">
+              <a:srgbClr val="000000">
+                <a:alpha val="35000"/>
+              </a:srgbClr>
+            </a:outerShdw>
+          </a:effectLst>
+        </a:effectStyle>
+        <a:effectStyle>
+          <a:effectLst>
+            <a:outerShdw blurRad="40000" dist="23000" dir="5400000" rotWithShape="0">
+              <a:srgbClr val="000000">
+                <a:alpha val="35000"/>
+              </a:srgbClr>
+            </a:outerShdw>
+          </a:effectLst>
+          <a:scene3d>
+            <a:camera prst="orthographicFront">
+              <a:rot lat="0" lon="0" rev="0"/>
+            </a:camera>
+            <a:lightRig rig="threePt" dir="t">
+              <a:rot lat="0" lon="0" rev="1200000"/>
+            </a:lightRig>
+          </a:scene3d>
+          <a:sp3d>
+            <a:bevelT w="63500" h="25400"/>
+          </a:sp3d>
+        </a:effectStyle>
+      </a:effectStyleLst>
+      <a:bgFillStyleLst>
+        <a:solidFill>
+          <a:schemeClr val="phClr"/>
+        </a:solidFill>
+        <a:gradFill rotWithShape="1">
+          <a:gsLst>
+            <a:gs pos="0">
+              <a:schemeClr val="phClr">
+                <a:tint val="40000"/>
+                <a:satMod val="350000"/>
+              </a:schemeClr>
+            </a:gs>
+            <a:gs pos="40000">
+              <a:schemeClr val="phClr">
+                <a:tint val="45000"/>
+                <a:shade val="99000"/>
+                <a:satMod val="350000"/>
+              </a:schemeClr>
+            </a:gs>
+            <a:gs pos="100000">
+              <a:schemeClr val="phClr">
+                <a:shade val="20000"/>
+                <a:satMod val="255000"/>
+              </a:schemeClr>
+            </a:gs>
+          </a:gsLst>
+          <a:path path="circle">
+            <a:fillToRect l="50000" t="-80000" r="50000" b="180000"/>
+          </a:path>
+        </a:gradFill>
+        <a:gradFill rotWithShape="1">
+          <a:gsLst>
+            <a:gs pos="0">
+              <a:schemeClr val="phClr">
+                <a:tint val="80000"/>
+                <a:satMod val="300000"/>
+              </a:schemeClr>
+            </a:gs>
+            <a:gs pos="100000">
+              <a:schemeClr val="phClr">
+                <a:shade val="30000"/>
+                <a:satMod val="200000"/>
+              </a:schemeClr>
+            </a:gs>
+          </a:gsLst>
+          <a:path path="circle">
+            <a:fillToRect l="50000" t="50000" r="50000" b="50000"/>
+          </a:path>
+        </a:gradFill>
+      </a:bgFillStyleLst>
+    </a:fmtScheme>
+  </a:themeElements>
+  <a:objectDefaults>
+    <a:spDef>
+      <a:spPr/>
+      <a:bodyPr/>
+      <a:lstStyle/>
+      <a:style>
+        <a:lnRef idx="1">
+          <a:schemeClr val="accent1"/>
+        </a:lnRef>
+        <a:fillRef idx="3">
+          <a:schemeClr val="accent1"/>
+        </a:fillRef>
+        <a:effectRef idx="2">
+          <a:schemeClr val="accent1"/>
+        </a:effectRef>
+        <a:fontRef idx="minor">
+          <a:schemeClr val="lt1"/>
+        </a:fontRef>
+      </a:style>
+    </a:spDef>
+    <a:lnDef>
+      <a:spPr/>
+      <a:bodyPr/>
+      <a:lstStyle/>
+      <a:style>
+        <a:lnRef idx="2">
+          <a:schemeClr val="accent1"/>
+        </a:lnRef>
+        <a:fillRef idx="0">
+          <a:schemeClr val="accent1"/>
+        </a:fillRef>
+        <a:effectRef idx="1">
+          <a:schemeClr val="accent1"/>
+        </a:effectRef>
+        <a:fontRef idx="minor">
+          <a:schemeClr val="tx1"/>
+        </a:fontRef>
+      </a:style>
+    </a:lnDef>
+  </a:objectDefaults>
+  <a:extraClrSchemeLst/>
+</a:theme>
 </file>
--- a/translations/en-us/intermediate/Infrared.pptx
+++ b/translations/en-us/intermediate/Infrared.pptx
@@ -223,7 +223,7 @@
           <a:p>
             <a:fld id="{E354B44E-40A3-0E46-B16A-9BF1250A248B}" type="datetimeFigureOut">
               <a:rPr lang="en-US" smtClean="0"/>
-              <a:t>7/7/2016</a:t>
+              <a:t>7/19/16</a:t>
             </a:fld>
             <a:endParaRPr lang="en-US"/>
           </a:p>
@@ -389,7 +389,7 @@
           <a:p>
             <a:fld id="{C86AD16C-2DB4-6642-BAD4-9ED973A087A0}" type="datetimeFigureOut">
               <a:rPr lang="en-US" smtClean="0"/>
-              <a:t>7/7/2016</a:t>
+              <a:t>7/19/16</a:t>
             </a:fld>
             <a:endParaRPr lang="en-US"/>
           </a:p>
@@ -930,7 +930,7 @@
           <a:p>
             <a:fld id="{B75482BB-5DD5-4583-B6E6-E6A6B4E57171}" type="datetime1">
               <a:rPr lang="en-US" smtClean="0"/>
-              <a:t>7/7/2016</a:t>
+              <a:t>7/19/16</a:t>
             </a:fld>
             <a:endParaRPr lang="en-US"/>
           </a:p>
@@ -1190,7 +1190,7 @@
           <a:noFill/>
           <a:extLst>
             <a:ext uri="{909E8E84-426E-40dd-AFC4-6F175D3DCCD1}">
-              <a14:hiddenFill xmlns="" xmlns:a14="http://schemas.microsoft.com/office/drawing/2010/main">
+              <a14:hiddenFill xmlns:a14="http://schemas.microsoft.com/office/drawing/2010/main" xmlns="">
                 <a:solidFill>
                   <a:srgbClr val="FFFFFF"/>
                 </a:solidFill>
@@ -1321,7 +1321,7 @@
           <a:p>
             <a:fld id="{0353B462-E1FD-4457-88A6-D53574D24FE6}" type="datetime1">
               <a:rPr lang="en-US" smtClean="0"/>
-              <a:t>7/7/2016</a:t>
+              <a:t>7/19/16</a:t>
             </a:fld>
             <a:endParaRPr lang="en-US"/>
           </a:p>
@@ -1580,7 +1580,7 @@
           <a:p>
             <a:fld id="{394CCA3E-C529-404A-A264-934F947D4EFE}" type="datetime1">
               <a:rPr lang="en-US" smtClean="0"/>
-              <a:t>7/7/2016</a:t>
+              <a:t>7/19/16</a:t>
             </a:fld>
             <a:endParaRPr lang="en-US"/>
           </a:p>
@@ -1834,7 +1834,7 @@
           <a:p>
             <a:fld id="{B05995BE-EEA9-460F-A854-64565FAAB871}" type="datetime1">
               <a:rPr lang="en-US" smtClean="0"/>
-              <a:t>7/7/2016</a:t>
+              <a:t>7/19/16</a:t>
             </a:fld>
             <a:endParaRPr lang="en-US"/>
           </a:p>
@@ -2279,7 +2279,7 @@
           <a:p>
             <a:fld id="{905DEC0F-822B-4AEC-A9E2-E56CB3D0B120}" type="datetime1">
               <a:rPr lang="en-US" smtClean="0"/>
-              <a:t>7/7/2016</a:t>
+              <a:t>7/19/16</a:t>
             </a:fld>
             <a:endParaRPr lang="en-US"/>
           </a:p>
@@ -2625,7 +2625,7 @@
           <a:p>
             <a:fld id="{366C8579-C8C9-4C8D-98F3-B696F5B20534}" type="datetime1">
               <a:rPr lang="en-US" smtClean="0"/>
-              <a:t>7/7/2016</a:t>
+              <a:t>7/19/16</a:t>
             </a:fld>
             <a:endParaRPr lang="en-US"/>
           </a:p>
@@ -2903,7 +2903,7 @@
           <a:p>
             <a:fld id="{B1294C58-60A5-4555-AC3C-381971D3813C}" type="datetime1">
               <a:rPr lang="en-US" smtClean="0"/>
-              <a:t>7/7/2016</a:t>
+              <a:t>7/19/16</a:t>
             </a:fld>
             <a:endParaRPr lang="en-US"/>
           </a:p>
@@ -3286,7 +3286,7 @@
           <a:p>
             <a:fld id="{1FA08D4D-CBF7-43C7-8461-20C8AE5F0860}" type="datetime1">
               <a:rPr lang="en-US" smtClean="0"/>
-              <a:t>7/7/2016</a:t>
+              <a:t>7/19/16</a:t>
             </a:fld>
             <a:endParaRPr lang="en-US"/>
           </a:p>
@@ -3407,7 +3407,7 @@
           <a:p>
             <a:fld id="{1708D510-3917-491B-9405-C039E2DF44E8}" type="datetime1">
               <a:rPr lang="en-US" smtClean="0"/>
-              <a:t>7/7/2016</a:t>
+              <a:t>7/19/16</a:t>
             </a:fld>
             <a:endParaRPr lang="en-US"/>
           </a:p>
@@ -3581,7 +3581,7 @@
           <a:p>
             <a:fld id="{E94AC558-13A0-4A6F-8FAE-36DCDB27AD5A}" type="datetime1">
               <a:rPr lang="en-US" smtClean="0"/>
-              <a:t>7/7/2016</a:t>
+              <a:t>7/19/16</a:t>
             </a:fld>
             <a:endParaRPr lang="en-US"/>
           </a:p>
@@ -3938,7 +3938,7 @@
           <a:p>
             <a:fld id="{6515BF3C-7478-4DFE-80BD-1E3AE5E0B7CD}" type="datetime1">
               <a:rPr lang="en-US" smtClean="0"/>
-              <a:t>7/7/2016</a:t>
+              <a:t>7/19/16</a:t>
             </a:fld>
             <a:endParaRPr lang="en-US"/>
           </a:p>
@@ -4132,7 +4132,7 @@
           <a:p>
             <a:fld id="{1216D4B1-2B05-4441-ACFE-1BADA70BB853}" type="datetime1">
               <a:rPr lang="en-US" smtClean="0"/>
-              <a:t>7/7/2016</a:t>
+              <a:t>7/19/16</a:t>
             </a:fld>
             <a:endParaRPr lang="en-US"/>
           </a:p>
@@ -4496,7 +4496,7 @@
           <a:p>
             <a:fld id="{3344E606-D08A-42BD-85D5-C8E242E5C180}" type="datetime1">
               <a:rPr lang="en-US" smtClean="0"/>
-              <a:t>7/7/2016</a:t>
+              <a:t>7/19/16</a:t>
             </a:fld>
             <a:endParaRPr lang="en-US"/>
           </a:p>
@@ -4669,7 +4669,7 @@
           <a:p>
             <a:fld id="{4BB94F1D-D6B9-4B8D-82D6-04DB45C67F68}" type="datetime1">
               <a:rPr lang="en-US" smtClean="0"/>
-              <a:t>7/7/2016</a:t>
+              <a:t>7/19/16</a:t>
             </a:fld>
             <a:endParaRPr lang="en-US"/>
           </a:p>
@@ -4928,7 +4928,7 @@
           <a:p>
             <a:fld id="{8921C0F7-E0ED-429B-97CA-AE4024AE805B}" type="datetime1">
               <a:rPr lang="en-US" smtClean="0"/>
-              <a:t>7/7/2016</a:t>
+              <a:t>7/19/16</a:t>
             </a:fld>
             <a:endParaRPr lang="en-US"/>
           </a:p>
@@ -5274,7 +5274,7 @@
           <a:p>
             <a:fld id="{1C025450-6801-40DA-9ACE-BDBCC63847C3}" type="datetime1">
               <a:rPr lang="en-US" smtClean="0"/>
-              <a:t>7/7/2016</a:t>
+              <a:t>7/19/16</a:t>
             </a:fld>
             <a:endParaRPr lang="en-US"/>
           </a:p>
@@ -5552,7 +5552,7 @@
           <a:p>
             <a:fld id="{65449995-60E8-44EB-9892-F1472FB19A52}" type="datetime1">
               <a:rPr lang="en-US" smtClean="0"/>
-              <a:t>7/7/2016</a:t>
+              <a:t>7/19/16</a:t>
             </a:fld>
             <a:endParaRPr lang="en-US"/>
           </a:p>
@@ -5935,7 +5935,7 @@
           <a:p>
             <a:fld id="{363823BE-0160-4C05-BBAD-4F985F6AD20B}" type="datetime1">
               <a:rPr lang="en-US" smtClean="0"/>
-              <a:t>7/7/2016</a:t>
+              <a:t>7/19/16</a:t>
             </a:fld>
             <a:endParaRPr lang="en-US"/>
           </a:p>
@@ -6056,7 +6056,7 @@
           <a:p>
             <a:fld id="{2E577C80-7EB0-4A40-9F78-FBECB6A4E2A0}" type="datetime1">
               <a:rPr lang="en-US" smtClean="0"/>
-              <a:t>7/7/2016</a:t>
+              <a:t>7/19/16</a:t>
             </a:fld>
             <a:endParaRPr lang="en-US"/>
           </a:p>
@@ -6230,7 +6230,7 @@
           <a:p>
             <a:fld id="{83512A8C-5BDE-47BE-A615-2A98F073CCC3}" type="datetime1">
               <a:rPr lang="en-US" smtClean="0"/>
-              <a:t>7/7/2016</a:t>
+              <a:t>7/19/16</a:t>
             </a:fld>
             <a:endParaRPr lang="en-US"/>
           </a:p>
@@ -6587,7 +6587,7 @@
           <a:p>
             <a:fld id="{35DE7347-0E9F-41E0-98D4-5FF50CB73EF3}" type="datetime1">
               <a:rPr lang="en-US" smtClean="0"/>
-              <a:t>7/7/2016</a:t>
+              <a:t>7/19/16</a:t>
             </a:fld>
             <a:endParaRPr lang="en-US"/>
           </a:p>
@@ -6972,7 +6972,7 @@
           <a:p>
             <a:fld id="{E5671B5F-46F0-4209-9AF5-4B0FE545C394}" type="datetime1">
               <a:rPr lang="en-US" smtClean="0"/>
-              <a:t>7/7/2016</a:t>
+              <a:t>7/19/16</a:t>
             </a:fld>
             <a:endParaRPr lang="en-US"/>
           </a:p>
@@ -7264,7 +7264,7 @@
           <a:p>
             <a:fld id="{EBD8396B-2487-4704-99BF-4ABC128C85D9}" type="datetime1">
               <a:rPr lang="en-US" smtClean="0"/>
-              <a:t>7/7/2016</a:t>
+              <a:t>7/19/16</a:t>
             </a:fld>
             <a:endParaRPr lang="en-US" dirty="0"/>
           </a:p>
@@ -8042,7 +8042,7 @@
           <a:p>
             <a:fld id="{805BAC59-BD9B-4742-AF2F-3BADDFCE3F7E}" type="datetime1">
               <a:rPr lang="en-US" smtClean="0"/>
-              <a:t>7/7/2016</a:t>
+              <a:t>7/19/16</a:t>
             </a:fld>
             <a:endParaRPr lang="en-US" dirty="0"/>
           </a:p>
@@ -8695,6 +8695,35 @@
           </a:p>
         </p:txBody>
       </p:sp>
+      <p:pic>
+        <p:nvPicPr>
+          <p:cNvPr id="4" name="Picture 3"/>
+          <p:cNvPicPr>
+            <a:picLocks noChangeAspect="1"/>
+          </p:cNvPicPr>
+          <p:nvPr/>
+        </p:nvPicPr>
+        <p:blipFill rotWithShape="1">
+          <a:blip r:embed="rId2">
+            <a:extLst>
+              <a:ext uri="{28A0092B-C50C-407E-A947-70E740481C1C}">
+                <a14:useLocalDpi xmlns:a14="http://schemas.microsoft.com/office/drawing/2010/main" val="0"/>
+              </a:ext>
+            </a:extLst>
+          </a:blip>
+          <a:srcRect l="4523" t="17619" r="3095" b="25000"/>
+          <a:stretch/>
+        </p:blipFill>
+        <p:spPr>
+          <a:xfrm>
+            <a:off x="3711108" y="4592409"/>
+            <a:ext cx="1700816" cy="1056435"/>
+          </a:xfrm>
+          <a:prstGeom prst="rect">
+            <a:avLst/>
+          </a:prstGeom>
+        </p:spPr>
+      </p:pic>
     </p:spTree>
     <p:extLst>
       <p:ext uri="{BB962C8B-B14F-4D97-AF65-F5344CB8AC3E}">
@@ -9047,7 +9076,7 @@
           <a:effectLst/>
           <a:extLst>
             <a:ext uri="{91240B29-F687-4f45-9708-019B960494DF}">
-              <a14:hiddenLine xmlns:a14="http://schemas.microsoft.com/office/drawing/2010/main" xmlns="" w="9525">
+              <a14:hiddenLine xmlns="" xmlns:a14="http://schemas.microsoft.com/office/drawing/2010/main" w="9525">
                 <a:solidFill>
                   <a:schemeClr val="tx1"/>
                 </a:solidFill>
@@ -9057,7 +9086,7 @@
               </a14:hiddenLine>
             </a:ext>
             <a:ext uri="{AF507438-7753-43e0-B8FC-AC1667EBCBE1}">
-              <a14:hiddenEffects xmlns:a14="http://schemas.microsoft.com/office/drawing/2010/main" xmlns="">
+              <a14:hiddenEffects xmlns="" xmlns:a14="http://schemas.microsoft.com/office/drawing/2010/main">
                 <a:effectLst>
                   <a:outerShdw dist="35921" dir="2700000" algn="ctr" rotWithShape="0">
                     <a:schemeClr val="bg2"/>
@@ -9232,6 +9261,18 @@
               </a:rPr>
               <a:t>                         </a:t>
             </a:r>
+            <a:r>
+              <a:rPr kumimoji="0" lang="en-US" altLang="en-US" sz="1600" b="0" i="0" u="none" strike="noStrike" cap="none" normalizeH="0" baseline="0" dirty="0">
+                <a:ln>
+                  <a:noFill/>
+                </a:ln>
+                <a:solidFill>
+                  <a:schemeClr val="tx1"/>
+                </a:solidFill>
+                <a:effectLst/>
+              </a:rPr>
+              <a:t/>
+            </a:r>
             <a:br>
               <a:rPr kumimoji="0" lang="en-US" altLang="en-US" sz="1600" b="0" i="0" u="none" strike="noStrike" cap="none" normalizeH="0" baseline="0" dirty="0">
                 <a:ln>
@@ -9398,7 +9439,7 @@
           <a:noFill/>
           <a:extLst>
             <a:ext uri="{909E8E84-426E-40dd-AFC4-6F175D3DCCD1}">
-              <a14:hiddenFill xmlns:a14="http://schemas.microsoft.com/office/drawing/2010/main" xmlns="">
+              <a14:hiddenFill xmlns="" xmlns:a14="http://schemas.microsoft.com/office/drawing/2010/main">
                 <a:solidFill>
                   <a:srgbClr val="FFFFFF"/>
                 </a:solidFill>
@@ -10227,14 +10268,14 @@
                 <a:gridCol w="1528287">
                   <a:extLst>
                     <a:ext uri="{9D8B030D-6E8A-4147-A177-3AD203B41FA5}">
-                      <a16:colId xmlns:a16="http://schemas.microsoft.com/office/drawing/2014/main" val="20000"/>
+                      <a16:colId xmlns:a16="http://schemas.microsoft.com/office/drawing/2014/main" xmlns="" val="20000"/>
                     </a:ext>
                   </a:extLst>
                 </a:gridCol>
                 <a:gridCol w="6485052">
                   <a:extLst>
                     <a:ext uri="{9D8B030D-6E8A-4147-A177-3AD203B41FA5}">
-                      <a16:colId xmlns:a16="http://schemas.microsoft.com/office/drawing/2014/main" val="20001"/>
+                      <a16:colId xmlns:a16="http://schemas.microsoft.com/office/drawing/2014/main" xmlns="" val="20001"/>
                     </a:ext>
                   </a:extLst>
                 </a:gridCol>
@@ -10353,7 +10394,7 @@
                 </a:tc>
                 <a:extLst>
                   <a:ext uri="{0D108BD9-81ED-4DB2-BD59-A6C34878D82A}">
-                    <a16:rowId xmlns:a16="http://schemas.microsoft.com/office/drawing/2014/main" val="10000"/>
+                    <a16:rowId xmlns:a16="http://schemas.microsoft.com/office/drawing/2014/main" xmlns="" val="10000"/>
                   </a:ext>
                 </a:extLst>
               </a:tr>
@@ -10482,7 +10523,7 @@
                 </a:tc>
                 <a:extLst>
                   <a:ext uri="{0D108BD9-81ED-4DB2-BD59-A6C34878D82A}">
-                    <a16:rowId xmlns:a16="http://schemas.microsoft.com/office/drawing/2014/main" val="10001"/>
+                    <a16:rowId xmlns:a16="http://schemas.microsoft.com/office/drawing/2014/main" xmlns="" val="10001"/>
                   </a:ext>
                 </a:extLst>
               </a:tr>
@@ -10675,7 +10716,7 @@
                 </a:tc>
                 <a:extLst>
                   <a:ext uri="{0D108BD9-81ED-4DB2-BD59-A6C34878D82A}">
-                    <a16:rowId xmlns:a16="http://schemas.microsoft.com/office/drawing/2014/main" val="10002"/>
+                    <a16:rowId xmlns:a16="http://schemas.microsoft.com/office/drawing/2014/main" xmlns="" val="10002"/>
                   </a:ext>
                 </a:extLst>
               </a:tr>
@@ -10809,7 +10850,7 @@
                 </a:tc>
                 <a:extLst>
                   <a:ext uri="{0D108BD9-81ED-4DB2-BD59-A6C34878D82A}">
-                    <a16:rowId xmlns:a16="http://schemas.microsoft.com/office/drawing/2014/main" val="10003"/>
+                    <a16:rowId xmlns:a16="http://schemas.microsoft.com/office/drawing/2014/main" xmlns="" val="10003"/>
                   </a:ext>
                 </a:extLst>
               </a:tr>
@@ -11234,28 +11275,28 @@
                 <a:gridCol w="1204637">
                   <a:extLst>
                     <a:ext uri="{9D8B030D-6E8A-4147-A177-3AD203B41FA5}">
-                      <a16:colId xmlns:a16="http://schemas.microsoft.com/office/drawing/2014/main" val="20000"/>
+                      <a16:colId xmlns:a16="http://schemas.microsoft.com/office/drawing/2014/main" xmlns="" val="20000"/>
                     </a:ext>
                   </a:extLst>
                 </a:gridCol>
                 <a:gridCol w="960106">
                   <a:extLst>
                     <a:ext uri="{9D8B030D-6E8A-4147-A177-3AD203B41FA5}">
-                      <a16:colId xmlns:a16="http://schemas.microsoft.com/office/drawing/2014/main" val="20001"/>
+                      <a16:colId xmlns:a16="http://schemas.microsoft.com/office/drawing/2014/main" xmlns="" val="20001"/>
                     </a:ext>
                   </a:extLst>
                 </a:gridCol>
                 <a:gridCol w="1326902">
                   <a:extLst>
                     <a:ext uri="{9D8B030D-6E8A-4147-A177-3AD203B41FA5}">
-                      <a16:colId xmlns:a16="http://schemas.microsoft.com/office/drawing/2014/main" val="20002"/>
+                      <a16:colId xmlns:a16="http://schemas.microsoft.com/office/drawing/2014/main" xmlns="" val="20002"/>
                     </a:ext>
                   </a:extLst>
                 </a:gridCol>
                 <a:gridCol w="1326902">
                   <a:extLst>
                     <a:ext uri="{9D8B030D-6E8A-4147-A177-3AD203B41FA5}">
-                      <a16:colId xmlns:a16="http://schemas.microsoft.com/office/drawing/2014/main" val="20003"/>
+                      <a16:colId xmlns:a16="http://schemas.microsoft.com/office/drawing/2014/main" xmlns="" val="20003"/>
                     </a:ext>
                   </a:extLst>
                 </a:gridCol>
@@ -11325,7 +11366,7 @@
                 </a:tc>
                 <a:extLst>
                   <a:ext uri="{0D108BD9-81ED-4DB2-BD59-A6C34878D82A}">
-                    <a16:rowId xmlns:a16="http://schemas.microsoft.com/office/drawing/2014/main" val="10000"/>
+                    <a16:rowId xmlns:a16="http://schemas.microsoft.com/office/drawing/2014/main" xmlns="" val="10000"/>
                   </a:ext>
                 </a:extLst>
               </a:tr>
@@ -11378,7 +11419,7 @@
                 </a:tc>
                 <a:extLst>
                   <a:ext uri="{0D108BD9-81ED-4DB2-BD59-A6C34878D82A}">
-                    <a16:rowId xmlns:a16="http://schemas.microsoft.com/office/drawing/2014/main" val="10001"/>
+                    <a16:rowId xmlns:a16="http://schemas.microsoft.com/office/drawing/2014/main" xmlns="" val="10001"/>
                   </a:ext>
                 </a:extLst>
               </a:tr>
@@ -11431,7 +11472,7 @@
                 </a:tc>
                 <a:extLst>
                   <a:ext uri="{0D108BD9-81ED-4DB2-BD59-A6C34878D82A}">
-                    <a16:rowId xmlns:a16="http://schemas.microsoft.com/office/drawing/2014/main" val="10002"/>
+                    <a16:rowId xmlns:a16="http://schemas.microsoft.com/office/drawing/2014/main" xmlns="" val="10002"/>
                   </a:ext>
                 </a:extLst>
               </a:tr>
@@ -11484,7 +11525,7 @@
                 </a:tc>
                 <a:extLst>
                   <a:ext uri="{0D108BD9-81ED-4DB2-BD59-A6C34878D82A}">
-                    <a16:rowId xmlns:a16="http://schemas.microsoft.com/office/drawing/2014/main" val="10003"/>
+                    <a16:rowId xmlns:a16="http://schemas.microsoft.com/office/drawing/2014/main" xmlns="" val="10003"/>
                   </a:ext>
                 </a:extLst>
               </a:tr>
@@ -11537,7 +11578,7 @@
                 </a:tc>
                 <a:extLst>
                   <a:ext uri="{0D108BD9-81ED-4DB2-BD59-A6C34878D82A}">
-                    <a16:rowId xmlns:a16="http://schemas.microsoft.com/office/drawing/2014/main" val="10004"/>
+                    <a16:rowId xmlns:a16="http://schemas.microsoft.com/office/drawing/2014/main" xmlns="" val="10004"/>
                   </a:ext>
                 </a:extLst>
               </a:tr>
@@ -11590,7 +11631,7 @@
                 </a:tc>
                 <a:extLst>
                   <a:ext uri="{0D108BD9-81ED-4DB2-BD59-A6C34878D82A}">
-                    <a16:rowId xmlns:a16="http://schemas.microsoft.com/office/drawing/2014/main" val="10005"/>
+                    <a16:rowId xmlns:a16="http://schemas.microsoft.com/office/drawing/2014/main" xmlns="" val="10005"/>
                   </a:ext>
                 </a:extLst>
               </a:tr>
